--- a/MTSE.pptx
+++ b/MTSE.pptx
@@ -2,24 +2,26 @@
 <file path=ppt/presentation.xml><?xml version="1.0" encoding="utf-8"?>
 <p:presentation xmlns:a="http://schemas.openxmlformats.org/drawingml/2006/main" xmlns:r="http://schemas.openxmlformats.org/officeDocument/2006/relationships" xmlns:p="http://schemas.openxmlformats.org/presentationml/2006/main" saveSubsetFonts="1">
   <p:sldMasterIdLst>
-    <p:sldMasterId id="2147483648" r:id="rId1"/>
+    <p:sldMasterId id="2147483660" r:id="rId1"/>
   </p:sldMasterIdLst>
   <p:sldIdLst>
     <p:sldId id="256" r:id="rId2"/>
     <p:sldId id="257" r:id="rId3"/>
-    <p:sldId id="266" r:id="rId4"/>
-    <p:sldId id="267" r:id="rId5"/>
-    <p:sldId id="268" r:id="rId6"/>
-    <p:sldId id="269" r:id="rId7"/>
-    <p:sldId id="270" r:id="rId8"/>
-    <p:sldId id="258" r:id="rId9"/>
-    <p:sldId id="259" r:id="rId10"/>
-    <p:sldId id="260" r:id="rId11"/>
-    <p:sldId id="261" r:id="rId12"/>
-    <p:sldId id="262" r:id="rId13"/>
-    <p:sldId id="263" r:id="rId14"/>
-    <p:sldId id="264" r:id="rId15"/>
-    <p:sldId id="265" r:id="rId16"/>
+    <p:sldId id="273" r:id="rId4"/>
+    <p:sldId id="271" r:id="rId5"/>
+    <p:sldId id="274" r:id="rId6"/>
+    <p:sldId id="276" r:id="rId7"/>
+    <p:sldId id="275" r:id="rId8"/>
+    <p:sldId id="266" r:id="rId9"/>
+    <p:sldId id="267" r:id="rId10"/>
+    <p:sldId id="268" r:id="rId11"/>
+    <p:sldId id="269" r:id="rId12"/>
+    <p:sldId id="270" r:id="rId13"/>
+    <p:sldId id="258" r:id="rId14"/>
+    <p:sldId id="259" r:id="rId15"/>
+    <p:sldId id="277" r:id="rId16"/>
+    <p:sldId id="260" r:id="rId17"/>
+    <p:sldId id="261" r:id="rId18"/>
   </p:sldIdLst>
   <p:sldSz cx="12192000" cy="6858000"/>
   <p:notesSz cx="6858000" cy="9144000"/>
@@ -27,7 +29,7 @@
     <a:defPPr>
       <a:defRPr lang="en-US"/>
     </a:defPPr>
-    <a:lvl1pPr marL="0" algn="l" defTabSz="914400" rtl="0" eaLnBrk="1" latinLnBrk="0" hangingPunct="1">
+    <a:lvl1pPr marL="0" algn="l" defTabSz="457200" rtl="0" eaLnBrk="1" latinLnBrk="0" hangingPunct="1">
       <a:defRPr sz="1800" kern="1200">
         <a:solidFill>
           <a:schemeClr val="tx1"/>
@@ -37,7 +39,7 @@
         <a:cs typeface="+mn-cs"/>
       </a:defRPr>
     </a:lvl1pPr>
-    <a:lvl2pPr marL="457200" algn="l" defTabSz="914400" rtl="0" eaLnBrk="1" latinLnBrk="0" hangingPunct="1">
+    <a:lvl2pPr marL="457200" algn="l" defTabSz="457200" rtl="0" eaLnBrk="1" latinLnBrk="0" hangingPunct="1">
       <a:defRPr sz="1800" kern="1200">
         <a:solidFill>
           <a:schemeClr val="tx1"/>
@@ -47,7 +49,7 @@
         <a:cs typeface="+mn-cs"/>
       </a:defRPr>
     </a:lvl2pPr>
-    <a:lvl3pPr marL="914400" algn="l" defTabSz="914400" rtl="0" eaLnBrk="1" latinLnBrk="0" hangingPunct="1">
+    <a:lvl3pPr marL="914400" algn="l" defTabSz="457200" rtl="0" eaLnBrk="1" latinLnBrk="0" hangingPunct="1">
       <a:defRPr sz="1800" kern="1200">
         <a:solidFill>
           <a:schemeClr val="tx1"/>
@@ -57,7 +59,7 @@
         <a:cs typeface="+mn-cs"/>
       </a:defRPr>
     </a:lvl3pPr>
-    <a:lvl4pPr marL="1371600" algn="l" defTabSz="914400" rtl="0" eaLnBrk="1" latinLnBrk="0" hangingPunct="1">
+    <a:lvl4pPr marL="1371600" algn="l" defTabSz="457200" rtl="0" eaLnBrk="1" latinLnBrk="0" hangingPunct="1">
       <a:defRPr sz="1800" kern="1200">
         <a:solidFill>
           <a:schemeClr val="tx1"/>
@@ -67,7 +69,7 @@
         <a:cs typeface="+mn-cs"/>
       </a:defRPr>
     </a:lvl4pPr>
-    <a:lvl5pPr marL="1828800" algn="l" defTabSz="914400" rtl="0" eaLnBrk="1" latinLnBrk="0" hangingPunct="1">
+    <a:lvl5pPr marL="1828800" algn="l" defTabSz="457200" rtl="0" eaLnBrk="1" latinLnBrk="0" hangingPunct="1">
       <a:defRPr sz="1800" kern="1200">
         <a:solidFill>
           <a:schemeClr val="tx1"/>
@@ -77,7 +79,7 @@
         <a:cs typeface="+mn-cs"/>
       </a:defRPr>
     </a:lvl5pPr>
-    <a:lvl6pPr marL="2286000" algn="l" defTabSz="914400" rtl="0" eaLnBrk="1" latinLnBrk="0" hangingPunct="1">
+    <a:lvl6pPr marL="2286000" algn="l" defTabSz="457200" rtl="0" eaLnBrk="1" latinLnBrk="0" hangingPunct="1">
       <a:defRPr sz="1800" kern="1200">
         <a:solidFill>
           <a:schemeClr val="tx1"/>
@@ -87,7 +89,7 @@
         <a:cs typeface="+mn-cs"/>
       </a:defRPr>
     </a:lvl6pPr>
-    <a:lvl7pPr marL="2743200" algn="l" defTabSz="914400" rtl="0" eaLnBrk="1" latinLnBrk="0" hangingPunct="1">
+    <a:lvl7pPr marL="2743200" algn="l" defTabSz="457200" rtl="0" eaLnBrk="1" latinLnBrk="0" hangingPunct="1">
       <a:defRPr sz="1800" kern="1200">
         <a:solidFill>
           <a:schemeClr val="tx1"/>
@@ -97,7 +99,7 @@
         <a:cs typeface="+mn-cs"/>
       </a:defRPr>
     </a:lvl7pPr>
-    <a:lvl8pPr marL="3200400" algn="l" defTabSz="914400" rtl="0" eaLnBrk="1" latinLnBrk="0" hangingPunct="1">
+    <a:lvl8pPr marL="3200400" algn="l" defTabSz="457200" rtl="0" eaLnBrk="1" latinLnBrk="0" hangingPunct="1">
       <a:defRPr sz="1800" kern="1200">
         <a:solidFill>
           <a:schemeClr val="tx1"/>
@@ -107,7 +109,7 @@
         <a:cs typeface="+mn-cs"/>
       </a:defRPr>
     </a:lvl8pPr>
-    <a:lvl9pPr marL="3657600" algn="l" defTabSz="914400" rtl="0" eaLnBrk="1" latinLnBrk="0" hangingPunct="1">
+    <a:lvl9pPr marL="3657600" algn="l" defTabSz="457200" rtl="0" eaLnBrk="1" latinLnBrk="0" hangingPunct="1">
       <a:defRPr sz="1800" kern="1200">
         <a:solidFill>
           <a:schemeClr val="tx1"/>
@@ -125,6 +127,11 @@
           <p14:sldIdLst>
             <p14:sldId id="256"/>
             <p14:sldId id="257"/>
+            <p14:sldId id="273"/>
+            <p14:sldId id="271"/>
+            <p14:sldId id="274"/>
+            <p14:sldId id="276"/>
+            <p14:sldId id="275"/>
           </p14:sldIdLst>
         </p14:section>
         <p14:section name="Callum" id="{C2DC38D2-1DC8-44BA-B345-3BD34244FBBB}">
@@ -140,15 +147,18 @@
           <p14:sldIdLst>
             <p14:sldId id="258"/>
             <p14:sldId id="259"/>
+            <p14:sldId id="277"/>
             <p14:sldId id="260"/>
             <p14:sldId id="261"/>
-            <p14:sldId id="262"/>
-            <p14:sldId id="263"/>
-            <p14:sldId id="264"/>
-            <p14:sldId id="265"/>
           </p14:sldIdLst>
         </p14:section>
+        <p14:section name="Callum" id="{48B50C97-AA34-44BF-B70C-F5940FAB561D}">
+          <p14:sldIdLst/>
+        </p14:section>
       </p14:sectionLst>
+    </p:ext>
+    <p:ext uri="{EFAFB233-063F-42B5-8137-9DF3F51BA10A}">
+      <p15:sldGuideLst xmlns:p15="http://schemas.microsoft.com/office/powerpoint/2012/main"/>
     </p:ext>
   </p:extLst>
 </p:presentation>
@@ -157,6 +167,14 @@
 <file path=ppt/slideLayouts/slideLayout1.xml><?xml version="1.0" encoding="utf-8"?>
 <p:sldLayout xmlns:a="http://schemas.openxmlformats.org/drawingml/2006/main" xmlns:r="http://schemas.openxmlformats.org/officeDocument/2006/relationships" xmlns:p="http://schemas.openxmlformats.org/presentationml/2006/main" type="title" preserve="1">
   <p:cSld name="Title Slide">
+    <p:bg>
+      <p:bgPr>
+        <a:solidFill>
+          <a:schemeClr val="accent1"/>
+        </a:solidFill>
+        <a:effectLst/>
+      </p:bgPr>
+    </p:bg>
     <p:spTree>
       <p:nvGrpSpPr>
         <p:cNvPr id="1" name=""/>
@@ -173,31 +191,69 @@
       </p:grpSpPr>
       <p:sp>
         <p:nvSpPr>
-          <p:cNvPr id="2" name="Title 1">
-            <a:extLst>
-              <a:ext uri="{FF2B5EF4-FFF2-40B4-BE49-F238E27FC236}">
-                <a16:creationId xmlns:a16="http://schemas.microsoft.com/office/drawing/2014/main" id="{1DCADF5B-A20E-4893-AE16-AF30C6312292}"/>
-              </a:ext>
-            </a:extLst>
-          </p:cNvPr>
-          <p:cNvSpPr>
-            <a:spLocks noGrp="1"/>
-          </p:cNvSpPr>
-          <p:nvPr>
-            <p:ph type="ctrTitle"/>
-          </p:nvPr>
+          <p:cNvPr id="4" name="Rectangle 3"/>
+          <p:cNvSpPr/>
+          <p:nvPr/>
         </p:nvSpPr>
         <p:spPr>
           <a:xfrm>
-            <a:off x="1524000" y="1122363"/>
-            <a:ext cx="9144000" cy="2387600"/>
+            <a:off x="0" y="0"/>
+            <a:ext cx="12192000" cy="6858000"/>
+          </a:xfrm>
+          <a:prstGeom prst="rect">
+            <a:avLst/>
+          </a:prstGeom>
+          <a:ln>
+            <a:noFill/>
+          </a:ln>
+        </p:spPr>
+        <p:style>
+          <a:lnRef idx="2">
+            <a:schemeClr val="accent1">
+              <a:shade val="50000"/>
+            </a:schemeClr>
+          </a:lnRef>
+          <a:fillRef idx="1">
+            <a:schemeClr val="accent1"/>
+          </a:fillRef>
+          <a:effectRef idx="0">
+            <a:schemeClr val="accent1"/>
+          </a:effectRef>
+          <a:fontRef idx="minor">
+            <a:schemeClr val="lt1"/>
+          </a:fontRef>
+        </p:style>
+      </p:sp>
+      <p:sp>
+        <p:nvSpPr>
+          <p:cNvPr id="2" name="Title 1"/>
+          <p:cNvSpPr>
+            <a:spLocks noGrp="1"/>
+          </p:cNvSpPr>
+          <p:nvPr>
+            <p:ph type="ctrTitle"/>
+          </p:nvPr>
+        </p:nvSpPr>
+        <p:spPr>
+          <a:xfrm>
+            <a:off x="603504" y="770467"/>
+            <a:ext cx="10782300" cy="3352800"/>
           </a:xfrm>
         </p:spPr>
         <p:txBody>
-          <a:bodyPr anchor="b"/>
+          <a:bodyPr anchor="b">
+            <a:noAutofit/>
+          </a:bodyPr>
           <a:lstStyle>
-            <a:lvl1pPr algn="ctr">
-              <a:defRPr sz="6000"/>
+            <a:lvl1pPr algn="l">
+              <a:lnSpc>
+                <a:spcPct val="80000"/>
+              </a:lnSpc>
+              <a:defRPr sz="8800" spc="-120" baseline="0">
+                <a:solidFill>
+                  <a:srgbClr val="FFFFFF"/>
+                </a:solidFill>
+              </a:defRPr>
             </a:lvl1pPr>
           </a:lstStyle>
           <a:p>
@@ -205,19 +261,13 @@
               <a:rPr lang="en-US"/>
               <a:t>Click to edit Master title style</a:t>
             </a:r>
-            <a:endParaRPr lang="en-GB"/>
-          </a:p>
-        </p:txBody>
-      </p:sp>
-      <p:sp>
-        <p:nvSpPr>
-          <p:cNvPr id="3" name="Subtitle 2">
-            <a:extLst>
-              <a:ext uri="{FF2B5EF4-FFF2-40B4-BE49-F238E27FC236}">
-                <a16:creationId xmlns:a16="http://schemas.microsoft.com/office/drawing/2014/main" id="{41482F49-726A-42F9-BA99-BCFB53521721}"/>
-              </a:ext>
-            </a:extLst>
-          </p:cNvPr>
+            <a:endParaRPr lang="en-US" dirty="0"/>
+          </a:p>
+        </p:txBody>
+      </p:sp>
+      <p:sp>
+        <p:nvSpPr>
+          <p:cNvPr id="3" name="Subtitle 2"/>
           <p:cNvSpPr>
             <a:spLocks noGrp="1"/>
           </p:cNvSpPr>
@@ -227,48 +277,55 @@
         </p:nvSpPr>
         <p:spPr>
           <a:xfrm>
-            <a:off x="1524000" y="3602038"/>
-            <a:ext cx="9144000" cy="1655762"/>
+            <a:off x="667512" y="4206876"/>
+            <a:ext cx="9228201" cy="1645920"/>
           </a:xfrm>
         </p:spPr>
         <p:txBody>
-          <a:bodyPr/>
+          <a:bodyPr>
+            <a:normAutofit/>
+          </a:bodyPr>
           <a:lstStyle>
-            <a:lvl1pPr marL="0" indent="0" algn="ctr">
-              <a:buNone/>
-              <a:defRPr sz="2400"/>
+            <a:lvl1pPr marL="0" indent="0" algn="l">
+              <a:buNone/>
+              <a:defRPr sz="3200">
+                <a:solidFill>
+                  <a:schemeClr val="bg1"/>
+                </a:solidFill>
+                <a:latin typeface="+mj-lt"/>
+              </a:defRPr>
             </a:lvl1pPr>
             <a:lvl2pPr marL="457200" indent="0" algn="ctr">
               <a:buNone/>
-              <a:defRPr sz="2000"/>
+              <a:defRPr sz="2800"/>
             </a:lvl2pPr>
             <a:lvl3pPr marL="914400" indent="0" algn="ctr">
               <a:buNone/>
-              <a:defRPr sz="1800"/>
+              <a:defRPr sz="2400"/>
             </a:lvl3pPr>
             <a:lvl4pPr marL="1371600" indent="0" algn="ctr">
               <a:buNone/>
-              <a:defRPr sz="1600"/>
+              <a:defRPr sz="2000"/>
             </a:lvl4pPr>
             <a:lvl5pPr marL="1828800" indent="0" algn="ctr">
               <a:buNone/>
-              <a:defRPr sz="1600"/>
+              <a:defRPr sz="2000"/>
             </a:lvl5pPr>
             <a:lvl6pPr marL="2286000" indent="0" algn="ctr">
               <a:buNone/>
-              <a:defRPr sz="1600"/>
+              <a:defRPr sz="2000"/>
             </a:lvl6pPr>
             <a:lvl7pPr marL="2743200" indent="0" algn="ctr">
               <a:buNone/>
-              <a:defRPr sz="1600"/>
+              <a:defRPr sz="2000"/>
             </a:lvl7pPr>
             <a:lvl8pPr marL="3200400" indent="0" algn="ctr">
               <a:buNone/>
-              <a:defRPr sz="1600"/>
+              <a:defRPr sz="2000"/>
             </a:lvl8pPr>
             <a:lvl9pPr marL="3657600" indent="0" algn="ctr">
               <a:buNone/>
-              <a:defRPr sz="1600"/>
+              <a:defRPr sz="2000"/>
             </a:lvl9pPr>
           </a:lstStyle>
           <a:p>
@@ -276,19 +333,13 @@
               <a:rPr lang="en-US"/>
               <a:t>Click to edit Master subtitle style</a:t>
             </a:r>
-            <a:endParaRPr lang="en-GB"/>
-          </a:p>
-        </p:txBody>
-      </p:sp>
-      <p:sp>
-        <p:nvSpPr>
-          <p:cNvPr id="4" name="Date Placeholder 3">
-            <a:extLst>
-              <a:ext uri="{FF2B5EF4-FFF2-40B4-BE49-F238E27FC236}">
-                <a16:creationId xmlns:a16="http://schemas.microsoft.com/office/drawing/2014/main" id="{A7ED8E84-F421-40BD-9987-FE547609AC66}"/>
-              </a:ext>
-            </a:extLst>
-          </p:cNvPr>
+            <a:endParaRPr lang="en-US" dirty="0"/>
+          </a:p>
+        </p:txBody>
+      </p:sp>
+      <p:sp>
+        <p:nvSpPr>
+          <p:cNvPr id="7" name="Date Placeholder 6"/>
           <p:cNvSpPr>
             <a:spLocks noGrp="1"/>
           </p:cNvSpPr>
@@ -299,11 +350,21 @@
         <p:spPr/>
         <p:txBody>
           <a:bodyPr/>
-          <a:lstStyle/>
+          <a:lstStyle>
+            <a:lvl1pPr>
+              <a:defRPr>
+                <a:solidFill>
+                  <a:srgbClr val="FFFFFF">
+                    <a:alpha val="80000"/>
+                  </a:srgbClr>
+                </a:solidFill>
+              </a:defRPr>
+            </a:lvl1pPr>
+          </a:lstStyle>
           <a:p>
             <a:fld id="{018B08E2-CE20-4076-9562-F8B5CB5D6CE9}" type="datetimeFigureOut">
               <a:rPr lang="en-GB" smtClean="0"/>
-              <a:t>25/10/2018</a:t>
+              <a:t>26/10/2018</a:t>
             </a:fld>
             <a:endParaRPr lang="en-GB"/>
           </a:p>
@@ -311,13 +372,7 @@
       </p:sp>
       <p:sp>
         <p:nvSpPr>
-          <p:cNvPr id="5" name="Footer Placeholder 4">
-            <a:extLst>
-              <a:ext uri="{FF2B5EF4-FFF2-40B4-BE49-F238E27FC236}">
-                <a16:creationId xmlns:a16="http://schemas.microsoft.com/office/drawing/2014/main" id="{0621C9B3-E837-49C5-99A2-1ED70DC26BAF}"/>
-              </a:ext>
-            </a:extLst>
-          </p:cNvPr>
+          <p:cNvPr id="8" name="Footer Placeholder 7"/>
           <p:cNvSpPr>
             <a:spLocks noGrp="1"/>
           </p:cNvSpPr>
@@ -328,7 +383,17 @@
         <p:spPr/>
         <p:txBody>
           <a:bodyPr/>
-          <a:lstStyle/>
+          <a:lstStyle>
+            <a:lvl1pPr>
+              <a:defRPr>
+                <a:solidFill>
+                  <a:srgbClr val="FFFFFF">
+                    <a:alpha val="80000"/>
+                  </a:srgbClr>
+                </a:solidFill>
+              </a:defRPr>
+            </a:lvl1pPr>
+          </a:lstStyle>
           <a:p>
             <a:endParaRPr lang="en-GB"/>
           </a:p>
@@ -336,13 +401,7 @@
       </p:sp>
       <p:sp>
         <p:nvSpPr>
-          <p:cNvPr id="6" name="Slide Number Placeholder 5">
-            <a:extLst>
-              <a:ext uri="{FF2B5EF4-FFF2-40B4-BE49-F238E27FC236}">
-                <a16:creationId xmlns:a16="http://schemas.microsoft.com/office/drawing/2014/main" id="{D01DC5CE-2779-4D33-868B-CB941DA7A104}"/>
-              </a:ext>
-            </a:extLst>
-          </p:cNvPr>
+          <p:cNvPr id="9" name="Slide Number Placeholder 8"/>
           <p:cNvSpPr>
             <a:spLocks noGrp="1"/>
           </p:cNvSpPr>
@@ -353,7 +412,17 @@
         <p:spPr/>
         <p:txBody>
           <a:bodyPr/>
-          <a:lstStyle/>
+          <a:lstStyle>
+            <a:lvl1pPr>
+              <a:defRPr>
+                <a:solidFill>
+                  <a:srgbClr val="FFFFFF">
+                    <a:alpha val="25000"/>
+                  </a:srgbClr>
+                </a:solidFill>
+              </a:defRPr>
+            </a:lvl1pPr>
+          </a:lstStyle>
           <a:p>
             <a:fld id="{DB46D118-6E39-4DE5-92E3-3043D4ECDEF5}" type="slidenum">
               <a:rPr lang="en-GB" smtClean="0"/>
@@ -366,7 +435,7 @@
     </p:spTree>
     <p:extLst>
       <p:ext uri="{BB962C8B-B14F-4D97-AF65-F5344CB8AC3E}">
-        <p14:creationId xmlns:p14="http://schemas.microsoft.com/office/powerpoint/2010/main" val="2461639371"/>
+        <p14:creationId xmlns:p14="http://schemas.microsoft.com/office/powerpoint/2010/main" val="3048349514"/>
       </p:ext>
     </p:extLst>
   </p:cSld>
@@ -395,13 +464,7 @@
       </p:grpSpPr>
       <p:sp>
         <p:nvSpPr>
-          <p:cNvPr id="2" name="Title 1">
-            <a:extLst>
-              <a:ext uri="{FF2B5EF4-FFF2-40B4-BE49-F238E27FC236}">
-                <a16:creationId xmlns:a16="http://schemas.microsoft.com/office/drawing/2014/main" id="{B7C4D53A-DE92-410E-87C6-7D45BC9231B8}"/>
-              </a:ext>
-            </a:extLst>
-          </p:cNvPr>
+          <p:cNvPr id="2" name="Title 1"/>
           <p:cNvSpPr>
             <a:spLocks noGrp="1"/>
           </p:cNvSpPr>
@@ -418,19 +481,13 @@
               <a:rPr lang="en-US"/>
               <a:t>Click to edit Master title style</a:t>
             </a:r>
-            <a:endParaRPr lang="en-GB"/>
-          </a:p>
-        </p:txBody>
-      </p:sp>
-      <p:sp>
-        <p:nvSpPr>
-          <p:cNvPr id="3" name="Vertical Text Placeholder 2">
-            <a:extLst>
-              <a:ext uri="{FF2B5EF4-FFF2-40B4-BE49-F238E27FC236}">
-                <a16:creationId xmlns:a16="http://schemas.microsoft.com/office/drawing/2014/main" id="{5D540C7F-7C4E-4266-82C8-77CB905A04EE}"/>
-              </a:ext>
-            </a:extLst>
-          </p:cNvPr>
+            <a:endParaRPr lang="en-US" dirty="0"/>
+          </a:p>
+        </p:txBody>
+      </p:sp>
+      <p:sp>
+        <p:nvSpPr>
+          <p:cNvPr id="3" name="Vertical Text Placeholder 2"/>
           <p:cNvSpPr>
             <a:spLocks noGrp="1"/>
           </p:cNvSpPr>
@@ -476,19 +533,13 @@
               <a:rPr lang="en-US"/>
               <a:t>Fifth level</a:t>
             </a:r>
-            <a:endParaRPr lang="en-GB"/>
-          </a:p>
-        </p:txBody>
-      </p:sp>
-      <p:sp>
-        <p:nvSpPr>
-          <p:cNvPr id="4" name="Date Placeholder 3">
-            <a:extLst>
-              <a:ext uri="{FF2B5EF4-FFF2-40B4-BE49-F238E27FC236}">
-                <a16:creationId xmlns:a16="http://schemas.microsoft.com/office/drawing/2014/main" id="{35B80446-C85B-4417-8A4D-CE0DB8A06BB3}"/>
-              </a:ext>
-            </a:extLst>
-          </p:cNvPr>
+            <a:endParaRPr lang="en-US" dirty="0"/>
+          </a:p>
+        </p:txBody>
+      </p:sp>
+      <p:sp>
+        <p:nvSpPr>
+          <p:cNvPr id="4" name="Date Placeholder 3"/>
           <p:cNvSpPr>
             <a:spLocks noGrp="1"/>
           </p:cNvSpPr>
@@ -503,7 +554,7 @@
           <a:p>
             <a:fld id="{018B08E2-CE20-4076-9562-F8B5CB5D6CE9}" type="datetimeFigureOut">
               <a:rPr lang="en-GB" smtClean="0"/>
-              <a:t>25/10/2018</a:t>
+              <a:t>26/10/2018</a:t>
             </a:fld>
             <a:endParaRPr lang="en-GB"/>
           </a:p>
@@ -511,13 +562,7 @@
       </p:sp>
       <p:sp>
         <p:nvSpPr>
-          <p:cNvPr id="5" name="Footer Placeholder 4">
-            <a:extLst>
-              <a:ext uri="{FF2B5EF4-FFF2-40B4-BE49-F238E27FC236}">
-                <a16:creationId xmlns:a16="http://schemas.microsoft.com/office/drawing/2014/main" id="{BDBA487C-A350-4EB6-82C4-D65FA99E202E}"/>
-              </a:ext>
-            </a:extLst>
-          </p:cNvPr>
+          <p:cNvPr id="5" name="Footer Placeholder 4"/>
           <p:cNvSpPr>
             <a:spLocks noGrp="1"/>
           </p:cNvSpPr>
@@ -536,13 +581,7 @@
       </p:sp>
       <p:sp>
         <p:nvSpPr>
-          <p:cNvPr id="6" name="Slide Number Placeholder 5">
-            <a:extLst>
-              <a:ext uri="{FF2B5EF4-FFF2-40B4-BE49-F238E27FC236}">
-                <a16:creationId xmlns:a16="http://schemas.microsoft.com/office/drawing/2014/main" id="{27F1653E-F8C1-45AC-992D-6DFAF65E04EB}"/>
-              </a:ext>
-            </a:extLst>
-          </p:cNvPr>
+          <p:cNvPr id="6" name="Slide Number Placeholder 5"/>
           <p:cNvSpPr>
             <a:spLocks noGrp="1"/>
           </p:cNvSpPr>
@@ -566,7 +605,7 @@
     </p:spTree>
     <p:extLst>
       <p:ext uri="{BB962C8B-B14F-4D97-AF65-F5344CB8AC3E}">
-        <p14:creationId xmlns:p14="http://schemas.microsoft.com/office/powerpoint/2010/main" val="591195652"/>
+        <p14:creationId xmlns:p14="http://schemas.microsoft.com/office/powerpoint/2010/main" val="885038317"/>
       </p:ext>
     </p:extLst>
   </p:cSld>
@@ -595,13 +634,7 @@
       </p:grpSpPr>
       <p:sp>
         <p:nvSpPr>
-          <p:cNvPr id="2" name="Vertical Title 1">
-            <a:extLst>
-              <a:ext uri="{FF2B5EF4-FFF2-40B4-BE49-F238E27FC236}">
-                <a16:creationId xmlns:a16="http://schemas.microsoft.com/office/drawing/2014/main" id="{66BA67B2-74AD-40F5-9755-FB7F2073DDB9}"/>
-              </a:ext>
-            </a:extLst>
-          </p:cNvPr>
+          <p:cNvPr id="2" name="Vertical Title 1"/>
           <p:cNvSpPr>
             <a:spLocks noGrp="1"/>
           </p:cNvSpPr>
@@ -611,8 +644,8 @@
         </p:nvSpPr>
         <p:spPr>
           <a:xfrm>
-            <a:off x="8724900" y="365125"/>
-            <a:ext cx="2628900" cy="5811838"/>
+            <a:off x="8743950" y="695325"/>
+            <a:ext cx="2628900" cy="4800600"/>
           </a:xfrm>
         </p:spPr>
         <p:txBody>
@@ -623,19 +656,13 @@
               <a:rPr lang="en-US"/>
               <a:t>Click to edit Master title style</a:t>
             </a:r>
-            <a:endParaRPr lang="en-GB"/>
-          </a:p>
-        </p:txBody>
-      </p:sp>
-      <p:sp>
-        <p:nvSpPr>
-          <p:cNvPr id="3" name="Vertical Text Placeholder 2">
-            <a:extLst>
-              <a:ext uri="{FF2B5EF4-FFF2-40B4-BE49-F238E27FC236}">
-                <a16:creationId xmlns:a16="http://schemas.microsoft.com/office/drawing/2014/main" id="{76D9B8C9-63F3-4FD8-8771-17FAB74BEF9E}"/>
-              </a:ext>
-            </a:extLst>
-          </p:cNvPr>
+            <a:endParaRPr lang="en-US" dirty="0"/>
+          </a:p>
+        </p:txBody>
+      </p:sp>
+      <p:sp>
+        <p:nvSpPr>
+          <p:cNvPr id="3" name="Vertical Text Placeholder 2"/>
           <p:cNvSpPr>
             <a:spLocks noGrp="1"/>
           </p:cNvSpPr>
@@ -645,8 +672,8 @@
         </p:nvSpPr>
         <p:spPr>
           <a:xfrm>
-            <a:off x="838200" y="365125"/>
-            <a:ext cx="7734300" cy="5811838"/>
+            <a:off x="771525" y="714375"/>
+            <a:ext cx="7734300" cy="5400675"/>
           </a:xfrm>
         </p:spPr>
         <p:txBody>
@@ -686,19 +713,13 @@
               <a:rPr lang="en-US"/>
               <a:t>Fifth level</a:t>
             </a:r>
-            <a:endParaRPr lang="en-GB"/>
-          </a:p>
-        </p:txBody>
-      </p:sp>
-      <p:sp>
-        <p:nvSpPr>
-          <p:cNvPr id="4" name="Date Placeholder 3">
-            <a:extLst>
-              <a:ext uri="{FF2B5EF4-FFF2-40B4-BE49-F238E27FC236}">
-                <a16:creationId xmlns:a16="http://schemas.microsoft.com/office/drawing/2014/main" id="{5403F0D1-4ABE-43E0-BFD6-9BC7011CF394}"/>
-              </a:ext>
-            </a:extLst>
-          </p:cNvPr>
+            <a:endParaRPr lang="en-US" dirty="0"/>
+          </a:p>
+        </p:txBody>
+      </p:sp>
+      <p:sp>
+        <p:nvSpPr>
+          <p:cNvPr id="4" name="Date Placeholder 3"/>
           <p:cNvSpPr>
             <a:spLocks noGrp="1"/>
           </p:cNvSpPr>
@@ -713,7 +734,7 @@
           <a:p>
             <a:fld id="{018B08E2-CE20-4076-9562-F8B5CB5D6CE9}" type="datetimeFigureOut">
               <a:rPr lang="en-GB" smtClean="0"/>
-              <a:t>25/10/2018</a:t>
+              <a:t>26/10/2018</a:t>
             </a:fld>
             <a:endParaRPr lang="en-GB"/>
           </a:p>
@@ -721,13 +742,7 @@
       </p:sp>
       <p:sp>
         <p:nvSpPr>
-          <p:cNvPr id="5" name="Footer Placeholder 4">
-            <a:extLst>
-              <a:ext uri="{FF2B5EF4-FFF2-40B4-BE49-F238E27FC236}">
-                <a16:creationId xmlns:a16="http://schemas.microsoft.com/office/drawing/2014/main" id="{53B5417D-0142-4350-B359-A7E7F7D9990F}"/>
-              </a:ext>
-            </a:extLst>
-          </p:cNvPr>
+          <p:cNvPr id="5" name="Footer Placeholder 4"/>
           <p:cNvSpPr>
             <a:spLocks noGrp="1"/>
           </p:cNvSpPr>
@@ -746,13 +761,7 @@
       </p:sp>
       <p:sp>
         <p:nvSpPr>
-          <p:cNvPr id="6" name="Slide Number Placeholder 5">
-            <a:extLst>
-              <a:ext uri="{FF2B5EF4-FFF2-40B4-BE49-F238E27FC236}">
-                <a16:creationId xmlns:a16="http://schemas.microsoft.com/office/drawing/2014/main" id="{E56701F5-DDB5-42B2-9CCA-BF292288CA0A}"/>
-              </a:ext>
-            </a:extLst>
-          </p:cNvPr>
+          <p:cNvPr id="6" name="Slide Number Placeholder 5"/>
           <p:cNvSpPr>
             <a:spLocks noGrp="1"/>
           </p:cNvSpPr>
@@ -776,7 +785,7 @@
     </p:spTree>
     <p:extLst>
       <p:ext uri="{BB962C8B-B14F-4D97-AF65-F5344CB8AC3E}">
-        <p14:creationId xmlns:p14="http://schemas.microsoft.com/office/powerpoint/2010/main" val="3218678281"/>
+        <p14:creationId xmlns:p14="http://schemas.microsoft.com/office/powerpoint/2010/main" val="2325942255"/>
       </p:ext>
     </p:extLst>
   </p:cSld>
@@ -805,13 +814,7 @@
       </p:grpSpPr>
       <p:sp>
         <p:nvSpPr>
-          <p:cNvPr id="2" name="Title 1">
-            <a:extLst>
-              <a:ext uri="{FF2B5EF4-FFF2-40B4-BE49-F238E27FC236}">
-                <a16:creationId xmlns:a16="http://schemas.microsoft.com/office/drawing/2014/main" id="{647C0EBB-D58B-4B7B-A750-21EDC4851023}"/>
-              </a:ext>
-            </a:extLst>
-          </p:cNvPr>
+          <p:cNvPr id="2" name="Title 1"/>
           <p:cNvSpPr>
             <a:spLocks noGrp="1"/>
           </p:cNvSpPr>
@@ -828,19 +831,13 @@
               <a:rPr lang="en-US"/>
               <a:t>Click to edit Master title style</a:t>
             </a:r>
-            <a:endParaRPr lang="en-GB"/>
-          </a:p>
-        </p:txBody>
-      </p:sp>
-      <p:sp>
-        <p:nvSpPr>
-          <p:cNvPr id="3" name="Content Placeholder 2">
-            <a:extLst>
-              <a:ext uri="{FF2B5EF4-FFF2-40B4-BE49-F238E27FC236}">
-                <a16:creationId xmlns:a16="http://schemas.microsoft.com/office/drawing/2014/main" id="{7744C02F-1513-428C-9E93-94DA43535847}"/>
-              </a:ext>
-            </a:extLst>
-          </p:cNvPr>
+            <a:endParaRPr lang="en-US" dirty="0"/>
+          </a:p>
+        </p:txBody>
+      </p:sp>
+      <p:sp>
+        <p:nvSpPr>
+          <p:cNvPr id="3" name="Content Placeholder 2"/>
           <p:cNvSpPr>
             <a:spLocks noGrp="1"/>
           </p:cNvSpPr>
@@ -886,19 +883,13 @@
               <a:rPr lang="en-US"/>
               <a:t>Fifth level</a:t>
             </a:r>
-            <a:endParaRPr lang="en-GB"/>
-          </a:p>
-        </p:txBody>
-      </p:sp>
-      <p:sp>
-        <p:nvSpPr>
-          <p:cNvPr id="4" name="Date Placeholder 3">
-            <a:extLst>
-              <a:ext uri="{FF2B5EF4-FFF2-40B4-BE49-F238E27FC236}">
-                <a16:creationId xmlns:a16="http://schemas.microsoft.com/office/drawing/2014/main" id="{70D13905-4F4E-4F64-8503-97C61ADA539A}"/>
-              </a:ext>
-            </a:extLst>
-          </p:cNvPr>
+            <a:endParaRPr lang="en-US" dirty="0"/>
+          </a:p>
+        </p:txBody>
+      </p:sp>
+      <p:sp>
+        <p:nvSpPr>
+          <p:cNvPr id="4" name="Date Placeholder 3"/>
           <p:cNvSpPr>
             <a:spLocks noGrp="1"/>
           </p:cNvSpPr>
@@ -913,7 +904,7 @@
           <a:p>
             <a:fld id="{018B08E2-CE20-4076-9562-F8B5CB5D6CE9}" type="datetimeFigureOut">
               <a:rPr lang="en-GB" smtClean="0"/>
-              <a:t>25/10/2018</a:t>
+              <a:t>26/10/2018</a:t>
             </a:fld>
             <a:endParaRPr lang="en-GB"/>
           </a:p>
@@ -921,13 +912,7 @@
       </p:sp>
       <p:sp>
         <p:nvSpPr>
-          <p:cNvPr id="5" name="Footer Placeholder 4">
-            <a:extLst>
-              <a:ext uri="{FF2B5EF4-FFF2-40B4-BE49-F238E27FC236}">
-                <a16:creationId xmlns:a16="http://schemas.microsoft.com/office/drawing/2014/main" id="{BC645E28-E7C1-4819-9055-FEF64374DBBA}"/>
-              </a:ext>
-            </a:extLst>
-          </p:cNvPr>
+          <p:cNvPr id="5" name="Footer Placeholder 4"/>
           <p:cNvSpPr>
             <a:spLocks noGrp="1"/>
           </p:cNvSpPr>
@@ -946,13 +931,7 @@
       </p:sp>
       <p:sp>
         <p:nvSpPr>
-          <p:cNvPr id="6" name="Slide Number Placeholder 5">
-            <a:extLst>
-              <a:ext uri="{FF2B5EF4-FFF2-40B4-BE49-F238E27FC236}">
-                <a16:creationId xmlns:a16="http://schemas.microsoft.com/office/drawing/2014/main" id="{F6706243-DB6C-411D-8A7C-734980CB800E}"/>
-              </a:ext>
-            </a:extLst>
-          </p:cNvPr>
+          <p:cNvPr id="6" name="Slide Number Placeholder 5"/>
           <p:cNvSpPr>
             <a:spLocks noGrp="1"/>
           </p:cNvSpPr>
@@ -976,7 +955,7 @@
     </p:spTree>
     <p:extLst>
       <p:ext uri="{BB962C8B-B14F-4D97-AF65-F5344CB8AC3E}">
-        <p14:creationId xmlns:p14="http://schemas.microsoft.com/office/powerpoint/2010/main" val="3245360042"/>
+        <p14:creationId xmlns:p14="http://schemas.microsoft.com/office/powerpoint/2010/main" val="3368253937"/>
       </p:ext>
     </p:extLst>
   </p:cSld>
@@ -1005,13 +984,7 @@
       </p:grpSpPr>
       <p:sp>
         <p:nvSpPr>
-          <p:cNvPr id="2" name="Title 1">
-            <a:extLst>
-              <a:ext uri="{FF2B5EF4-FFF2-40B4-BE49-F238E27FC236}">
-                <a16:creationId xmlns:a16="http://schemas.microsoft.com/office/drawing/2014/main" id="{501EDD95-4299-421E-81D2-26F2CE078AEC}"/>
-              </a:ext>
-            </a:extLst>
-          </p:cNvPr>
+          <p:cNvPr id="2" name="Title 1"/>
           <p:cNvSpPr>
             <a:spLocks noGrp="1"/>
           </p:cNvSpPr>
@@ -1021,64 +994,68 @@
         </p:nvSpPr>
         <p:spPr>
           <a:xfrm>
-            <a:off x="831850" y="1709738"/>
-            <a:ext cx="10515600" cy="2852737"/>
+            <a:off x="603504" y="767419"/>
+            <a:ext cx="10780776" cy="3355848"/>
           </a:xfrm>
         </p:spPr>
         <p:txBody>
-          <a:bodyPr anchor="b"/>
+          <a:bodyPr anchor="b">
+            <a:normAutofit/>
+          </a:bodyPr>
           <a:lstStyle>
             <a:lvl1pPr>
-              <a:defRPr sz="6000"/>
-            </a:lvl1pPr>
-          </a:lstStyle>
-          <a:p>
-            <a:r>
-              <a:rPr lang="en-US"/>
-              <a:t>Click to edit Master title style</a:t>
-            </a:r>
-            <a:endParaRPr lang="en-GB"/>
-          </a:p>
-        </p:txBody>
-      </p:sp>
-      <p:sp>
-        <p:nvSpPr>
-          <p:cNvPr id="3" name="Text Placeholder 2">
-            <a:extLst>
-              <a:ext uri="{FF2B5EF4-FFF2-40B4-BE49-F238E27FC236}">
-                <a16:creationId xmlns:a16="http://schemas.microsoft.com/office/drawing/2014/main" id="{F3EF743B-11A7-41A5-AE16-77C774BBB99D}"/>
-              </a:ext>
-            </a:extLst>
-          </p:cNvPr>
-          <p:cNvSpPr>
-            <a:spLocks noGrp="1"/>
-          </p:cNvSpPr>
-          <p:nvPr>
-            <p:ph type="body" idx="1"/>
-          </p:nvPr>
-        </p:nvSpPr>
-        <p:spPr>
-          <a:xfrm>
-            <a:off x="831850" y="4589463"/>
-            <a:ext cx="10515600" cy="1500187"/>
-          </a:xfrm>
-        </p:spPr>
-        <p:txBody>
-          <a:bodyPr/>
-          <a:lstStyle>
-            <a:lvl1pPr marL="0" indent="0">
-              <a:buNone/>
-              <a:defRPr sz="2400">
+              <a:lnSpc>
+                <a:spcPct val="80000"/>
+              </a:lnSpc>
+              <a:defRPr sz="8800" b="0" baseline="0">
                 <a:solidFill>
-                  <a:schemeClr val="tx1">
-                    <a:tint val="75000"/>
-                  </a:schemeClr>
+                  <a:schemeClr val="accent1"/>
                 </a:solidFill>
               </a:defRPr>
             </a:lvl1pPr>
+          </a:lstStyle>
+          <a:p>
+            <a:r>
+              <a:rPr lang="en-US"/>
+              <a:t>Click to edit Master title style</a:t>
+            </a:r>
+            <a:endParaRPr lang="en-US" dirty="0"/>
+          </a:p>
+        </p:txBody>
+      </p:sp>
+      <p:sp>
+        <p:nvSpPr>
+          <p:cNvPr id="3" name="Text Placeholder 2"/>
+          <p:cNvSpPr>
+            <a:spLocks noGrp="1"/>
+          </p:cNvSpPr>
+          <p:nvPr>
+            <p:ph type="body" idx="1"/>
+          </p:nvPr>
+        </p:nvSpPr>
+        <p:spPr>
+          <a:xfrm>
+            <a:off x="667512" y="4204209"/>
+            <a:ext cx="9226296" cy="1645920"/>
+          </a:xfrm>
+        </p:spPr>
+        <p:txBody>
+          <a:bodyPr anchor="t">
+            <a:normAutofit/>
+          </a:bodyPr>
+          <a:lstStyle>
+            <a:lvl1pPr marL="0" indent="0">
+              <a:buNone/>
+              <a:defRPr sz="3200">
+                <a:solidFill>
+                  <a:schemeClr val="tx1"/>
+                </a:solidFill>
+                <a:latin typeface="+mj-lt"/>
+              </a:defRPr>
+            </a:lvl1pPr>
             <a:lvl2pPr marL="457200" indent="0">
               <a:buNone/>
-              <a:defRPr sz="2000">
+              <a:defRPr sz="1800">
                 <a:solidFill>
                   <a:schemeClr val="tx1">
                     <a:tint val="75000"/>
@@ -1088,7 +1065,7 @@
             </a:lvl2pPr>
             <a:lvl3pPr marL="914400" indent="0">
               <a:buNone/>
-              <a:defRPr sz="1800">
+              <a:defRPr sz="1600">
                 <a:solidFill>
                   <a:schemeClr val="tx1">
                     <a:tint val="75000"/>
@@ -1098,7 +1075,7 @@
             </a:lvl3pPr>
             <a:lvl4pPr marL="1371600" indent="0">
               <a:buNone/>
-              <a:defRPr sz="1600">
+              <a:defRPr sz="1400">
                 <a:solidFill>
                   <a:schemeClr val="tx1">
                     <a:tint val="75000"/>
@@ -1108,7 +1085,7 @@
             </a:lvl4pPr>
             <a:lvl5pPr marL="1828800" indent="0">
               <a:buNone/>
-              <a:defRPr sz="1600">
+              <a:defRPr sz="1400">
                 <a:solidFill>
                   <a:schemeClr val="tx1">
                     <a:tint val="75000"/>
@@ -1118,7 +1095,7 @@
             </a:lvl5pPr>
             <a:lvl6pPr marL="2286000" indent="0">
               <a:buNone/>
-              <a:defRPr sz="1600">
+              <a:defRPr sz="1400">
                 <a:solidFill>
                   <a:schemeClr val="tx1">
                     <a:tint val="75000"/>
@@ -1128,7 +1105,7 @@
             </a:lvl6pPr>
             <a:lvl7pPr marL="2743200" indent="0">
               <a:buNone/>
-              <a:defRPr sz="1600">
+              <a:defRPr sz="1400">
                 <a:solidFill>
                   <a:schemeClr val="tx1">
                     <a:tint val="75000"/>
@@ -1138,7 +1115,7 @@
             </a:lvl7pPr>
             <a:lvl8pPr marL="3200400" indent="0">
               <a:buNone/>
-              <a:defRPr sz="1600">
+              <a:defRPr sz="1400">
                 <a:solidFill>
                   <a:schemeClr val="tx1">
                     <a:tint val="75000"/>
@@ -1148,7 +1125,7 @@
             </a:lvl8pPr>
             <a:lvl9pPr marL="3657600" indent="0">
               <a:buNone/>
-              <a:defRPr sz="1600">
+              <a:defRPr sz="1400">
                 <a:solidFill>
                   <a:schemeClr val="tx1">
                     <a:tint val="75000"/>
@@ -1168,13 +1145,7 @@
       </p:sp>
       <p:sp>
         <p:nvSpPr>
-          <p:cNvPr id="4" name="Date Placeholder 3">
-            <a:extLst>
-              <a:ext uri="{FF2B5EF4-FFF2-40B4-BE49-F238E27FC236}">
-                <a16:creationId xmlns:a16="http://schemas.microsoft.com/office/drawing/2014/main" id="{E01038E3-5379-447F-B15A-0F07B47EC3A9}"/>
-              </a:ext>
-            </a:extLst>
-          </p:cNvPr>
+          <p:cNvPr id="4" name="Date Placeholder 3"/>
           <p:cNvSpPr>
             <a:spLocks noGrp="1"/>
           </p:cNvSpPr>
@@ -1189,7 +1160,7 @@
           <a:p>
             <a:fld id="{018B08E2-CE20-4076-9562-F8B5CB5D6CE9}" type="datetimeFigureOut">
               <a:rPr lang="en-GB" smtClean="0"/>
-              <a:t>25/10/2018</a:t>
+              <a:t>26/10/2018</a:t>
             </a:fld>
             <a:endParaRPr lang="en-GB"/>
           </a:p>
@@ -1197,13 +1168,7 @@
       </p:sp>
       <p:sp>
         <p:nvSpPr>
-          <p:cNvPr id="5" name="Footer Placeholder 4">
-            <a:extLst>
-              <a:ext uri="{FF2B5EF4-FFF2-40B4-BE49-F238E27FC236}">
-                <a16:creationId xmlns:a16="http://schemas.microsoft.com/office/drawing/2014/main" id="{989EA8E6-83E9-49FE-B636-98207DB1FC7D}"/>
-              </a:ext>
-            </a:extLst>
-          </p:cNvPr>
+          <p:cNvPr id="5" name="Footer Placeholder 4"/>
           <p:cNvSpPr>
             <a:spLocks noGrp="1"/>
           </p:cNvSpPr>
@@ -1222,13 +1187,7 @@
       </p:sp>
       <p:sp>
         <p:nvSpPr>
-          <p:cNvPr id="6" name="Slide Number Placeholder 5">
-            <a:extLst>
-              <a:ext uri="{FF2B5EF4-FFF2-40B4-BE49-F238E27FC236}">
-                <a16:creationId xmlns:a16="http://schemas.microsoft.com/office/drawing/2014/main" id="{3D3DB702-2BAE-4C84-93E9-988BFEE6DD63}"/>
-              </a:ext>
-            </a:extLst>
-          </p:cNvPr>
+          <p:cNvPr id="6" name="Slide Number Placeholder 5"/>
           <p:cNvSpPr>
             <a:spLocks noGrp="1"/>
           </p:cNvSpPr>
@@ -1252,7 +1211,7 @@
     </p:spTree>
     <p:extLst>
       <p:ext uri="{BB962C8B-B14F-4D97-AF65-F5344CB8AC3E}">
-        <p14:creationId xmlns:p14="http://schemas.microsoft.com/office/powerpoint/2010/main" val="3189824549"/>
+        <p14:creationId xmlns:p14="http://schemas.microsoft.com/office/powerpoint/2010/main" val="466926798"/>
       </p:ext>
     </p:extLst>
   </p:cSld>
@@ -1281,13 +1240,7 @@
       </p:grpSpPr>
       <p:sp>
         <p:nvSpPr>
-          <p:cNvPr id="2" name="Title 1">
-            <a:extLst>
-              <a:ext uri="{FF2B5EF4-FFF2-40B4-BE49-F238E27FC236}">
-                <a16:creationId xmlns:a16="http://schemas.microsoft.com/office/drawing/2014/main" id="{E8BBF742-FD19-45E2-82B9-959B65BED401}"/>
-              </a:ext>
-            </a:extLst>
-          </p:cNvPr>
+          <p:cNvPr id="2" name="Title 1"/>
           <p:cNvSpPr>
             <a:spLocks noGrp="1"/>
           </p:cNvSpPr>
@@ -1304,19 +1257,13 @@
               <a:rPr lang="en-US"/>
               <a:t>Click to edit Master title style</a:t>
             </a:r>
-            <a:endParaRPr lang="en-GB"/>
-          </a:p>
-        </p:txBody>
-      </p:sp>
-      <p:sp>
-        <p:nvSpPr>
-          <p:cNvPr id="3" name="Content Placeholder 2">
-            <a:extLst>
-              <a:ext uri="{FF2B5EF4-FFF2-40B4-BE49-F238E27FC236}">
-                <a16:creationId xmlns:a16="http://schemas.microsoft.com/office/drawing/2014/main" id="{0A22CC47-0601-4F5F-909A-B5D9B08D2990}"/>
-              </a:ext>
-            </a:extLst>
-          </p:cNvPr>
+            <a:endParaRPr lang="en-US" dirty="0"/>
+          </a:p>
+        </p:txBody>
+      </p:sp>
+      <p:sp>
+        <p:nvSpPr>
+          <p:cNvPr id="3" name="Content Placeholder 2"/>
           <p:cNvSpPr>
             <a:spLocks noGrp="1"/>
           </p:cNvSpPr>
@@ -1326,13 +1273,41 @@
         </p:nvSpPr>
         <p:spPr>
           <a:xfrm>
-            <a:off x="838200" y="1825625"/>
-            <a:ext cx="5181600" cy="4351338"/>
+            <a:off x="676656" y="1998134"/>
+            <a:ext cx="4663440" cy="3767328"/>
           </a:xfrm>
         </p:spPr>
         <p:txBody>
           <a:bodyPr/>
-          <a:lstStyle/>
+          <a:lstStyle>
+            <a:lvl1pPr>
+              <a:defRPr sz="2400"/>
+            </a:lvl1pPr>
+            <a:lvl2pPr>
+              <a:defRPr sz="2000"/>
+            </a:lvl2pPr>
+            <a:lvl3pPr>
+              <a:defRPr sz="1800"/>
+            </a:lvl3pPr>
+            <a:lvl4pPr>
+              <a:defRPr sz="1600"/>
+            </a:lvl4pPr>
+            <a:lvl5pPr>
+              <a:defRPr sz="1600"/>
+            </a:lvl5pPr>
+            <a:lvl6pPr>
+              <a:defRPr sz="1600"/>
+            </a:lvl6pPr>
+            <a:lvl7pPr>
+              <a:defRPr sz="1600"/>
+            </a:lvl7pPr>
+            <a:lvl8pPr>
+              <a:defRPr sz="1600"/>
+            </a:lvl8pPr>
+            <a:lvl9pPr>
+              <a:defRPr sz="1600"/>
+            </a:lvl9pPr>
+          </a:lstStyle>
           <a:p>
             <a:pPr lvl="0"/>
             <a:r>
@@ -1367,19 +1342,13 @@
               <a:rPr lang="en-US"/>
               <a:t>Fifth level</a:t>
             </a:r>
-            <a:endParaRPr lang="en-GB"/>
-          </a:p>
-        </p:txBody>
-      </p:sp>
-      <p:sp>
-        <p:nvSpPr>
-          <p:cNvPr id="4" name="Content Placeholder 3">
-            <a:extLst>
-              <a:ext uri="{FF2B5EF4-FFF2-40B4-BE49-F238E27FC236}">
-                <a16:creationId xmlns:a16="http://schemas.microsoft.com/office/drawing/2014/main" id="{928C0EA8-71D6-4E2A-8FF5-144FECA5D756}"/>
-              </a:ext>
-            </a:extLst>
-          </p:cNvPr>
+            <a:endParaRPr lang="en-US" dirty="0"/>
+          </a:p>
+        </p:txBody>
+      </p:sp>
+      <p:sp>
+        <p:nvSpPr>
+          <p:cNvPr id="4" name="Content Placeholder 3"/>
           <p:cNvSpPr>
             <a:spLocks noGrp="1"/>
           </p:cNvSpPr>
@@ -1389,13 +1358,41 @@
         </p:nvSpPr>
         <p:spPr>
           <a:xfrm>
-            <a:off x="6172200" y="1825625"/>
-            <a:ext cx="5181600" cy="4351338"/>
+            <a:off x="6011330" y="1998134"/>
+            <a:ext cx="4663440" cy="3767328"/>
           </a:xfrm>
         </p:spPr>
         <p:txBody>
           <a:bodyPr/>
-          <a:lstStyle/>
+          <a:lstStyle>
+            <a:lvl1pPr>
+              <a:defRPr sz="2400"/>
+            </a:lvl1pPr>
+            <a:lvl2pPr>
+              <a:defRPr sz="2000"/>
+            </a:lvl2pPr>
+            <a:lvl3pPr>
+              <a:defRPr sz="1800"/>
+            </a:lvl3pPr>
+            <a:lvl4pPr>
+              <a:defRPr sz="1600"/>
+            </a:lvl4pPr>
+            <a:lvl5pPr>
+              <a:defRPr sz="1600"/>
+            </a:lvl5pPr>
+            <a:lvl6pPr>
+              <a:defRPr sz="1600"/>
+            </a:lvl6pPr>
+            <a:lvl7pPr>
+              <a:defRPr sz="1600"/>
+            </a:lvl7pPr>
+            <a:lvl8pPr>
+              <a:defRPr sz="1600"/>
+            </a:lvl8pPr>
+            <a:lvl9pPr>
+              <a:defRPr sz="1600"/>
+            </a:lvl9pPr>
+          </a:lstStyle>
           <a:p>
             <a:pPr lvl="0"/>
             <a:r>
@@ -1430,19 +1427,13 @@
               <a:rPr lang="en-US"/>
               <a:t>Fifth level</a:t>
             </a:r>
-            <a:endParaRPr lang="en-GB"/>
-          </a:p>
-        </p:txBody>
-      </p:sp>
-      <p:sp>
-        <p:nvSpPr>
-          <p:cNvPr id="5" name="Date Placeholder 4">
-            <a:extLst>
-              <a:ext uri="{FF2B5EF4-FFF2-40B4-BE49-F238E27FC236}">
-                <a16:creationId xmlns:a16="http://schemas.microsoft.com/office/drawing/2014/main" id="{0C097F07-DA11-44B3-99F9-33672F7B319F}"/>
-              </a:ext>
-            </a:extLst>
-          </p:cNvPr>
+            <a:endParaRPr lang="en-US" dirty="0"/>
+          </a:p>
+        </p:txBody>
+      </p:sp>
+      <p:sp>
+        <p:nvSpPr>
+          <p:cNvPr id="5" name="Date Placeholder 4"/>
           <p:cNvSpPr>
             <a:spLocks noGrp="1"/>
           </p:cNvSpPr>
@@ -1457,7 +1448,7 @@
           <a:p>
             <a:fld id="{018B08E2-CE20-4076-9562-F8B5CB5D6CE9}" type="datetimeFigureOut">
               <a:rPr lang="en-GB" smtClean="0"/>
-              <a:t>25/10/2018</a:t>
+              <a:t>26/10/2018</a:t>
             </a:fld>
             <a:endParaRPr lang="en-GB"/>
           </a:p>
@@ -1465,13 +1456,7 @@
       </p:sp>
       <p:sp>
         <p:nvSpPr>
-          <p:cNvPr id="6" name="Footer Placeholder 5">
-            <a:extLst>
-              <a:ext uri="{FF2B5EF4-FFF2-40B4-BE49-F238E27FC236}">
-                <a16:creationId xmlns:a16="http://schemas.microsoft.com/office/drawing/2014/main" id="{82D07CC9-A7BB-4575-9900-FDF6880CB5E0}"/>
-              </a:ext>
-            </a:extLst>
-          </p:cNvPr>
+          <p:cNvPr id="6" name="Footer Placeholder 5"/>
           <p:cNvSpPr>
             <a:spLocks noGrp="1"/>
           </p:cNvSpPr>
@@ -1490,13 +1475,7 @@
       </p:sp>
       <p:sp>
         <p:nvSpPr>
-          <p:cNvPr id="7" name="Slide Number Placeholder 6">
-            <a:extLst>
-              <a:ext uri="{FF2B5EF4-FFF2-40B4-BE49-F238E27FC236}">
-                <a16:creationId xmlns:a16="http://schemas.microsoft.com/office/drawing/2014/main" id="{6CDCDB79-5669-4F60-B0E4-931D6B03CFCD}"/>
-              </a:ext>
-            </a:extLst>
-          </p:cNvPr>
+          <p:cNvPr id="7" name="Slide Number Placeholder 6"/>
           <p:cNvSpPr>
             <a:spLocks noGrp="1"/>
           </p:cNvSpPr>
@@ -1520,7 +1499,7 @@
     </p:spTree>
     <p:extLst>
       <p:ext uri="{BB962C8B-B14F-4D97-AF65-F5344CB8AC3E}">
-        <p14:creationId xmlns:p14="http://schemas.microsoft.com/office/powerpoint/2010/main" val="484060954"/>
+        <p14:creationId xmlns:p14="http://schemas.microsoft.com/office/powerpoint/2010/main" val="659994165"/>
       </p:ext>
     </p:extLst>
   </p:cSld>
@@ -1549,66 +1528,59 @@
       </p:grpSpPr>
       <p:sp>
         <p:nvSpPr>
-          <p:cNvPr id="2" name="Title 1">
-            <a:extLst>
-              <a:ext uri="{FF2B5EF4-FFF2-40B4-BE49-F238E27FC236}">
-                <a16:creationId xmlns:a16="http://schemas.microsoft.com/office/drawing/2014/main" id="{95B4BC19-7ABF-4085-A164-290589FE339D}"/>
-              </a:ext>
-            </a:extLst>
-          </p:cNvPr>
+          <p:cNvPr id="10" name="Title 9"/>
           <p:cNvSpPr>
             <a:spLocks noGrp="1"/>
           </p:cNvSpPr>
           <p:nvPr>
             <p:ph type="title"/>
+          </p:nvPr>
+        </p:nvSpPr>
+        <p:spPr/>
+        <p:txBody>
+          <a:bodyPr/>
+          <a:lstStyle/>
+          <a:p>
+            <a:r>
+              <a:rPr lang="en-US"/>
+              <a:t>Click to edit Master title style</a:t>
+            </a:r>
+            <a:endParaRPr lang="en-US" dirty="0"/>
+          </a:p>
+        </p:txBody>
+      </p:sp>
+      <p:sp>
+        <p:nvSpPr>
+          <p:cNvPr id="3" name="Text Placeholder 2"/>
+          <p:cNvSpPr>
+            <a:spLocks noGrp="1"/>
+          </p:cNvSpPr>
+          <p:nvPr>
+            <p:ph type="body" idx="1"/>
           </p:nvPr>
         </p:nvSpPr>
         <p:spPr>
           <a:xfrm>
-            <a:off x="839788" y="365125"/>
-            <a:ext cx="10515600" cy="1325563"/>
+            <a:off x="676656" y="2040467"/>
+            <a:ext cx="4663440" cy="723400"/>
           </a:xfrm>
         </p:spPr>
         <p:txBody>
-          <a:bodyPr/>
-          <a:lstStyle/>
-          <a:p>
-            <a:r>
-              <a:rPr lang="en-US"/>
-              <a:t>Click to edit Master title style</a:t>
-            </a:r>
-            <a:endParaRPr lang="en-GB"/>
-          </a:p>
-        </p:txBody>
-      </p:sp>
-      <p:sp>
-        <p:nvSpPr>
-          <p:cNvPr id="3" name="Text Placeholder 2">
-            <a:extLst>
-              <a:ext uri="{FF2B5EF4-FFF2-40B4-BE49-F238E27FC236}">
-                <a16:creationId xmlns:a16="http://schemas.microsoft.com/office/drawing/2014/main" id="{3E8812FA-A0AC-45B8-B2FF-9F0EE87F0A39}"/>
-              </a:ext>
-            </a:extLst>
-          </p:cNvPr>
-          <p:cNvSpPr>
-            <a:spLocks noGrp="1"/>
-          </p:cNvSpPr>
-          <p:nvPr>
-            <p:ph type="body" idx="1"/>
-          </p:nvPr>
-        </p:nvSpPr>
-        <p:spPr>
-          <a:xfrm>
-            <a:off x="839788" y="1681163"/>
-            <a:ext cx="5157787" cy="823912"/>
-          </a:xfrm>
-        </p:spPr>
-        <p:txBody>
-          <a:bodyPr anchor="b"/>
+          <a:bodyPr anchor="ctr">
+            <a:normAutofit/>
+          </a:bodyPr>
           <a:lstStyle>
             <a:lvl1pPr marL="0" indent="0">
               <a:buNone/>
-              <a:defRPr sz="2400" b="1"/>
+              <a:defRPr sz="2200" b="0" cap="all" baseline="0">
+                <a:solidFill>
+                  <a:schemeClr val="tx1">
+                    <a:lumMod val="85000"/>
+                    <a:lumOff val="15000"/>
+                  </a:schemeClr>
+                </a:solidFill>
+                <a:latin typeface="+mj-lt"/>
+              </a:defRPr>
             </a:lvl1pPr>
             <a:lvl2pPr marL="457200" indent="0">
               <a:buNone/>
@@ -1654,13 +1626,7 @@
       </p:sp>
       <p:sp>
         <p:nvSpPr>
-          <p:cNvPr id="4" name="Content Placeholder 3">
-            <a:extLst>
-              <a:ext uri="{FF2B5EF4-FFF2-40B4-BE49-F238E27FC236}">
-                <a16:creationId xmlns:a16="http://schemas.microsoft.com/office/drawing/2014/main" id="{932B0BAD-31D5-4D67-86EB-569EFA6F54D6}"/>
-              </a:ext>
-            </a:extLst>
-          </p:cNvPr>
+          <p:cNvPr id="4" name="Content Placeholder 3"/>
           <p:cNvSpPr>
             <a:spLocks noGrp="1"/>
           </p:cNvSpPr>
@@ -1670,13 +1636,41 @@
         </p:nvSpPr>
         <p:spPr>
           <a:xfrm>
-            <a:off x="839788" y="2505075"/>
-            <a:ext cx="5157787" cy="3684588"/>
+            <a:off x="676656" y="2753084"/>
+            <a:ext cx="4663440" cy="3200400"/>
           </a:xfrm>
         </p:spPr>
         <p:txBody>
           <a:bodyPr/>
-          <a:lstStyle/>
+          <a:lstStyle>
+            <a:lvl1pPr>
+              <a:defRPr sz="2400"/>
+            </a:lvl1pPr>
+            <a:lvl2pPr>
+              <a:defRPr sz="2000"/>
+            </a:lvl2pPr>
+            <a:lvl3pPr>
+              <a:defRPr sz="1800"/>
+            </a:lvl3pPr>
+            <a:lvl4pPr>
+              <a:defRPr sz="1600"/>
+            </a:lvl4pPr>
+            <a:lvl5pPr>
+              <a:defRPr sz="1600"/>
+            </a:lvl5pPr>
+            <a:lvl6pPr>
+              <a:defRPr sz="1600"/>
+            </a:lvl6pPr>
+            <a:lvl7pPr>
+              <a:defRPr sz="1600"/>
+            </a:lvl7pPr>
+            <a:lvl8pPr>
+              <a:defRPr sz="1600"/>
+            </a:lvl8pPr>
+            <a:lvl9pPr>
+              <a:defRPr sz="1600"/>
+            </a:lvl9pPr>
+          </a:lstStyle>
           <a:p>
             <a:pPr lvl="0"/>
             <a:r>
@@ -1711,19 +1705,13 @@
               <a:rPr lang="en-US"/>
               <a:t>Fifth level</a:t>
             </a:r>
-            <a:endParaRPr lang="en-GB"/>
-          </a:p>
-        </p:txBody>
-      </p:sp>
-      <p:sp>
-        <p:nvSpPr>
-          <p:cNvPr id="5" name="Text Placeholder 4">
-            <a:extLst>
-              <a:ext uri="{FF2B5EF4-FFF2-40B4-BE49-F238E27FC236}">
-                <a16:creationId xmlns:a16="http://schemas.microsoft.com/office/drawing/2014/main" id="{2F0ADCAF-6E2A-4E9E-8023-E442308994C8}"/>
-              </a:ext>
-            </a:extLst>
-          </p:cNvPr>
+            <a:endParaRPr lang="en-US" dirty="0"/>
+          </a:p>
+        </p:txBody>
+      </p:sp>
+      <p:sp>
+        <p:nvSpPr>
+          <p:cNvPr id="5" name="Text Placeholder 4"/>
           <p:cNvSpPr>
             <a:spLocks noGrp="1"/>
           </p:cNvSpPr>
@@ -1733,16 +1721,26 @@
         </p:nvSpPr>
         <p:spPr>
           <a:xfrm>
-            <a:off x="6172200" y="1681163"/>
-            <a:ext cx="5183188" cy="823912"/>
+            <a:off x="6007608" y="2038435"/>
+            <a:ext cx="4663440" cy="722376"/>
           </a:xfrm>
         </p:spPr>
         <p:txBody>
-          <a:bodyPr anchor="b"/>
+          <a:bodyPr anchor="ctr">
+            <a:normAutofit/>
+          </a:bodyPr>
           <a:lstStyle>
             <a:lvl1pPr marL="0" indent="0">
               <a:buNone/>
-              <a:defRPr sz="2400" b="1"/>
+              <a:defRPr sz="2200" b="0" cap="all" baseline="0">
+                <a:solidFill>
+                  <a:schemeClr val="tx1">
+                    <a:lumMod val="85000"/>
+                    <a:lumOff val="15000"/>
+                  </a:schemeClr>
+                </a:solidFill>
+                <a:latin typeface="+mj-lt"/>
+              </a:defRPr>
             </a:lvl1pPr>
             <a:lvl2pPr marL="457200" indent="0">
               <a:buNone/>
@@ -1788,13 +1786,7 @@
       </p:sp>
       <p:sp>
         <p:nvSpPr>
-          <p:cNvPr id="6" name="Content Placeholder 5">
-            <a:extLst>
-              <a:ext uri="{FF2B5EF4-FFF2-40B4-BE49-F238E27FC236}">
-                <a16:creationId xmlns:a16="http://schemas.microsoft.com/office/drawing/2014/main" id="{E35A6041-5742-45C9-8A73-F5417B7BAAC4}"/>
-              </a:ext>
-            </a:extLst>
-          </p:cNvPr>
+          <p:cNvPr id="6" name="Content Placeholder 5"/>
           <p:cNvSpPr>
             <a:spLocks noGrp="1"/>
           </p:cNvSpPr>
@@ -1804,13 +1796,41 @@
         </p:nvSpPr>
         <p:spPr>
           <a:xfrm>
-            <a:off x="6172200" y="2505075"/>
-            <a:ext cx="5183188" cy="3684588"/>
+            <a:off x="6007608" y="2750990"/>
+            <a:ext cx="4663440" cy="3200400"/>
           </a:xfrm>
         </p:spPr>
         <p:txBody>
           <a:bodyPr/>
-          <a:lstStyle/>
+          <a:lstStyle>
+            <a:lvl1pPr>
+              <a:defRPr sz="2400"/>
+            </a:lvl1pPr>
+            <a:lvl2pPr>
+              <a:defRPr sz="2000"/>
+            </a:lvl2pPr>
+            <a:lvl3pPr>
+              <a:defRPr sz="1800"/>
+            </a:lvl3pPr>
+            <a:lvl4pPr>
+              <a:defRPr sz="1600"/>
+            </a:lvl4pPr>
+            <a:lvl5pPr>
+              <a:defRPr sz="1600"/>
+            </a:lvl5pPr>
+            <a:lvl6pPr>
+              <a:defRPr sz="1600"/>
+            </a:lvl6pPr>
+            <a:lvl7pPr>
+              <a:defRPr sz="1600"/>
+            </a:lvl7pPr>
+            <a:lvl8pPr>
+              <a:defRPr sz="1600"/>
+            </a:lvl8pPr>
+            <a:lvl9pPr>
+              <a:defRPr sz="1600"/>
+            </a:lvl9pPr>
+          </a:lstStyle>
           <a:p>
             <a:pPr lvl="0"/>
             <a:r>
@@ -1845,19 +1865,13 @@
               <a:rPr lang="en-US"/>
               <a:t>Fifth level</a:t>
             </a:r>
-            <a:endParaRPr lang="en-GB"/>
-          </a:p>
-        </p:txBody>
-      </p:sp>
-      <p:sp>
-        <p:nvSpPr>
-          <p:cNvPr id="7" name="Date Placeholder 6">
-            <a:extLst>
-              <a:ext uri="{FF2B5EF4-FFF2-40B4-BE49-F238E27FC236}">
-                <a16:creationId xmlns:a16="http://schemas.microsoft.com/office/drawing/2014/main" id="{03644A15-A13C-47E4-9EE3-5CFD24244265}"/>
-              </a:ext>
-            </a:extLst>
-          </p:cNvPr>
+            <a:endParaRPr lang="en-US" dirty="0"/>
+          </a:p>
+        </p:txBody>
+      </p:sp>
+      <p:sp>
+        <p:nvSpPr>
+          <p:cNvPr id="7" name="Date Placeholder 6"/>
           <p:cNvSpPr>
             <a:spLocks noGrp="1"/>
           </p:cNvSpPr>
@@ -1872,7 +1886,7 @@
           <a:p>
             <a:fld id="{018B08E2-CE20-4076-9562-F8B5CB5D6CE9}" type="datetimeFigureOut">
               <a:rPr lang="en-GB" smtClean="0"/>
-              <a:t>25/10/2018</a:t>
+              <a:t>26/10/2018</a:t>
             </a:fld>
             <a:endParaRPr lang="en-GB"/>
           </a:p>
@@ -1880,13 +1894,7 @@
       </p:sp>
       <p:sp>
         <p:nvSpPr>
-          <p:cNvPr id="8" name="Footer Placeholder 7">
-            <a:extLst>
-              <a:ext uri="{FF2B5EF4-FFF2-40B4-BE49-F238E27FC236}">
-                <a16:creationId xmlns:a16="http://schemas.microsoft.com/office/drawing/2014/main" id="{6026A975-2D2D-4781-AA71-677B54E49FBC}"/>
-              </a:ext>
-            </a:extLst>
-          </p:cNvPr>
+          <p:cNvPr id="8" name="Footer Placeholder 7"/>
           <p:cNvSpPr>
             <a:spLocks noGrp="1"/>
           </p:cNvSpPr>
@@ -1905,13 +1913,7 @@
       </p:sp>
       <p:sp>
         <p:nvSpPr>
-          <p:cNvPr id="9" name="Slide Number Placeholder 8">
-            <a:extLst>
-              <a:ext uri="{FF2B5EF4-FFF2-40B4-BE49-F238E27FC236}">
-                <a16:creationId xmlns:a16="http://schemas.microsoft.com/office/drawing/2014/main" id="{5C211312-3651-427A-81DD-302D9EC28A3E}"/>
-              </a:ext>
-            </a:extLst>
-          </p:cNvPr>
+          <p:cNvPr id="9" name="Slide Number Placeholder 8"/>
           <p:cNvSpPr>
             <a:spLocks noGrp="1"/>
           </p:cNvSpPr>
@@ -1935,7 +1937,7 @@
     </p:spTree>
     <p:extLst>
       <p:ext uri="{BB962C8B-B14F-4D97-AF65-F5344CB8AC3E}">
-        <p14:creationId xmlns:p14="http://schemas.microsoft.com/office/powerpoint/2010/main" val="2331707119"/>
+        <p14:creationId xmlns:p14="http://schemas.microsoft.com/office/powerpoint/2010/main" val="2708335479"/>
       </p:ext>
     </p:extLst>
   </p:cSld>
@@ -1964,13 +1966,7 @@
       </p:grpSpPr>
       <p:sp>
         <p:nvSpPr>
-          <p:cNvPr id="2" name="Title 1">
-            <a:extLst>
-              <a:ext uri="{FF2B5EF4-FFF2-40B4-BE49-F238E27FC236}">
-                <a16:creationId xmlns:a16="http://schemas.microsoft.com/office/drawing/2014/main" id="{3A42BF6B-2932-4326-ADBB-D9BD725B7BBE}"/>
-              </a:ext>
-            </a:extLst>
-          </p:cNvPr>
+          <p:cNvPr id="6" name="Title 5"/>
           <p:cNvSpPr>
             <a:spLocks noGrp="1"/>
           </p:cNvSpPr>
@@ -1987,19 +1983,13 @@
               <a:rPr lang="en-US"/>
               <a:t>Click to edit Master title style</a:t>
             </a:r>
-            <a:endParaRPr lang="en-GB"/>
-          </a:p>
-        </p:txBody>
-      </p:sp>
-      <p:sp>
-        <p:nvSpPr>
-          <p:cNvPr id="3" name="Date Placeholder 2">
-            <a:extLst>
-              <a:ext uri="{FF2B5EF4-FFF2-40B4-BE49-F238E27FC236}">
-                <a16:creationId xmlns:a16="http://schemas.microsoft.com/office/drawing/2014/main" id="{772E56D5-CB2B-4533-AF19-614765339DE2}"/>
-              </a:ext>
-            </a:extLst>
-          </p:cNvPr>
+            <a:endParaRPr lang="en-US" dirty="0"/>
+          </a:p>
+        </p:txBody>
+      </p:sp>
+      <p:sp>
+        <p:nvSpPr>
+          <p:cNvPr id="3" name="Date Placeholder 2"/>
           <p:cNvSpPr>
             <a:spLocks noGrp="1"/>
           </p:cNvSpPr>
@@ -2014,7 +2004,7 @@
           <a:p>
             <a:fld id="{018B08E2-CE20-4076-9562-F8B5CB5D6CE9}" type="datetimeFigureOut">
               <a:rPr lang="en-GB" smtClean="0"/>
-              <a:t>25/10/2018</a:t>
+              <a:t>26/10/2018</a:t>
             </a:fld>
             <a:endParaRPr lang="en-GB"/>
           </a:p>
@@ -2022,13 +2012,7 @@
       </p:sp>
       <p:sp>
         <p:nvSpPr>
-          <p:cNvPr id="4" name="Footer Placeholder 3">
-            <a:extLst>
-              <a:ext uri="{FF2B5EF4-FFF2-40B4-BE49-F238E27FC236}">
-                <a16:creationId xmlns:a16="http://schemas.microsoft.com/office/drawing/2014/main" id="{51FEAD78-9471-40BB-A92D-5ED9C90E72C2}"/>
-              </a:ext>
-            </a:extLst>
-          </p:cNvPr>
+          <p:cNvPr id="4" name="Footer Placeholder 3"/>
           <p:cNvSpPr>
             <a:spLocks noGrp="1"/>
           </p:cNvSpPr>
@@ -2047,13 +2031,7 @@
       </p:sp>
       <p:sp>
         <p:nvSpPr>
-          <p:cNvPr id="5" name="Slide Number Placeholder 4">
-            <a:extLst>
-              <a:ext uri="{FF2B5EF4-FFF2-40B4-BE49-F238E27FC236}">
-                <a16:creationId xmlns:a16="http://schemas.microsoft.com/office/drawing/2014/main" id="{33A69CF3-7A9E-40C7-A8C0-2CC2EAEBA58B}"/>
-              </a:ext>
-            </a:extLst>
-          </p:cNvPr>
+          <p:cNvPr id="5" name="Slide Number Placeholder 4"/>
           <p:cNvSpPr>
             <a:spLocks noGrp="1"/>
           </p:cNvSpPr>
@@ -2077,7 +2055,7 @@
     </p:spTree>
     <p:extLst>
       <p:ext uri="{BB962C8B-B14F-4D97-AF65-F5344CB8AC3E}">
-        <p14:creationId xmlns:p14="http://schemas.microsoft.com/office/powerpoint/2010/main" val="4092463023"/>
+        <p14:creationId xmlns:p14="http://schemas.microsoft.com/office/powerpoint/2010/main" val="4119790262"/>
       </p:ext>
     </p:extLst>
   </p:cSld>
@@ -2106,13 +2084,7 @@
       </p:grpSpPr>
       <p:sp>
         <p:nvSpPr>
-          <p:cNvPr id="2" name="Date Placeholder 1">
-            <a:extLst>
-              <a:ext uri="{FF2B5EF4-FFF2-40B4-BE49-F238E27FC236}">
-                <a16:creationId xmlns:a16="http://schemas.microsoft.com/office/drawing/2014/main" id="{CD71FF60-D217-447D-BD23-BB74A0054380}"/>
-              </a:ext>
-            </a:extLst>
-          </p:cNvPr>
+          <p:cNvPr id="2" name="Date Placeholder 1"/>
           <p:cNvSpPr>
             <a:spLocks noGrp="1"/>
           </p:cNvSpPr>
@@ -2127,7 +2099,7 @@
           <a:p>
             <a:fld id="{018B08E2-CE20-4076-9562-F8B5CB5D6CE9}" type="datetimeFigureOut">
               <a:rPr lang="en-GB" smtClean="0"/>
-              <a:t>25/10/2018</a:t>
+              <a:t>26/10/2018</a:t>
             </a:fld>
             <a:endParaRPr lang="en-GB"/>
           </a:p>
@@ -2135,13 +2107,7 @@
       </p:sp>
       <p:sp>
         <p:nvSpPr>
-          <p:cNvPr id="3" name="Footer Placeholder 2">
-            <a:extLst>
-              <a:ext uri="{FF2B5EF4-FFF2-40B4-BE49-F238E27FC236}">
-                <a16:creationId xmlns:a16="http://schemas.microsoft.com/office/drawing/2014/main" id="{06B164FB-2E98-46B9-BC14-DA4AD585F5D7}"/>
-              </a:ext>
-            </a:extLst>
-          </p:cNvPr>
+          <p:cNvPr id="3" name="Footer Placeholder 2"/>
           <p:cNvSpPr>
             <a:spLocks noGrp="1"/>
           </p:cNvSpPr>
@@ -2160,13 +2126,7 @@
       </p:sp>
       <p:sp>
         <p:nvSpPr>
-          <p:cNvPr id="4" name="Slide Number Placeholder 3">
-            <a:extLst>
-              <a:ext uri="{FF2B5EF4-FFF2-40B4-BE49-F238E27FC236}">
-                <a16:creationId xmlns:a16="http://schemas.microsoft.com/office/drawing/2014/main" id="{8B1177AC-6151-4211-9C38-193AFFEF0A85}"/>
-              </a:ext>
-            </a:extLst>
-          </p:cNvPr>
+          <p:cNvPr id="4" name="Slide Number Placeholder 3"/>
           <p:cNvSpPr>
             <a:spLocks noGrp="1"/>
           </p:cNvSpPr>
@@ -2190,7 +2150,7 @@
     </p:spTree>
     <p:extLst>
       <p:ext uri="{BB962C8B-B14F-4D97-AF65-F5344CB8AC3E}">
-        <p14:creationId xmlns:p14="http://schemas.microsoft.com/office/powerpoint/2010/main" val="893475177"/>
+        <p14:creationId xmlns:p14="http://schemas.microsoft.com/office/powerpoint/2010/main" val="662673273"/>
       </p:ext>
     </p:extLst>
   </p:cSld>
@@ -2219,31 +2179,69 @@
       </p:grpSpPr>
       <p:sp>
         <p:nvSpPr>
-          <p:cNvPr id="2" name="Title 1">
-            <a:extLst>
-              <a:ext uri="{FF2B5EF4-FFF2-40B4-BE49-F238E27FC236}">
-                <a16:creationId xmlns:a16="http://schemas.microsoft.com/office/drawing/2014/main" id="{A76A66E9-E19D-4944-A0BE-B1F405C9A14C}"/>
-              </a:ext>
-            </a:extLst>
-          </p:cNvPr>
-          <p:cNvSpPr>
-            <a:spLocks noGrp="1"/>
-          </p:cNvSpPr>
-          <p:nvPr>
-            <p:ph type="title"/>
-          </p:nvPr>
+          <p:cNvPr id="2" name="Rectangle 1"/>
+          <p:cNvSpPr/>
+          <p:nvPr/>
         </p:nvSpPr>
         <p:spPr>
           <a:xfrm>
-            <a:off x="839788" y="457200"/>
-            <a:ext cx="3932237" cy="1600200"/>
+            <a:off x="7620000" y="0"/>
+            <a:ext cx="4572000" cy="6858000"/>
+          </a:xfrm>
+          <a:prstGeom prst="rect">
+            <a:avLst/>
+          </a:prstGeom>
+          <a:ln>
+            <a:noFill/>
+          </a:ln>
+        </p:spPr>
+        <p:style>
+          <a:lnRef idx="2">
+            <a:schemeClr val="accent1">
+              <a:shade val="50000"/>
+            </a:schemeClr>
+          </a:lnRef>
+          <a:fillRef idx="1">
+            <a:schemeClr val="accent1"/>
+          </a:fillRef>
+          <a:effectRef idx="0">
+            <a:schemeClr val="accent1"/>
+          </a:effectRef>
+          <a:fontRef idx="minor">
+            <a:schemeClr val="lt1"/>
+          </a:fontRef>
+        </p:style>
+      </p:sp>
+      <p:sp>
+        <p:nvSpPr>
+          <p:cNvPr id="9" name="Title 8"/>
+          <p:cNvSpPr>
+            <a:spLocks noGrp="1"/>
+          </p:cNvSpPr>
+          <p:nvPr>
+            <p:ph type="title"/>
+          </p:nvPr>
+        </p:nvSpPr>
+        <p:spPr>
+          <a:xfrm>
+            <a:off x="8261404" y="542282"/>
+            <a:ext cx="3383280" cy="1920240"/>
           </a:xfrm>
         </p:spPr>
         <p:txBody>
-          <a:bodyPr anchor="b"/>
+          <a:bodyPr anchor="b">
+            <a:noAutofit/>
+          </a:bodyPr>
           <a:lstStyle>
             <a:lvl1pPr>
-              <a:defRPr sz="3200"/>
+              <a:lnSpc>
+                <a:spcPct val="85000"/>
+              </a:lnSpc>
+              <a:defRPr sz="4000">
+                <a:solidFill>
+                  <a:srgbClr val="FFFFFF"/>
+                </a:solidFill>
+              </a:defRPr>
             </a:lvl1pPr>
           </a:lstStyle>
           <a:p>
@@ -2251,19 +2249,13 @@
               <a:rPr lang="en-US"/>
               <a:t>Click to edit Master title style</a:t>
             </a:r>
-            <a:endParaRPr lang="en-GB"/>
-          </a:p>
-        </p:txBody>
-      </p:sp>
-      <p:sp>
-        <p:nvSpPr>
-          <p:cNvPr id="3" name="Content Placeholder 2">
-            <a:extLst>
-              <a:ext uri="{FF2B5EF4-FFF2-40B4-BE49-F238E27FC236}">
-                <a16:creationId xmlns:a16="http://schemas.microsoft.com/office/drawing/2014/main" id="{EB89F5C2-7D80-4D49-91FA-B534D505AC7C}"/>
-              </a:ext>
-            </a:extLst>
-          </p:cNvPr>
+            <a:endParaRPr lang="en-US" dirty="0"/>
+          </a:p>
+        </p:txBody>
+      </p:sp>
+      <p:sp>
+        <p:nvSpPr>
+          <p:cNvPr id="3" name="Content Placeholder 2"/>
           <p:cNvSpPr>
             <a:spLocks noGrp="1"/>
           </p:cNvSpPr>
@@ -2273,8 +2265,8 @@
         </p:nvSpPr>
         <p:spPr>
           <a:xfrm>
-            <a:off x="5183188" y="987425"/>
-            <a:ext cx="6172200" cy="4873625"/>
+            <a:off x="762000" y="762000"/>
+            <a:ext cx="6096000" cy="4572000"/>
           </a:xfrm>
         </p:spPr>
         <p:txBody>
@@ -2342,19 +2334,13 @@
               <a:rPr lang="en-US"/>
               <a:t>Fifth level</a:t>
             </a:r>
-            <a:endParaRPr lang="en-GB"/>
-          </a:p>
-        </p:txBody>
-      </p:sp>
-      <p:sp>
-        <p:nvSpPr>
-          <p:cNvPr id="4" name="Text Placeholder 3">
-            <a:extLst>
-              <a:ext uri="{FF2B5EF4-FFF2-40B4-BE49-F238E27FC236}">
-                <a16:creationId xmlns:a16="http://schemas.microsoft.com/office/drawing/2014/main" id="{C5F4789B-19EB-4CEF-99E8-3349F9DC49AE}"/>
-              </a:ext>
-            </a:extLst>
-          </p:cNvPr>
+            <a:endParaRPr lang="en-US" dirty="0"/>
+          </a:p>
+        </p:txBody>
+      </p:sp>
+      <p:sp>
+        <p:nvSpPr>
+          <p:cNvPr id="4" name="Text Placeholder 3"/>
           <p:cNvSpPr>
             <a:spLocks noGrp="1"/>
           </p:cNvSpPr>
@@ -2364,52 +2350,87 @@
         </p:nvSpPr>
         <p:spPr>
           <a:xfrm>
-            <a:off x="839788" y="2057400"/>
-            <a:ext cx="3932237" cy="3811588"/>
+            <a:off x="8275982" y="2511813"/>
+            <a:ext cx="3398520" cy="3126987"/>
           </a:xfrm>
         </p:spPr>
         <p:txBody>
-          <a:bodyPr/>
+          <a:bodyPr>
+            <a:normAutofit/>
+          </a:bodyPr>
           <a:lstStyle>
-            <a:lvl1pPr marL="0" indent="0">
-              <a:buNone/>
-              <a:defRPr sz="1600"/>
+            <a:lvl1pPr marL="0" marR="0" indent="0" algn="l" defTabSz="914400" rtl="0" eaLnBrk="1" fontAlgn="auto" latinLnBrk="0" hangingPunct="1">
+              <a:lnSpc>
+                <a:spcPct val="100000"/>
+              </a:lnSpc>
+              <a:spcBef>
+                <a:spcPts val="1200"/>
+              </a:spcBef>
+              <a:spcAft>
+                <a:spcPts val="0"/>
+              </a:spcAft>
+              <a:buClrTx/>
+              <a:buSzTx/>
+              <a:buFontTx/>
+              <a:buNone/>
+              <a:tabLst/>
+              <a:defRPr sz="1800">
+                <a:solidFill>
+                  <a:srgbClr val="262626"/>
+                </a:solidFill>
+              </a:defRPr>
             </a:lvl1pPr>
             <a:lvl2pPr marL="457200" indent="0">
               <a:buNone/>
-              <a:defRPr sz="1400"/>
+              <a:defRPr sz="1200"/>
             </a:lvl2pPr>
             <a:lvl3pPr marL="914400" indent="0">
               <a:buNone/>
-              <a:defRPr sz="1200"/>
+              <a:defRPr sz="1000"/>
             </a:lvl3pPr>
             <a:lvl4pPr marL="1371600" indent="0">
               <a:buNone/>
-              <a:defRPr sz="1000"/>
+              <a:defRPr sz="900"/>
             </a:lvl4pPr>
             <a:lvl5pPr marL="1828800" indent="0">
               <a:buNone/>
-              <a:defRPr sz="1000"/>
+              <a:defRPr sz="900"/>
             </a:lvl5pPr>
             <a:lvl6pPr marL="2286000" indent="0">
               <a:buNone/>
-              <a:defRPr sz="1000"/>
+              <a:defRPr sz="900"/>
             </a:lvl6pPr>
             <a:lvl7pPr marL="2743200" indent="0">
               <a:buNone/>
-              <a:defRPr sz="1000"/>
+              <a:defRPr sz="900"/>
             </a:lvl7pPr>
             <a:lvl8pPr marL="3200400" indent="0">
               <a:buNone/>
-              <a:defRPr sz="1000"/>
+              <a:defRPr sz="900"/>
             </a:lvl8pPr>
             <a:lvl9pPr marL="3657600" indent="0">
               <a:buNone/>
-              <a:defRPr sz="1000"/>
+              <a:defRPr sz="900"/>
             </a:lvl9pPr>
           </a:lstStyle>
           <a:p>
-            <a:pPr lvl="0"/>
+            <a:pPr marL="0" marR="0" lvl="0" indent="0" algn="l" defTabSz="914400" rtl="0" eaLnBrk="1" fontAlgn="auto" latinLnBrk="0" hangingPunct="1">
+              <a:lnSpc>
+                <a:spcPct val="100000"/>
+              </a:lnSpc>
+              <a:spcBef>
+                <a:spcPts val="1400"/>
+              </a:spcBef>
+              <a:spcAft>
+                <a:spcPts val="0"/>
+              </a:spcAft>
+              <a:buClrTx/>
+              <a:buSzTx/>
+              <a:buFontTx/>
+              <a:buNone/>
+              <a:tabLst/>
+              <a:defRPr/>
+            </a:pPr>
             <a:r>
               <a:rPr lang="en-US"/>
               <a:t>Edit Master text styles</a:t>
@@ -2419,13 +2440,7 @@
       </p:sp>
       <p:sp>
         <p:nvSpPr>
-          <p:cNvPr id="5" name="Date Placeholder 4">
-            <a:extLst>
-              <a:ext uri="{FF2B5EF4-FFF2-40B4-BE49-F238E27FC236}">
-                <a16:creationId xmlns:a16="http://schemas.microsoft.com/office/drawing/2014/main" id="{7A4309FC-6FFA-4D1B-9DF0-A6627CA39673}"/>
-              </a:ext>
-            </a:extLst>
-          </p:cNvPr>
+          <p:cNvPr id="5" name="Date Placeholder 4"/>
           <p:cNvSpPr>
             <a:spLocks noGrp="1"/>
           </p:cNvSpPr>
@@ -2440,7 +2455,7 @@
           <a:p>
             <a:fld id="{018B08E2-CE20-4076-9562-F8B5CB5D6CE9}" type="datetimeFigureOut">
               <a:rPr lang="en-GB" smtClean="0"/>
-              <a:t>25/10/2018</a:t>
+              <a:t>26/10/2018</a:t>
             </a:fld>
             <a:endParaRPr lang="en-GB"/>
           </a:p>
@@ -2448,13 +2463,7 @@
       </p:sp>
       <p:sp>
         <p:nvSpPr>
-          <p:cNvPr id="6" name="Footer Placeholder 5">
-            <a:extLst>
-              <a:ext uri="{FF2B5EF4-FFF2-40B4-BE49-F238E27FC236}">
-                <a16:creationId xmlns:a16="http://schemas.microsoft.com/office/drawing/2014/main" id="{19C63089-270A-4B42-9E75-8384503A7667}"/>
-              </a:ext>
-            </a:extLst>
-          </p:cNvPr>
+          <p:cNvPr id="6" name="Footer Placeholder 5"/>
           <p:cNvSpPr>
             <a:spLocks noGrp="1"/>
           </p:cNvSpPr>
@@ -2473,13 +2482,7 @@
       </p:sp>
       <p:sp>
         <p:nvSpPr>
-          <p:cNvPr id="7" name="Slide Number Placeholder 6">
-            <a:extLst>
-              <a:ext uri="{FF2B5EF4-FFF2-40B4-BE49-F238E27FC236}">
-                <a16:creationId xmlns:a16="http://schemas.microsoft.com/office/drawing/2014/main" id="{B319DC9B-69BB-4FC6-BD72-2E967FBCCDB3}"/>
-              </a:ext>
-            </a:extLst>
-          </p:cNvPr>
+          <p:cNvPr id="7" name="Slide Number Placeholder 6"/>
           <p:cNvSpPr>
             <a:spLocks noGrp="1"/>
           </p:cNvSpPr>
@@ -2490,7 +2493,17 @@
         <p:spPr/>
         <p:txBody>
           <a:bodyPr/>
-          <a:lstStyle/>
+          <a:lstStyle>
+            <a:lvl1pPr>
+              <a:defRPr>
+                <a:solidFill>
+                  <a:srgbClr val="FFFFFF">
+                    <a:alpha val="20000"/>
+                  </a:srgbClr>
+                </a:solidFill>
+              </a:defRPr>
+            </a:lvl1pPr>
+          </a:lstStyle>
           <a:p>
             <a:fld id="{DB46D118-6E39-4DE5-92E3-3043D4ECDEF5}" type="slidenum">
               <a:rPr lang="en-GB" smtClean="0"/>
@@ -2503,7 +2516,7 @@
     </p:spTree>
     <p:extLst>
       <p:ext uri="{BB962C8B-B14F-4D97-AF65-F5344CB8AC3E}">
-        <p14:creationId xmlns:p14="http://schemas.microsoft.com/office/powerpoint/2010/main" val="778503342"/>
+        <p14:creationId xmlns:p14="http://schemas.microsoft.com/office/powerpoint/2010/main" val="3144641138"/>
       </p:ext>
     </p:extLst>
   </p:cSld>
@@ -2516,6 +2529,14 @@
 <file path=ppt/slideLayouts/slideLayout9.xml><?xml version="1.0" encoding="utf-8"?>
 <p:sldLayout xmlns:a="http://schemas.openxmlformats.org/drawingml/2006/main" xmlns:r="http://schemas.openxmlformats.org/officeDocument/2006/relationships" xmlns:p="http://schemas.openxmlformats.org/presentationml/2006/main" type="picTx" preserve="1">
   <p:cSld name="Picture with Caption">
+    <p:bg>
+      <p:bgPr>
+        <a:solidFill>
+          <a:schemeClr val="accent1"/>
+        </a:solidFill>
+        <a:effectLst/>
+      </p:bgPr>
+    </p:bg>
     <p:spTree>
       <p:nvGrpSpPr>
         <p:cNvPr id="1" name=""/>
@@ -2532,13 +2553,7 @@
       </p:grpSpPr>
       <p:sp>
         <p:nvSpPr>
-          <p:cNvPr id="2" name="Title 1">
-            <a:extLst>
-              <a:ext uri="{FF2B5EF4-FFF2-40B4-BE49-F238E27FC236}">
-                <a16:creationId xmlns:a16="http://schemas.microsoft.com/office/drawing/2014/main" id="{AC28BEEF-FF07-4B49-88AC-522B77160E64}"/>
-              </a:ext>
-            </a:extLst>
-          </p:cNvPr>
+          <p:cNvPr id="2" name="Title 1"/>
           <p:cNvSpPr>
             <a:spLocks noGrp="1"/>
           </p:cNvSpPr>
@@ -2548,15 +2563,21 @@
         </p:nvSpPr>
         <p:spPr>
           <a:xfrm>
-            <a:off x="839788" y="457200"/>
-            <a:ext cx="3932237" cy="1600200"/>
+            <a:off x="649224" y="5418667"/>
+            <a:ext cx="10780776" cy="613283"/>
           </a:xfrm>
         </p:spPr>
         <p:txBody>
-          <a:bodyPr anchor="b"/>
+          <a:bodyPr anchor="b">
+            <a:normAutofit/>
+          </a:bodyPr>
           <a:lstStyle>
             <a:lvl1pPr>
-              <a:defRPr sz="3200"/>
+              <a:defRPr sz="3200" b="0">
+                <a:solidFill>
+                  <a:srgbClr val="FFFFFF"/>
+                </a:solidFill>
+              </a:defRPr>
             </a:lvl1pPr>
           </a:lstStyle>
           <a:p>
@@ -2564,21 +2585,15 @@
               <a:rPr lang="en-US"/>
               <a:t>Click to edit Master title style</a:t>
             </a:r>
-            <a:endParaRPr lang="en-GB"/>
-          </a:p>
-        </p:txBody>
-      </p:sp>
-      <p:sp>
-        <p:nvSpPr>
-          <p:cNvPr id="3" name="Picture Placeholder 2">
-            <a:extLst>
-              <a:ext uri="{FF2B5EF4-FFF2-40B4-BE49-F238E27FC236}">
-                <a16:creationId xmlns:a16="http://schemas.microsoft.com/office/drawing/2014/main" id="{1FC3A11E-42F5-4464-9E9B-3BDA59D1642F}"/>
-              </a:ext>
-            </a:extLst>
-          </p:cNvPr>
-          <p:cNvSpPr>
-            <a:spLocks noGrp="1"/>
+            <a:endParaRPr lang="en-US" dirty="0"/>
+          </a:p>
+        </p:txBody>
+      </p:sp>
+      <p:sp>
+        <p:nvSpPr>
+          <p:cNvPr id="3" name="Picture Placeholder 2"/>
+          <p:cNvSpPr>
+            <a:spLocks noGrp="1" noChangeAspect="1"/>
           </p:cNvSpPr>
           <p:nvPr>
             <p:ph type="pic" idx="1"/>
@@ -2586,16 +2601,32 @@
         </p:nvSpPr>
         <p:spPr>
           <a:xfrm>
-            <a:off x="5183188" y="987425"/>
-            <a:ext cx="6172200" cy="4873625"/>
+            <a:off x="0" y="0"/>
+            <a:ext cx="12192000" cy="5330952"/>
           </a:xfrm>
+          <a:solidFill>
+            <a:schemeClr val="accent1">
+              <a:lumMod val="40000"/>
+              <a:lumOff val="60000"/>
+            </a:schemeClr>
+          </a:solidFill>
         </p:spPr>
         <p:txBody>
-          <a:bodyPr/>
+          <a:bodyPr anchor="t"/>
           <a:lstStyle>
-            <a:lvl1pPr marL="0" indent="0">
-              <a:buNone/>
-              <a:defRPr sz="3200"/>
+            <a:lvl1pPr marL="0" indent="0" algn="ctr">
+              <a:spcBef>
+                <a:spcPts val="800"/>
+              </a:spcBef>
+              <a:buNone/>
+              <a:defRPr sz="3200">
+                <a:solidFill>
+                  <a:schemeClr val="tx1">
+                    <a:lumMod val="75000"/>
+                    <a:lumOff val="25000"/>
+                  </a:schemeClr>
+                </a:solidFill>
+              </a:defRPr>
             </a:lvl1pPr>
             <a:lvl2pPr marL="457200" indent="0">
               <a:buNone/>
@@ -2631,19 +2662,17 @@
             </a:lvl9pPr>
           </a:lstStyle>
           <a:p>
-            <a:endParaRPr lang="en-GB"/>
-          </a:p>
-        </p:txBody>
-      </p:sp>
-      <p:sp>
-        <p:nvSpPr>
-          <p:cNvPr id="4" name="Text Placeholder 3">
-            <a:extLst>
-              <a:ext uri="{FF2B5EF4-FFF2-40B4-BE49-F238E27FC236}">
-                <a16:creationId xmlns:a16="http://schemas.microsoft.com/office/drawing/2014/main" id="{1999244C-E636-4E0C-B8EB-BD6647A34B41}"/>
-              </a:ext>
-            </a:extLst>
-          </p:cNvPr>
+            <a:r>
+              <a:rPr lang="en-US"/>
+              <a:t>Click icon to add picture</a:t>
+            </a:r>
+            <a:endParaRPr lang="en-US" dirty="0"/>
+          </a:p>
+        </p:txBody>
+      </p:sp>
+      <p:sp>
+        <p:nvSpPr>
+          <p:cNvPr id="4" name="Text Placeholder 3"/>
           <p:cNvSpPr>
             <a:spLocks noGrp="1"/>
           </p:cNvSpPr>
@@ -2653,48 +2682,57 @@
         </p:nvSpPr>
         <p:spPr>
           <a:xfrm>
-            <a:off x="839788" y="2057400"/>
-            <a:ext cx="3932237" cy="3811588"/>
+            <a:off x="676656" y="5909735"/>
+            <a:ext cx="9229344" cy="533400"/>
           </a:xfrm>
         </p:spPr>
         <p:txBody>
-          <a:bodyPr/>
+          <a:bodyPr>
+            <a:normAutofit/>
+          </a:bodyPr>
           <a:lstStyle>
             <a:lvl1pPr marL="0" indent="0">
-              <a:buNone/>
-              <a:defRPr sz="1600"/>
+              <a:lnSpc>
+                <a:spcPct val="90000"/>
+              </a:lnSpc>
+              <a:buNone/>
+              <a:defRPr sz="1400">
+                <a:solidFill>
+                  <a:srgbClr val="262626"/>
+                </a:solidFill>
+              </a:defRPr>
             </a:lvl1pPr>
             <a:lvl2pPr marL="457200" indent="0">
               <a:buNone/>
-              <a:defRPr sz="1400"/>
+              <a:defRPr sz="1200"/>
             </a:lvl2pPr>
             <a:lvl3pPr marL="914400" indent="0">
               <a:buNone/>
-              <a:defRPr sz="1200"/>
+              <a:defRPr sz="1000"/>
             </a:lvl3pPr>
             <a:lvl4pPr marL="1371600" indent="0">
               <a:buNone/>
-              <a:defRPr sz="1000"/>
+              <a:defRPr sz="900"/>
             </a:lvl4pPr>
             <a:lvl5pPr marL="1828800" indent="0">
               <a:buNone/>
-              <a:defRPr sz="1000"/>
+              <a:defRPr sz="900"/>
             </a:lvl5pPr>
             <a:lvl6pPr marL="2286000" indent="0">
               <a:buNone/>
-              <a:defRPr sz="1000"/>
+              <a:defRPr sz="900"/>
             </a:lvl6pPr>
             <a:lvl7pPr marL="2743200" indent="0">
               <a:buNone/>
-              <a:defRPr sz="1000"/>
+              <a:defRPr sz="900"/>
             </a:lvl7pPr>
             <a:lvl8pPr marL="3200400" indent="0">
               <a:buNone/>
-              <a:defRPr sz="1000"/>
+              <a:defRPr sz="900"/>
             </a:lvl8pPr>
             <a:lvl9pPr marL="3657600" indent="0">
               <a:buNone/>
-              <a:defRPr sz="1000"/>
+              <a:defRPr sz="900"/>
             </a:lvl9pPr>
           </a:lstStyle>
           <a:p>
@@ -2708,13 +2746,7 @@
       </p:sp>
       <p:sp>
         <p:nvSpPr>
-          <p:cNvPr id="5" name="Date Placeholder 4">
-            <a:extLst>
-              <a:ext uri="{FF2B5EF4-FFF2-40B4-BE49-F238E27FC236}">
-                <a16:creationId xmlns:a16="http://schemas.microsoft.com/office/drawing/2014/main" id="{425BEFAF-BF33-423C-BE84-F94686C3E631}"/>
-              </a:ext>
-            </a:extLst>
-          </p:cNvPr>
+          <p:cNvPr id="12" name="Date Placeholder 11"/>
           <p:cNvSpPr>
             <a:spLocks noGrp="1"/>
           </p:cNvSpPr>
@@ -2725,11 +2757,21 @@
         <p:spPr/>
         <p:txBody>
           <a:bodyPr/>
-          <a:lstStyle/>
+          <a:lstStyle>
+            <a:lvl1pPr>
+              <a:defRPr>
+                <a:solidFill>
+                  <a:srgbClr val="FFFFFF">
+                    <a:alpha val="80000"/>
+                  </a:srgbClr>
+                </a:solidFill>
+              </a:defRPr>
+            </a:lvl1pPr>
+          </a:lstStyle>
           <a:p>
             <a:fld id="{018B08E2-CE20-4076-9562-F8B5CB5D6CE9}" type="datetimeFigureOut">
               <a:rPr lang="en-GB" smtClean="0"/>
-              <a:t>25/10/2018</a:t>
+              <a:t>26/10/2018</a:t>
             </a:fld>
             <a:endParaRPr lang="en-GB"/>
           </a:p>
@@ -2737,13 +2779,7 @@
       </p:sp>
       <p:sp>
         <p:nvSpPr>
-          <p:cNvPr id="6" name="Footer Placeholder 5">
-            <a:extLst>
-              <a:ext uri="{FF2B5EF4-FFF2-40B4-BE49-F238E27FC236}">
-                <a16:creationId xmlns:a16="http://schemas.microsoft.com/office/drawing/2014/main" id="{7ED64959-7873-4760-8A23-D84ECABA39A4}"/>
-              </a:ext>
-            </a:extLst>
-          </p:cNvPr>
+          <p:cNvPr id="13" name="Footer Placeholder 12"/>
           <p:cNvSpPr>
             <a:spLocks noGrp="1"/>
           </p:cNvSpPr>
@@ -2754,7 +2790,17 @@
         <p:spPr/>
         <p:txBody>
           <a:bodyPr/>
-          <a:lstStyle/>
+          <a:lstStyle>
+            <a:lvl1pPr>
+              <a:defRPr>
+                <a:solidFill>
+                  <a:srgbClr val="FFFFFF">
+                    <a:alpha val="80000"/>
+                  </a:srgbClr>
+                </a:solidFill>
+              </a:defRPr>
+            </a:lvl1pPr>
+          </a:lstStyle>
           <a:p>
             <a:endParaRPr lang="en-GB"/>
           </a:p>
@@ -2762,13 +2808,7 @@
       </p:sp>
       <p:sp>
         <p:nvSpPr>
-          <p:cNvPr id="7" name="Slide Number Placeholder 6">
-            <a:extLst>
-              <a:ext uri="{FF2B5EF4-FFF2-40B4-BE49-F238E27FC236}">
-                <a16:creationId xmlns:a16="http://schemas.microsoft.com/office/drawing/2014/main" id="{DC21C705-0A8C-4E35-93B9-A35531703CFF}"/>
-              </a:ext>
-            </a:extLst>
-          </p:cNvPr>
+          <p:cNvPr id="14" name="Slide Number Placeholder 13"/>
           <p:cNvSpPr>
             <a:spLocks noGrp="1"/>
           </p:cNvSpPr>
@@ -2779,7 +2819,17 @@
         <p:spPr/>
         <p:txBody>
           <a:bodyPr/>
-          <a:lstStyle/>
+          <a:lstStyle>
+            <a:lvl1pPr>
+              <a:defRPr>
+                <a:solidFill>
+                  <a:srgbClr val="FFFFFF">
+                    <a:alpha val="25000"/>
+                  </a:srgbClr>
+                </a:solidFill>
+              </a:defRPr>
+            </a:lvl1pPr>
+          </a:lstStyle>
           <a:p>
             <a:fld id="{DB46D118-6E39-4DE5-92E3-3043D4ECDEF5}" type="slidenum">
               <a:rPr lang="en-GB" smtClean="0"/>
@@ -2792,12 +2842,12 @@
     </p:spTree>
     <p:extLst>
       <p:ext uri="{BB962C8B-B14F-4D97-AF65-F5344CB8AC3E}">
-        <p14:creationId xmlns:p14="http://schemas.microsoft.com/office/powerpoint/2010/main" val="3017044345"/>
+        <p14:creationId xmlns:p14="http://schemas.microsoft.com/office/powerpoint/2010/main" val="1083517060"/>
       </p:ext>
     </p:extLst>
   </p:cSld>
   <p:clrMapOvr>
-    <a:masterClrMapping/>
+    <a:overrideClrMapping bg1="lt1" tx1="dk1" bg2="lt2" tx2="dk2" accent1="accent1" accent2="accent2" accent3="accent3" accent4="accent4" accent5="accent5" accent6="accent6" hlink="hlink" folHlink="folHlink"/>
   </p:clrMapOvr>
 </p:sldLayout>
 </file>
@@ -2826,13 +2876,7 @@
       </p:grpSpPr>
       <p:sp>
         <p:nvSpPr>
-          <p:cNvPr id="2" name="Title Placeholder 1">
-            <a:extLst>
-              <a:ext uri="{FF2B5EF4-FFF2-40B4-BE49-F238E27FC236}">
-                <a16:creationId xmlns:a16="http://schemas.microsoft.com/office/drawing/2014/main" id="{8E7178AB-DFA5-47AF-B07D-2886210B0027}"/>
-              </a:ext>
-            </a:extLst>
-          </p:cNvPr>
+          <p:cNvPr id="2" name="Title Placeholder 1"/>
           <p:cNvSpPr>
             <a:spLocks noGrp="1"/>
           </p:cNvSpPr>
@@ -2842,8 +2886,8 @@
         </p:nvSpPr>
         <p:spPr>
           <a:xfrm>
-            <a:off x="838200" y="365125"/>
-            <a:ext cx="10515600" cy="1325563"/>
+            <a:off x="657224" y="499533"/>
+            <a:ext cx="10772775" cy="1658198"/>
           </a:xfrm>
           <a:prstGeom prst="rect">
             <a:avLst/>
@@ -2859,19 +2903,13 @@
               <a:rPr lang="en-US"/>
               <a:t>Click to edit Master title style</a:t>
             </a:r>
-            <a:endParaRPr lang="en-GB"/>
-          </a:p>
-        </p:txBody>
-      </p:sp>
-      <p:sp>
-        <p:nvSpPr>
-          <p:cNvPr id="3" name="Text Placeholder 2">
-            <a:extLst>
-              <a:ext uri="{FF2B5EF4-FFF2-40B4-BE49-F238E27FC236}">
-                <a16:creationId xmlns:a16="http://schemas.microsoft.com/office/drawing/2014/main" id="{AD5A6624-F47B-42FD-9316-C5FC1B1E887E}"/>
-              </a:ext>
-            </a:extLst>
-          </p:cNvPr>
+            <a:endParaRPr lang="en-US" dirty="0"/>
+          </a:p>
+        </p:txBody>
+      </p:sp>
+      <p:sp>
+        <p:nvSpPr>
+          <p:cNvPr id="3" name="Text Placeholder 2"/>
           <p:cNvSpPr>
             <a:spLocks noGrp="1"/>
           </p:cNvSpPr>
@@ -2881,8 +2919,8 @@
         </p:nvSpPr>
         <p:spPr>
           <a:xfrm>
-            <a:off x="838200" y="1825625"/>
-            <a:ext cx="10515600" cy="4351338"/>
+            <a:off x="676656" y="2011680"/>
+            <a:ext cx="10753725" cy="3766185"/>
           </a:xfrm>
           <a:prstGeom prst="rect">
             <a:avLst/>
@@ -2927,19 +2965,13 @@
               <a:rPr lang="en-US"/>
               <a:t>Fifth level</a:t>
             </a:r>
-            <a:endParaRPr lang="en-GB"/>
-          </a:p>
-        </p:txBody>
-      </p:sp>
-      <p:sp>
-        <p:nvSpPr>
-          <p:cNvPr id="4" name="Date Placeholder 3">
-            <a:extLst>
-              <a:ext uri="{FF2B5EF4-FFF2-40B4-BE49-F238E27FC236}">
-                <a16:creationId xmlns:a16="http://schemas.microsoft.com/office/drawing/2014/main" id="{CAB77C70-C55A-4A4F-996D-BC3FB4CA9294}"/>
-              </a:ext>
-            </a:extLst>
-          </p:cNvPr>
+            <a:endParaRPr lang="en-US" dirty="0"/>
+          </a:p>
+        </p:txBody>
+      </p:sp>
+      <p:sp>
+        <p:nvSpPr>
+          <p:cNvPr id="4" name="Date Placeholder 3"/>
           <p:cNvSpPr>
             <a:spLocks noGrp="1"/>
           </p:cNvSpPr>
@@ -2949,8 +2981,8 @@
         </p:nvSpPr>
         <p:spPr>
           <a:xfrm>
-            <a:off x="838200" y="6356350"/>
-            <a:ext cx="2743200" cy="365125"/>
+            <a:off x="685800" y="6412447"/>
+            <a:ext cx="4114800" cy="228600"/>
           </a:xfrm>
           <a:prstGeom prst="rect">
             <a:avLst/>
@@ -2960,10 +2992,10 @@
           <a:bodyPr vert="horz" lIns="91440" tIns="45720" rIns="91440" bIns="45720" rtlCol="0" anchor="ctr"/>
           <a:lstStyle>
             <a:lvl1pPr algn="l">
-              <a:defRPr sz="1200">
+              <a:defRPr sz="950">
                 <a:solidFill>
                   <a:schemeClr val="tx1">
-                    <a:tint val="75000"/>
+                    <a:alpha val="80000"/>
                   </a:schemeClr>
                 </a:solidFill>
               </a:defRPr>
@@ -2972,7 +3004,7 @@
           <a:p>
             <a:fld id="{018B08E2-CE20-4076-9562-F8B5CB5D6CE9}" type="datetimeFigureOut">
               <a:rPr lang="en-GB" smtClean="0"/>
-              <a:t>25/10/2018</a:t>
+              <a:t>26/10/2018</a:t>
             </a:fld>
             <a:endParaRPr lang="en-GB"/>
           </a:p>
@@ -2980,13 +3012,7 @@
       </p:sp>
       <p:sp>
         <p:nvSpPr>
-          <p:cNvPr id="5" name="Footer Placeholder 4">
-            <a:extLst>
-              <a:ext uri="{FF2B5EF4-FFF2-40B4-BE49-F238E27FC236}">
-                <a16:creationId xmlns:a16="http://schemas.microsoft.com/office/drawing/2014/main" id="{CEC06D01-35F0-4481-B12E-052D77647062}"/>
-              </a:ext>
-            </a:extLst>
-          </p:cNvPr>
+          <p:cNvPr id="5" name="Footer Placeholder 4"/>
           <p:cNvSpPr>
             <a:spLocks noGrp="1"/>
           </p:cNvSpPr>
@@ -2996,8 +3022,8 @@
         </p:nvSpPr>
         <p:spPr>
           <a:xfrm>
-            <a:off x="4038600" y="6356350"/>
-            <a:ext cx="4114800" cy="365125"/>
+            <a:off x="685800" y="6554697"/>
+            <a:ext cx="5029200" cy="228600"/>
           </a:xfrm>
           <a:prstGeom prst="rect">
             <a:avLst/>
@@ -3006,11 +3032,11 @@
         <p:txBody>
           <a:bodyPr vert="horz" lIns="91440" tIns="45720" rIns="91440" bIns="45720" rtlCol="0" anchor="ctr"/>
           <a:lstStyle>
-            <a:lvl1pPr algn="ctr">
-              <a:defRPr sz="1200">
+            <a:lvl1pPr algn="l">
+              <a:defRPr sz="950" cap="all" baseline="0">
                 <a:solidFill>
                   <a:schemeClr val="tx1">
-                    <a:tint val="75000"/>
+                    <a:alpha val="80000"/>
                   </a:schemeClr>
                 </a:solidFill>
               </a:defRPr>
@@ -3023,13 +3049,7 @@
       </p:sp>
       <p:sp>
         <p:nvSpPr>
-          <p:cNvPr id="6" name="Slide Number Placeholder 5">
-            <a:extLst>
-              <a:ext uri="{FF2B5EF4-FFF2-40B4-BE49-F238E27FC236}">
-                <a16:creationId xmlns:a16="http://schemas.microsoft.com/office/drawing/2014/main" id="{B0D4FFE3-0A17-46FD-B8C0-1B8FC6BE5330}"/>
-              </a:ext>
-            </a:extLst>
-          </p:cNvPr>
+          <p:cNvPr id="6" name="Slide Number Placeholder 5"/>
           <p:cNvSpPr>
             <a:spLocks noGrp="1"/>
           </p:cNvSpPr>
@@ -3039,23 +3059,27 @@
         </p:nvSpPr>
         <p:spPr>
           <a:xfrm>
-            <a:off x="8610600" y="6356350"/>
-            <a:ext cx="2743200" cy="365125"/>
+            <a:off x="8763926" y="5876412"/>
+            <a:ext cx="2926080" cy="1397039"/>
           </a:xfrm>
           <a:prstGeom prst="rect">
             <a:avLst/>
           </a:prstGeom>
         </p:spPr>
         <p:txBody>
-          <a:bodyPr vert="horz" lIns="91440" tIns="45720" rIns="91440" bIns="45720" rtlCol="0" anchor="ctr"/>
+          <a:bodyPr vert="horz" lIns="91440" tIns="45720" rIns="91440" bIns="45720" rtlCol="0" anchor="b"/>
           <a:lstStyle>
             <a:lvl1pPr algn="r">
-              <a:defRPr sz="1200">
+              <a:defRPr sz="10300" b="0">
+                <a:ln>
+                  <a:noFill/>
+                </a:ln>
                 <a:solidFill>
-                  <a:schemeClr val="tx1">
-                    <a:tint val="75000"/>
+                  <a:schemeClr val="accent1">
+                    <a:alpha val="25000"/>
                   </a:schemeClr>
                 </a:solidFill>
+                <a:latin typeface="+mj-lt"/>
               </a:defRPr>
             </a:lvl1pPr>
           </a:lstStyle>
@@ -3071,37 +3095,37 @@
     </p:spTree>
     <p:extLst>
       <p:ext uri="{BB962C8B-B14F-4D97-AF65-F5344CB8AC3E}">
-        <p14:creationId xmlns:p14="http://schemas.microsoft.com/office/powerpoint/2010/main" val="745216790"/>
+        <p14:creationId xmlns:p14="http://schemas.microsoft.com/office/powerpoint/2010/main" val="1221915005"/>
       </p:ext>
     </p:extLst>
   </p:cSld>
   <p:clrMap bg1="lt1" tx1="dk1" bg2="lt2" tx2="dk2" accent1="accent1" accent2="accent2" accent3="accent3" accent4="accent4" accent5="accent5" accent6="accent6" hlink="hlink" folHlink="folHlink"/>
   <p:sldLayoutIdLst>
-    <p:sldLayoutId id="2147483649" r:id="rId1"/>
-    <p:sldLayoutId id="2147483650" r:id="rId2"/>
-    <p:sldLayoutId id="2147483651" r:id="rId3"/>
-    <p:sldLayoutId id="2147483652" r:id="rId4"/>
-    <p:sldLayoutId id="2147483653" r:id="rId5"/>
-    <p:sldLayoutId id="2147483654" r:id="rId6"/>
-    <p:sldLayoutId id="2147483655" r:id="rId7"/>
-    <p:sldLayoutId id="2147483656" r:id="rId8"/>
-    <p:sldLayoutId id="2147483657" r:id="rId9"/>
-    <p:sldLayoutId id="2147483658" r:id="rId10"/>
-    <p:sldLayoutId id="2147483659" r:id="rId11"/>
+    <p:sldLayoutId id="2147483661" r:id="rId1"/>
+    <p:sldLayoutId id="2147483662" r:id="rId2"/>
+    <p:sldLayoutId id="2147483663" r:id="rId3"/>
+    <p:sldLayoutId id="2147483664" r:id="rId4"/>
+    <p:sldLayoutId id="2147483665" r:id="rId5"/>
+    <p:sldLayoutId id="2147483666" r:id="rId6"/>
+    <p:sldLayoutId id="2147483667" r:id="rId7"/>
+    <p:sldLayoutId id="2147483668" r:id="rId8"/>
+    <p:sldLayoutId id="2147483669" r:id="rId9"/>
+    <p:sldLayoutId id="2147483670" r:id="rId10"/>
+    <p:sldLayoutId id="2147483671" r:id="rId11"/>
   </p:sldLayoutIdLst>
   <p:txStyles>
     <p:titleStyle>
       <a:lvl1pPr algn="l" defTabSz="914400" rtl="0" eaLnBrk="1" latinLnBrk="0" hangingPunct="1">
         <a:lnSpc>
-          <a:spcPct val="90000"/>
+          <a:spcPct val="85000"/>
         </a:lnSpc>
         <a:spcBef>
           <a:spcPct val="0"/>
         </a:spcBef>
         <a:buNone/>
-        <a:defRPr sz="4400" kern="1200">
+        <a:defRPr sz="5400" kern="1200" spc="-120" baseline="0">
           <a:solidFill>
-            <a:schemeClr val="tx1"/>
+            <a:schemeClr val="accent1"/>
           </a:solidFill>
           <a:latin typeface="+mj-lt"/>
           <a:ea typeface="+mj-ea"/>
@@ -3110,162 +3134,189 @@
       </a:lvl1pPr>
     </p:titleStyle>
     <p:bodyStyle>
-      <a:lvl1pPr marL="228600" indent="-228600" algn="l" defTabSz="914400" rtl="0" eaLnBrk="1" latinLnBrk="0" hangingPunct="1">
+      <a:lvl1pPr marL="91440" indent="-91440" algn="l" defTabSz="914400" rtl="0" eaLnBrk="1" latinLnBrk="0" hangingPunct="1">
         <a:lnSpc>
-          <a:spcPct val="90000"/>
+          <a:spcPct val="85000"/>
         </a:lnSpc>
         <a:spcBef>
-          <a:spcPts val="1000"/>
+          <a:spcPts val="1300"/>
         </a:spcBef>
-        <a:buFont typeface="Arial" panose="020B0604020202020204" pitchFamily="34" charset="0"/>
-        <a:buChar char="•"/>
-        <a:defRPr sz="2800" kern="1200">
+        <a:buFont typeface="Arial" pitchFamily="34" charset="0"/>
+        <a:buChar char=" "/>
+        <a:defRPr sz="2400" kern="1200">
           <a:solidFill>
-            <a:schemeClr val="tx1"/>
+            <a:schemeClr val="tx1">
+              <a:lumMod val="85000"/>
+              <a:lumOff val="15000"/>
+            </a:schemeClr>
           </a:solidFill>
           <a:latin typeface="+mn-lt"/>
           <a:ea typeface="+mn-ea"/>
           <a:cs typeface="+mn-cs"/>
         </a:defRPr>
       </a:lvl1pPr>
-      <a:lvl2pPr marL="685800" indent="-228600" algn="l" defTabSz="914400" rtl="0" eaLnBrk="1" latinLnBrk="0" hangingPunct="1">
+      <a:lvl2pPr marL="347472" indent="-342900" algn="l" defTabSz="914400" rtl="0" eaLnBrk="1" latinLnBrk="0" hangingPunct="1">
         <a:lnSpc>
-          <a:spcPct val="90000"/>
+          <a:spcPct val="85000"/>
         </a:lnSpc>
         <a:spcBef>
-          <a:spcPts val="500"/>
+          <a:spcPts val="600"/>
         </a:spcBef>
-        <a:buFont typeface="Arial" panose="020B0604020202020204" pitchFamily="34" charset="0"/>
-        <a:buChar char="•"/>
+        <a:buFont typeface="Arial" pitchFamily="34" charset="0"/>
+        <a:buChar char=" "/>
         <a:defRPr sz="2400" kern="1200">
           <a:solidFill>
-            <a:schemeClr val="tx1"/>
+            <a:schemeClr val="tx1">
+              <a:lumMod val="85000"/>
+              <a:lumOff val="15000"/>
+            </a:schemeClr>
           </a:solidFill>
           <a:latin typeface="+mn-lt"/>
           <a:ea typeface="+mn-ea"/>
           <a:cs typeface="+mn-cs"/>
         </a:defRPr>
       </a:lvl2pPr>
-      <a:lvl3pPr marL="1143000" indent="-228600" algn="l" defTabSz="914400" rtl="0" eaLnBrk="1" latinLnBrk="0" hangingPunct="1">
+      <a:lvl3pPr marL="548640" indent="-548640" algn="l" defTabSz="914400" rtl="0" eaLnBrk="1" latinLnBrk="0" hangingPunct="1">
         <a:lnSpc>
-          <a:spcPct val="90000"/>
+          <a:spcPct val="85000"/>
         </a:lnSpc>
         <a:spcBef>
-          <a:spcPts val="500"/>
+          <a:spcPts val="600"/>
         </a:spcBef>
-        <a:buFont typeface="Arial" panose="020B0604020202020204" pitchFamily="34" charset="0"/>
-        <a:buChar char="•"/>
-        <a:defRPr sz="2000" kern="1200">
+        <a:buFont typeface="Arial" pitchFamily="34" charset="0"/>
+        <a:buChar char=" "/>
+        <a:defRPr sz="2000" i="1" kern="1200">
           <a:solidFill>
-            <a:schemeClr val="tx1"/>
+            <a:schemeClr val="tx1">
+              <a:lumMod val="85000"/>
+              <a:lumOff val="15000"/>
+            </a:schemeClr>
           </a:solidFill>
           <a:latin typeface="+mn-lt"/>
           <a:ea typeface="+mn-ea"/>
           <a:cs typeface="+mn-cs"/>
         </a:defRPr>
       </a:lvl3pPr>
-      <a:lvl4pPr marL="1600200" indent="-228600" algn="l" defTabSz="914400" rtl="0" eaLnBrk="1" latinLnBrk="0" hangingPunct="1">
+      <a:lvl4pPr marL="822960" indent="-822960" algn="l" defTabSz="914400" rtl="0" eaLnBrk="1" latinLnBrk="0" hangingPunct="1">
         <a:lnSpc>
-          <a:spcPct val="90000"/>
+          <a:spcPct val="85000"/>
         </a:lnSpc>
         <a:spcBef>
-          <a:spcPts val="500"/>
+          <a:spcPts val="600"/>
         </a:spcBef>
-        <a:buFont typeface="Arial" panose="020B0604020202020204" pitchFamily="34" charset="0"/>
-        <a:buChar char="•"/>
+        <a:buFont typeface="Arial" pitchFamily="34" charset="0"/>
+        <a:buChar char=" "/>
         <a:defRPr sz="1800" kern="1200">
           <a:solidFill>
-            <a:schemeClr val="tx1"/>
+            <a:schemeClr val="tx1">
+              <a:lumMod val="85000"/>
+              <a:lumOff val="15000"/>
+            </a:schemeClr>
           </a:solidFill>
           <a:latin typeface="+mn-lt"/>
           <a:ea typeface="+mn-ea"/>
           <a:cs typeface="+mn-cs"/>
         </a:defRPr>
       </a:lvl4pPr>
-      <a:lvl5pPr marL="2057400" indent="-228600" algn="l" defTabSz="914400" rtl="0" eaLnBrk="1" latinLnBrk="0" hangingPunct="1">
+      <a:lvl5pPr marL="1097280" indent="-1097280" algn="l" defTabSz="914400" rtl="0" eaLnBrk="1" latinLnBrk="0" hangingPunct="1">
         <a:lnSpc>
-          <a:spcPct val="90000"/>
+          <a:spcPct val="85000"/>
         </a:lnSpc>
         <a:spcBef>
-          <a:spcPts val="500"/>
+          <a:spcPts val="600"/>
         </a:spcBef>
-        <a:buFont typeface="Arial" panose="020B0604020202020204" pitchFamily="34" charset="0"/>
-        <a:buChar char="•"/>
+        <a:buFont typeface="Arial" pitchFamily="34" charset="0"/>
+        <a:buChar char=" "/>
         <a:defRPr sz="1800" kern="1200">
           <a:solidFill>
-            <a:schemeClr val="tx1"/>
+            <a:schemeClr val="tx1">
+              <a:lumMod val="85000"/>
+              <a:lumOff val="15000"/>
+            </a:schemeClr>
           </a:solidFill>
           <a:latin typeface="+mn-lt"/>
           <a:ea typeface="+mn-ea"/>
           <a:cs typeface="+mn-cs"/>
         </a:defRPr>
       </a:lvl5pPr>
-      <a:lvl6pPr marL="2514600" indent="-228600" algn="l" defTabSz="914400" rtl="0" eaLnBrk="1" latinLnBrk="0" hangingPunct="1">
+      <a:lvl6pPr marL="1200000" indent="-228600" algn="l" defTabSz="914400" rtl="0" eaLnBrk="1" latinLnBrk="0" hangingPunct="1">
         <a:lnSpc>
-          <a:spcPct val="90000"/>
+          <a:spcPct val="85000"/>
         </a:lnSpc>
         <a:spcBef>
-          <a:spcPts val="500"/>
+          <a:spcPts val="600"/>
         </a:spcBef>
-        <a:buFont typeface="Arial" panose="020B0604020202020204" pitchFamily="34" charset="0"/>
-        <a:buChar char="•"/>
+        <a:buFont typeface="Arial" pitchFamily="34" charset="0"/>
+        <a:buChar char=" "/>
         <a:defRPr sz="1800" kern="1200">
           <a:solidFill>
-            <a:schemeClr val="tx1"/>
+            <a:schemeClr val="tx1">
+              <a:lumMod val="85000"/>
+              <a:lumOff val="15000"/>
+            </a:schemeClr>
           </a:solidFill>
           <a:latin typeface="+mn-lt"/>
           <a:ea typeface="+mn-ea"/>
           <a:cs typeface="+mn-cs"/>
         </a:defRPr>
       </a:lvl6pPr>
-      <a:lvl7pPr marL="2971800" indent="-228600" algn="l" defTabSz="914400" rtl="0" eaLnBrk="1" latinLnBrk="0" hangingPunct="1">
+      <a:lvl7pPr marL="1400000" indent="-228600" algn="l" defTabSz="914400" rtl="0" eaLnBrk="1" latinLnBrk="0" hangingPunct="1">
         <a:lnSpc>
-          <a:spcPct val="90000"/>
+          <a:spcPct val="85000"/>
         </a:lnSpc>
         <a:spcBef>
-          <a:spcPts val="500"/>
+          <a:spcPts val="600"/>
         </a:spcBef>
-        <a:buFont typeface="Arial" panose="020B0604020202020204" pitchFamily="34" charset="0"/>
-        <a:buChar char="•"/>
+        <a:buFont typeface="Arial" pitchFamily="34" charset="0"/>
+        <a:buChar char=" "/>
         <a:defRPr sz="1800" kern="1200">
           <a:solidFill>
-            <a:schemeClr val="tx1"/>
+            <a:schemeClr val="tx1">
+              <a:lumMod val="85000"/>
+              <a:lumOff val="15000"/>
+            </a:schemeClr>
           </a:solidFill>
           <a:latin typeface="+mn-lt"/>
           <a:ea typeface="+mn-ea"/>
           <a:cs typeface="+mn-cs"/>
         </a:defRPr>
       </a:lvl7pPr>
-      <a:lvl8pPr marL="3429000" indent="-228600" algn="l" defTabSz="914400" rtl="0" eaLnBrk="1" latinLnBrk="0" hangingPunct="1">
+      <a:lvl8pPr marL="1600000" indent="-228600" algn="l" defTabSz="914400" rtl="0" eaLnBrk="1" latinLnBrk="0" hangingPunct="1">
         <a:lnSpc>
-          <a:spcPct val="90000"/>
+          <a:spcPct val="85000"/>
         </a:lnSpc>
         <a:spcBef>
-          <a:spcPts val="500"/>
+          <a:spcPts val="600"/>
         </a:spcBef>
-        <a:buFont typeface="Arial" panose="020B0604020202020204" pitchFamily="34" charset="0"/>
-        <a:buChar char="•"/>
+        <a:buFont typeface="Arial" pitchFamily="34" charset="0"/>
+        <a:buChar char=" "/>
         <a:defRPr sz="1800" kern="1200">
           <a:solidFill>
-            <a:schemeClr val="tx1"/>
+            <a:schemeClr val="tx1">
+              <a:lumMod val="85000"/>
+              <a:lumOff val="15000"/>
+            </a:schemeClr>
           </a:solidFill>
           <a:latin typeface="+mn-lt"/>
           <a:ea typeface="+mn-ea"/>
           <a:cs typeface="+mn-cs"/>
         </a:defRPr>
       </a:lvl8pPr>
-      <a:lvl9pPr marL="3886200" indent="-228600" algn="l" defTabSz="914400" rtl="0" eaLnBrk="1" latinLnBrk="0" hangingPunct="1">
+      <a:lvl9pPr marL="1800000" indent="-228600" algn="l" defTabSz="914400" rtl="0" eaLnBrk="1" latinLnBrk="0" hangingPunct="1">
         <a:lnSpc>
-          <a:spcPct val="90000"/>
+          <a:spcPct val="85000"/>
         </a:lnSpc>
         <a:spcBef>
-          <a:spcPts val="500"/>
+          <a:spcPts val="600"/>
         </a:spcBef>
-        <a:buFont typeface="Arial" panose="020B0604020202020204" pitchFamily="34" charset="0"/>
-        <a:buChar char="•"/>
+        <a:buFont typeface="Arial" pitchFamily="34" charset="0"/>
+        <a:buChar char=" "/>
         <a:defRPr sz="1800" kern="1200">
           <a:solidFill>
-            <a:schemeClr val="tx1"/>
+            <a:schemeClr val="tx1">
+              <a:lumMod val="85000"/>
+              <a:lumOff val="15000"/>
+            </a:schemeClr>
           </a:solidFill>
           <a:latin typeface="+mn-lt"/>
           <a:ea typeface="+mn-ea"/>
@@ -3480,7 +3531,7 @@
           <p:cNvPr id="2" name="Title 1">
             <a:extLst>
               <a:ext uri="{FF2B5EF4-FFF2-40B4-BE49-F238E27FC236}">
-                <a16:creationId xmlns:a16="http://schemas.microsoft.com/office/drawing/2014/main" id="{C5BAD644-405A-4A93-80AE-BDF3F2DA06D1}"/>
+                <a16:creationId xmlns:a16="http://schemas.microsoft.com/office/drawing/2014/main" id="{182BA2C0-0B7A-4260-9DA5-27E664714F9D}"/>
               </a:ext>
             </a:extLst>
           </p:cNvPr>
@@ -3498,7 +3549,7 @@
           <a:p>
             <a:r>
               <a:rPr lang="en-GB" dirty="0"/>
-              <a:t>Match</a:t>
+              <a:t>Server-Client handling</a:t>
             </a:r>
           </a:p>
         </p:txBody>
@@ -3508,7 +3559,7 @@
           <p:cNvPr id="3" name="Content Placeholder 2">
             <a:extLst>
               <a:ext uri="{FF2B5EF4-FFF2-40B4-BE49-F238E27FC236}">
-                <a16:creationId xmlns:a16="http://schemas.microsoft.com/office/drawing/2014/main" id="{232DBEA3-4592-413D-B57A-669F99BC8226}"/>
+                <a16:creationId xmlns:a16="http://schemas.microsoft.com/office/drawing/2014/main" id="{0299D448-6CE4-4B73-AAB7-21A8A8BBA4DD}"/>
               </a:ext>
             </a:extLst>
           </p:cNvPr>
@@ -3524,14 +3575,17 @@
           <a:bodyPr/>
           <a:lstStyle/>
           <a:p>
-            <a:endParaRPr lang="en-GB"/>
+            <a:r>
+              <a:rPr lang="en-GB" dirty="0"/>
+              <a:t>New orders have a client id number</a:t>
+            </a:r>
           </a:p>
         </p:txBody>
       </p:sp>
     </p:spTree>
     <p:extLst>
       <p:ext uri="{BB962C8B-B14F-4D97-AF65-F5344CB8AC3E}">
-        <p14:creationId xmlns:p14="http://schemas.microsoft.com/office/powerpoint/2010/main" val="2764015184"/>
+        <p14:creationId xmlns:p14="http://schemas.microsoft.com/office/powerpoint/2010/main" val="3802267754"/>
       </p:ext>
     </p:extLst>
   </p:cSld>
@@ -3563,7 +3617,7 @@
           <p:cNvPr id="2" name="Title 1">
             <a:extLst>
               <a:ext uri="{FF2B5EF4-FFF2-40B4-BE49-F238E27FC236}">
-                <a16:creationId xmlns:a16="http://schemas.microsoft.com/office/drawing/2014/main" id="{7C4EB41E-2E8E-4136-8A0F-153464C88A6F}"/>
+                <a16:creationId xmlns:a16="http://schemas.microsoft.com/office/drawing/2014/main" id="{119A760C-AA26-4414-B4B8-2C06AC75E89C}"/>
               </a:ext>
             </a:extLst>
           </p:cNvPr>
@@ -3581,7 +3635,7 @@
           <a:p>
             <a:r>
               <a:rPr lang="en-GB" dirty="0"/>
-              <a:t>Dynamic server port</a:t>
+              <a:t>Refactoring </a:t>
             </a:r>
           </a:p>
         </p:txBody>
@@ -3591,7 +3645,7 @@
           <p:cNvPr id="3" name="Content Placeholder 2">
             <a:extLst>
               <a:ext uri="{FF2B5EF4-FFF2-40B4-BE49-F238E27FC236}">
-                <a16:creationId xmlns:a16="http://schemas.microsoft.com/office/drawing/2014/main" id="{CD2DD362-4FD3-46AA-AE69-BA2A23C31AD7}"/>
+                <a16:creationId xmlns:a16="http://schemas.microsoft.com/office/drawing/2014/main" id="{FEE88565-919D-4995-95F3-5CDCA2795BF4}"/>
               </a:ext>
             </a:extLst>
           </p:cNvPr>
@@ -3607,14 +3661,17 @@
           <a:bodyPr/>
           <a:lstStyle/>
           <a:p>
-            <a:endParaRPr lang="en-GB"/>
+            <a:r>
+              <a:rPr lang="en-GB" dirty="0"/>
+              <a:t>Doubles to floats</a:t>
+            </a:r>
           </a:p>
         </p:txBody>
       </p:sp>
     </p:spTree>
     <p:extLst>
       <p:ext uri="{BB962C8B-B14F-4D97-AF65-F5344CB8AC3E}">
-        <p14:creationId xmlns:p14="http://schemas.microsoft.com/office/powerpoint/2010/main" val="1146427713"/>
+        <p14:creationId xmlns:p14="http://schemas.microsoft.com/office/powerpoint/2010/main" val="4138283788"/>
       </p:ext>
     </p:extLst>
   </p:cSld>
@@ -3646,7 +3703,7 @@
           <p:cNvPr id="2" name="Title 1">
             <a:extLst>
               <a:ext uri="{FF2B5EF4-FFF2-40B4-BE49-F238E27FC236}">
-                <a16:creationId xmlns:a16="http://schemas.microsoft.com/office/drawing/2014/main" id="{AB26B775-DCB3-4228-AA93-7DFE90FA45FC}"/>
+                <a16:creationId xmlns:a16="http://schemas.microsoft.com/office/drawing/2014/main" id="{77719E12-AEDC-417A-BA1C-7C796AE02E0F}"/>
               </a:ext>
             </a:extLst>
           </p:cNvPr>
@@ -3663,18 +3720,9 @@
           <a:lstStyle/>
           <a:p>
             <a:r>
-              <a:rPr lang="en-GB" dirty="0" err="1"/>
-              <a:t>OrderBook</a:t>
-            </a:r>
-            <a:r>
               <a:rPr lang="en-GB" dirty="0"/>
-              <a:t> and </a:t>
-            </a:r>
-            <a:r>
-              <a:rPr lang="en-GB" dirty="0" err="1"/>
-              <a:t>OrderQueue</a:t>
-            </a:r>
-            <a:endParaRPr lang="en-GB" dirty="0"/>
+              <a:t>Order randomization</a:t>
+            </a:r>
           </a:p>
         </p:txBody>
       </p:sp>
@@ -3683,7 +3731,7 @@
           <p:cNvPr id="3" name="Content Placeholder 2">
             <a:extLst>
               <a:ext uri="{FF2B5EF4-FFF2-40B4-BE49-F238E27FC236}">
-                <a16:creationId xmlns:a16="http://schemas.microsoft.com/office/drawing/2014/main" id="{D633DC7B-BA7F-4289-8A7D-696C700EEE95}"/>
+                <a16:creationId xmlns:a16="http://schemas.microsoft.com/office/drawing/2014/main" id="{7A661A1B-1632-4F24-8AAD-2B5EEFF5FFA2}"/>
               </a:ext>
             </a:extLst>
           </p:cNvPr>
@@ -3706,7 +3754,7 @@
     </p:spTree>
     <p:extLst>
       <p:ext uri="{BB962C8B-B14F-4D97-AF65-F5344CB8AC3E}">
-        <p14:creationId xmlns:p14="http://schemas.microsoft.com/office/powerpoint/2010/main" val="3841510485"/>
+        <p14:creationId xmlns:p14="http://schemas.microsoft.com/office/powerpoint/2010/main" val="3793720671"/>
       </p:ext>
     </p:extLst>
   </p:cSld>
@@ -3738,7 +3786,7 @@
           <p:cNvPr id="2" name="Title 1">
             <a:extLst>
               <a:ext uri="{FF2B5EF4-FFF2-40B4-BE49-F238E27FC236}">
-                <a16:creationId xmlns:a16="http://schemas.microsoft.com/office/drawing/2014/main" id="{C48771C9-BAF8-4648-96F8-73E3BC45B739}"/>
+                <a16:creationId xmlns:a16="http://schemas.microsoft.com/office/drawing/2014/main" id="{B80EA759-56DD-4535-AEE3-92712F712BD6}"/>
               </a:ext>
             </a:extLst>
           </p:cNvPr>
@@ -3755,45 +3803,51 @@
           <a:lstStyle/>
           <a:p>
             <a:r>
-              <a:rPr lang="en-GB" dirty="0" err="1"/>
-              <a:t>OrderQueue</a:t>
-            </a:r>
-            <a:r>
               <a:rPr lang="en-GB" dirty="0"/>
-              <a:t> – Insertion</a:t>
-            </a:r>
-          </a:p>
-        </p:txBody>
-      </p:sp>
-      <p:sp>
-        <p:nvSpPr>
-          <p:cNvPr id="3" name="Content Placeholder 2">
+              <a:t>Class diagram</a:t>
+            </a:r>
+          </a:p>
+        </p:txBody>
+      </p:sp>
+      <p:pic>
+        <p:nvPicPr>
+          <p:cNvPr id="5" name="Content Placeholder 4">
             <a:extLst>
               <a:ext uri="{FF2B5EF4-FFF2-40B4-BE49-F238E27FC236}">
-                <a16:creationId xmlns:a16="http://schemas.microsoft.com/office/drawing/2014/main" id="{73A74276-528D-4E03-BF59-28A234FE4279}"/>
+                <a16:creationId xmlns:a16="http://schemas.microsoft.com/office/drawing/2014/main" id="{79258A2B-D959-413E-9238-3299F4B28178}"/>
               </a:ext>
             </a:extLst>
           </p:cNvPr>
-          <p:cNvSpPr>
-            <a:spLocks noGrp="1"/>
-          </p:cNvSpPr>
+          <p:cNvPicPr>
+            <a:picLocks noGrp="1" noChangeAspect="1"/>
+          </p:cNvPicPr>
           <p:nvPr>
             <p:ph idx="1"/>
           </p:nvPr>
-        </p:nvSpPr>
-        <p:spPr/>
-        <p:txBody>
-          <a:bodyPr/>
-          <a:lstStyle/>
-          <a:p>
-            <a:endParaRPr lang="en-GB"/>
-          </a:p>
-        </p:txBody>
-      </p:sp>
+        </p:nvPicPr>
+        <p:blipFill>
+          <a:blip r:embed="rId2">
+            <a:extLst>
+              <a:ext uri="{28A0092B-C50C-407E-A947-70E740481C1C}">
+                <a14:useLocalDpi xmlns:a14="http://schemas.microsoft.com/office/drawing/2010/main" val="0"/>
+              </a:ext>
+            </a:extLst>
+          </a:blip>
+          <a:stretch>
+            <a:fillRect/>
+          </a:stretch>
+        </p:blipFill>
+        <p:spPr>
+          <a:xfrm>
+            <a:off x="2554966" y="1800010"/>
+            <a:ext cx="7082067" cy="4783420"/>
+          </a:xfrm>
+        </p:spPr>
+      </p:pic>
     </p:spTree>
     <p:extLst>
       <p:ext uri="{BB962C8B-B14F-4D97-AF65-F5344CB8AC3E}">
-        <p14:creationId xmlns:p14="http://schemas.microsoft.com/office/powerpoint/2010/main" val="1159813698"/>
+        <p14:creationId xmlns:p14="http://schemas.microsoft.com/office/powerpoint/2010/main" val="42137136"/>
       </p:ext>
     </p:extLst>
   </p:cSld>
@@ -3825,7 +3879,7 @@
           <p:cNvPr id="2" name="Title 1">
             <a:extLst>
               <a:ext uri="{FF2B5EF4-FFF2-40B4-BE49-F238E27FC236}">
-                <a16:creationId xmlns:a16="http://schemas.microsoft.com/office/drawing/2014/main" id="{C6B8CAD7-69F0-43E4-A591-030BD2D55407}"/>
+                <a16:creationId xmlns:a16="http://schemas.microsoft.com/office/drawing/2014/main" id="{5FB95497-1C49-4AD9-B3D5-D09655D804DA}"/>
               </a:ext>
             </a:extLst>
           </p:cNvPr>
@@ -3845,42 +3899,76 @@
               <a:rPr lang="en-GB" dirty="0" err="1"/>
               <a:t>OrderQueue</a:t>
             </a:r>
-            <a:r>
-              <a:rPr lang="en-GB" dirty="0"/>
-              <a:t> - Testing</a:t>
-            </a:r>
-          </a:p>
-        </p:txBody>
-      </p:sp>
-      <p:sp>
-        <p:nvSpPr>
-          <p:cNvPr id="3" name="Content Placeholder 2">
+            <a:endParaRPr lang="en-GB" dirty="0"/>
+          </a:p>
+        </p:txBody>
+      </p:sp>
+      <p:pic>
+        <p:nvPicPr>
+          <p:cNvPr id="4" name="Content Placeholder 3">
             <a:extLst>
               <a:ext uri="{FF2B5EF4-FFF2-40B4-BE49-F238E27FC236}">
-                <a16:creationId xmlns:a16="http://schemas.microsoft.com/office/drawing/2014/main" id="{A1D2FD98-823C-4D87-AEA7-45AE93D9F3FE}"/>
+                <a16:creationId xmlns:a16="http://schemas.microsoft.com/office/drawing/2014/main" id="{9FA8CEFB-DF79-4B6B-99D3-165B484ABAAA}"/>
               </a:ext>
             </a:extLst>
           </p:cNvPr>
-          <p:cNvSpPr>
-            <a:spLocks noGrp="1"/>
-          </p:cNvSpPr>
+          <p:cNvPicPr>
+            <a:picLocks noGrp="1" noChangeAspect="1"/>
+          </p:cNvPicPr>
           <p:nvPr>
             <p:ph idx="1"/>
           </p:nvPr>
-        </p:nvSpPr>
-        <p:spPr/>
-        <p:txBody>
-          <a:bodyPr/>
-          <a:lstStyle/>
-          <a:p>
-            <a:endParaRPr lang="en-GB"/>
-          </a:p>
-        </p:txBody>
-      </p:sp>
+        </p:nvPicPr>
+        <p:blipFill>
+          <a:blip r:embed="rId2"/>
+          <a:stretch>
+            <a:fillRect/>
+          </a:stretch>
+        </p:blipFill>
+        <p:spPr>
+          <a:xfrm>
+            <a:off x="1620299" y="2046198"/>
+            <a:ext cx="4022855" cy="4243971"/>
+          </a:xfrm>
+          <a:prstGeom prst="rect">
+            <a:avLst/>
+          </a:prstGeom>
+        </p:spPr>
+      </p:pic>
+      <p:pic>
+        <p:nvPicPr>
+          <p:cNvPr id="5" name="Picture 4">
+            <a:extLst>
+              <a:ext uri="{FF2B5EF4-FFF2-40B4-BE49-F238E27FC236}">
+                <a16:creationId xmlns:a16="http://schemas.microsoft.com/office/drawing/2014/main" id="{1A285299-990F-441C-94CC-B222A761D202}"/>
+              </a:ext>
+            </a:extLst>
+          </p:cNvPr>
+          <p:cNvPicPr>
+            <a:picLocks noChangeAspect="1"/>
+          </p:cNvPicPr>
+          <p:nvPr/>
+        </p:nvPicPr>
+        <p:blipFill>
+          <a:blip r:embed="rId3"/>
+          <a:stretch>
+            <a:fillRect/>
+          </a:stretch>
+        </p:blipFill>
+        <p:spPr>
+          <a:xfrm>
+            <a:off x="7351630" y="367534"/>
+            <a:ext cx="4575563" cy="6281460"/>
+          </a:xfrm>
+          <a:prstGeom prst="rect">
+            <a:avLst/>
+          </a:prstGeom>
+        </p:spPr>
+      </p:pic>
     </p:spTree>
     <p:extLst>
       <p:ext uri="{BB962C8B-B14F-4D97-AF65-F5344CB8AC3E}">
-        <p14:creationId xmlns:p14="http://schemas.microsoft.com/office/powerpoint/2010/main" val="3761948148"/>
+        <p14:creationId xmlns:p14="http://schemas.microsoft.com/office/powerpoint/2010/main" val="4203837813"/>
       </p:ext>
     </p:extLst>
   </p:cSld>
@@ -3912,7 +4000,7 @@
           <p:cNvPr id="2" name="Title 1">
             <a:extLst>
               <a:ext uri="{FF2B5EF4-FFF2-40B4-BE49-F238E27FC236}">
-                <a16:creationId xmlns:a16="http://schemas.microsoft.com/office/drawing/2014/main" id="{4C718F0E-A0BB-4110-929E-781D5563BABC}"/>
+                <a16:creationId xmlns:a16="http://schemas.microsoft.com/office/drawing/2014/main" id="{C5BAD644-405A-4A93-80AE-BDF3F2DA06D1}"/>
               </a:ext>
             </a:extLst>
           </p:cNvPr>
@@ -3932,42 +4020,249 @@
               <a:rPr lang="en-GB" dirty="0" err="1"/>
               <a:t>OrderBook</a:t>
             </a:r>
-            <a:r>
-              <a:rPr lang="en-GB" dirty="0"/>
-              <a:t> - Testing</a:t>
-            </a:r>
-          </a:p>
-        </p:txBody>
-      </p:sp>
-      <p:sp>
-        <p:nvSpPr>
-          <p:cNvPr id="3" name="Content Placeholder 2">
+            <a:endParaRPr lang="en-GB" dirty="0"/>
+          </a:p>
+        </p:txBody>
+      </p:sp>
+      <p:pic>
+        <p:nvPicPr>
+          <p:cNvPr id="3" name="Picture 2">
             <a:extLst>
               <a:ext uri="{FF2B5EF4-FFF2-40B4-BE49-F238E27FC236}">
-                <a16:creationId xmlns:a16="http://schemas.microsoft.com/office/drawing/2014/main" id="{02ED3173-5D47-435C-B4AD-A0F7FB65C677}"/>
+                <a16:creationId xmlns:a16="http://schemas.microsoft.com/office/drawing/2014/main" id="{8F7240B4-82A6-42C0-BCED-3A566D998657}"/>
               </a:ext>
             </a:extLst>
           </p:cNvPr>
-          <p:cNvSpPr>
-            <a:spLocks noGrp="1"/>
-          </p:cNvSpPr>
-          <p:nvPr>
-            <p:ph idx="1"/>
-          </p:nvPr>
-        </p:nvSpPr>
-        <p:spPr/>
-        <p:txBody>
-          <a:bodyPr/>
-          <a:lstStyle/>
-          <a:p>
-            <a:endParaRPr lang="en-GB"/>
-          </a:p>
-        </p:txBody>
-      </p:sp>
+          <p:cNvPicPr>
+            <a:picLocks noChangeAspect="1"/>
+          </p:cNvPicPr>
+          <p:nvPr/>
+        </p:nvPicPr>
+        <p:blipFill>
+          <a:blip r:embed="rId2"/>
+          <a:stretch>
+            <a:fillRect/>
+          </a:stretch>
+        </p:blipFill>
+        <p:spPr>
+          <a:xfrm>
+            <a:off x="531224" y="2707467"/>
+            <a:ext cx="5452654" cy="3706101"/>
+          </a:xfrm>
+          <a:prstGeom prst="rect">
+            <a:avLst/>
+          </a:prstGeom>
+        </p:spPr>
+      </p:pic>
+      <p:pic>
+        <p:nvPicPr>
+          <p:cNvPr id="5" name="Picture 4">
+            <a:extLst>
+              <a:ext uri="{FF2B5EF4-FFF2-40B4-BE49-F238E27FC236}">
+                <a16:creationId xmlns:a16="http://schemas.microsoft.com/office/drawing/2014/main" id="{18A2A75C-859A-48AD-AE09-4EDA34708A83}"/>
+              </a:ext>
+            </a:extLst>
+          </p:cNvPr>
+          <p:cNvPicPr>
+            <a:picLocks noChangeAspect="1"/>
+          </p:cNvPicPr>
+          <p:nvPr/>
+        </p:nvPicPr>
+        <p:blipFill>
+          <a:blip r:embed="rId3"/>
+          <a:stretch>
+            <a:fillRect/>
+          </a:stretch>
+        </p:blipFill>
+        <p:spPr>
+          <a:xfrm>
+            <a:off x="6967945" y="3048488"/>
+            <a:ext cx="4257403" cy="2443006"/>
+          </a:xfrm>
+          <a:prstGeom prst="rect">
+            <a:avLst/>
+          </a:prstGeom>
+        </p:spPr>
+      </p:pic>
     </p:spTree>
     <p:extLst>
       <p:ext uri="{BB962C8B-B14F-4D97-AF65-F5344CB8AC3E}">
-        <p14:creationId xmlns:p14="http://schemas.microsoft.com/office/powerpoint/2010/main" val="1356209918"/>
+        <p14:creationId xmlns:p14="http://schemas.microsoft.com/office/powerpoint/2010/main" val="2831194536"/>
+      </p:ext>
+    </p:extLst>
+  </p:cSld>
+  <p:clrMapOvr>
+    <a:masterClrMapping/>
+  </p:clrMapOvr>
+</p:sld>
+</file>
+
+<file path=ppt/slides/slide16.xml><?xml version="1.0" encoding="utf-8"?>
+<p:sld xmlns:a="http://schemas.openxmlformats.org/drawingml/2006/main" xmlns:r="http://schemas.openxmlformats.org/officeDocument/2006/relationships" xmlns:p="http://schemas.openxmlformats.org/presentationml/2006/main">
+  <p:cSld>
+    <p:spTree>
+      <p:nvGrpSpPr>
+        <p:cNvPr id="1" name=""/>
+        <p:cNvGrpSpPr/>
+        <p:nvPr/>
+      </p:nvGrpSpPr>
+      <p:grpSpPr>
+        <a:xfrm>
+          <a:off x="0" y="0"/>
+          <a:ext cx="0" cy="0"/>
+          <a:chOff x="0" y="0"/>
+          <a:chExt cx="0" cy="0"/>
+        </a:xfrm>
+      </p:grpSpPr>
+      <p:sp>
+        <p:nvSpPr>
+          <p:cNvPr id="2" name="Title 1">
+            <a:extLst>
+              <a:ext uri="{FF2B5EF4-FFF2-40B4-BE49-F238E27FC236}">
+                <a16:creationId xmlns:a16="http://schemas.microsoft.com/office/drawing/2014/main" id="{C5BAD644-405A-4A93-80AE-BDF3F2DA06D1}"/>
+              </a:ext>
+            </a:extLst>
+          </p:cNvPr>
+          <p:cNvSpPr>
+            <a:spLocks noGrp="1"/>
+          </p:cNvSpPr>
+          <p:nvPr>
+            <p:ph type="title"/>
+          </p:nvPr>
+        </p:nvSpPr>
+        <p:spPr/>
+        <p:txBody>
+          <a:bodyPr/>
+          <a:lstStyle/>
+          <a:p>
+            <a:r>
+              <a:rPr lang="en-GB" dirty="0"/>
+              <a:t>Match</a:t>
+            </a:r>
+          </a:p>
+        </p:txBody>
+      </p:sp>
+      <p:pic>
+        <p:nvPicPr>
+          <p:cNvPr id="4" name="Picture 3">
+            <a:extLst>
+              <a:ext uri="{FF2B5EF4-FFF2-40B4-BE49-F238E27FC236}">
+                <a16:creationId xmlns:a16="http://schemas.microsoft.com/office/drawing/2014/main" id="{0432F146-E34A-4F49-B523-0FE4CA6E016C}"/>
+              </a:ext>
+            </a:extLst>
+          </p:cNvPr>
+          <p:cNvPicPr>
+            <a:picLocks noChangeAspect="1"/>
+          </p:cNvPicPr>
+          <p:nvPr/>
+        </p:nvPicPr>
+        <p:blipFill rotWithShape="1">
+          <a:blip r:embed="rId2"/>
+          <a:srcRect t="633"/>
+          <a:stretch/>
+        </p:blipFill>
+        <p:spPr>
+          <a:xfrm>
+            <a:off x="4298218" y="499533"/>
+            <a:ext cx="5029200" cy="5896504"/>
+          </a:xfrm>
+          <a:prstGeom prst="rect">
+            <a:avLst/>
+          </a:prstGeom>
+        </p:spPr>
+      </p:pic>
+    </p:spTree>
+    <p:extLst>
+      <p:ext uri="{BB962C8B-B14F-4D97-AF65-F5344CB8AC3E}">
+        <p14:creationId xmlns:p14="http://schemas.microsoft.com/office/powerpoint/2010/main" val="2764015184"/>
+      </p:ext>
+    </p:extLst>
+  </p:cSld>
+  <p:clrMapOvr>
+    <a:masterClrMapping/>
+  </p:clrMapOvr>
+</p:sld>
+</file>
+
+<file path=ppt/slides/slide17.xml><?xml version="1.0" encoding="utf-8"?>
+<p:sld xmlns:a="http://schemas.openxmlformats.org/drawingml/2006/main" xmlns:r="http://schemas.openxmlformats.org/officeDocument/2006/relationships" xmlns:p="http://schemas.openxmlformats.org/presentationml/2006/main">
+  <p:cSld>
+    <p:spTree>
+      <p:nvGrpSpPr>
+        <p:cNvPr id="1" name=""/>
+        <p:cNvGrpSpPr/>
+        <p:nvPr/>
+      </p:nvGrpSpPr>
+      <p:grpSpPr>
+        <a:xfrm>
+          <a:off x="0" y="0"/>
+          <a:ext cx="0" cy="0"/>
+          <a:chOff x="0" y="0"/>
+          <a:chExt cx="0" cy="0"/>
+        </a:xfrm>
+      </p:grpSpPr>
+      <p:sp>
+        <p:nvSpPr>
+          <p:cNvPr id="2" name="Title 1">
+            <a:extLst>
+              <a:ext uri="{FF2B5EF4-FFF2-40B4-BE49-F238E27FC236}">
+                <a16:creationId xmlns:a16="http://schemas.microsoft.com/office/drawing/2014/main" id="{7C4EB41E-2E8E-4136-8A0F-153464C88A6F}"/>
+              </a:ext>
+            </a:extLst>
+          </p:cNvPr>
+          <p:cNvSpPr>
+            <a:spLocks noGrp="1"/>
+          </p:cNvSpPr>
+          <p:nvPr>
+            <p:ph type="title"/>
+          </p:nvPr>
+        </p:nvSpPr>
+        <p:spPr/>
+        <p:txBody>
+          <a:bodyPr/>
+          <a:lstStyle/>
+          <a:p>
+            <a:r>
+              <a:rPr lang="en-GB" dirty="0"/>
+              <a:t>Dynamic server port</a:t>
+            </a:r>
+          </a:p>
+        </p:txBody>
+      </p:sp>
+      <p:pic>
+        <p:nvPicPr>
+          <p:cNvPr id="7" name="Picture 6">
+            <a:extLst>
+              <a:ext uri="{FF2B5EF4-FFF2-40B4-BE49-F238E27FC236}">
+                <a16:creationId xmlns:a16="http://schemas.microsoft.com/office/drawing/2014/main" id="{EB6DE402-9FA1-447C-8B71-072A16902194}"/>
+              </a:ext>
+            </a:extLst>
+          </p:cNvPr>
+          <p:cNvPicPr>
+            <a:picLocks noChangeAspect="1"/>
+          </p:cNvPicPr>
+          <p:nvPr/>
+        </p:nvPicPr>
+        <p:blipFill>
+          <a:blip r:embed="rId2"/>
+          <a:stretch>
+            <a:fillRect/>
+          </a:stretch>
+        </p:blipFill>
+        <p:spPr>
+          <a:xfrm>
+            <a:off x="1280160" y="1896988"/>
+            <a:ext cx="9830208" cy="4141620"/>
+          </a:xfrm>
+          <a:prstGeom prst="rect">
+            <a:avLst/>
+          </a:prstGeom>
+        </p:spPr>
+      </p:pic>
+    </p:spTree>
+    <p:extLst>
+      <p:ext uri="{BB962C8B-B14F-4D97-AF65-F5344CB8AC3E}">
+        <p14:creationId xmlns:p14="http://schemas.microsoft.com/office/powerpoint/2010/main" val="1146427713"/>
       </p:ext>
     </p:extLst>
   </p:cSld>
@@ -4024,29 +4319,342 @@
       </p:sp>
       <p:sp>
         <p:nvSpPr>
-          <p:cNvPr id="3" name="Content Placeholder 2">
+          <p:cNvPr id="4" name="Rectangle 3">
             <a:extLst>
               <a:ext uri="{FF2B5EF4-FFF2-40B4-BE49-F238E27FC236}">
-                <a16:creationId xmlns:a16="http://schemas.microsoft.com/office/drawing/2014/main" id="{7FDCD0F9-B8D9-4CDB-BBA4-0D8C2A457C1C}"/>
+                <a16:creationId xmlns:a16="http://schemas.microsoft.com/office/drawing/2014/main" id="{9CF36FAC-570C-4984-A9F4-DCC3E6235EF3}"/>
               </a:ext>
             </a:extLst>
           </p:cNvPr>
-          <p:cNvSpPr>
-            <a:spLocks noGrp="1"/>
-          </p:cNvSpPr>
-          <p:nvPr>
-            <p:ph idx="1"/>
-          </p:nvPr>
-        </p:nvSpPr>
-        <p:spPr/>
-        <p:txBody>
-          <a:bodyPr/>
-          <a:lstStyle/>
-          <a:p>
-            <a:endParaRPr lang="en-GB"/>
-          </a:p>
-        </p:txBody>
-      </p:sp>
+          <p:cNvSpPr/>
+          <p:nvPr/>
+        </p:nvSpPr>
+        <p:spPr>
+          <a:xfrm>
+            <a:off x="1798820" y="2286000"/>
+            <a:ext cx="1678898" cy="524656"/>
+          </a:xfrm>
+          <a:prstGeom prst="rect">
+            <a:avLst/>
+          </a:prstGeom>
+          <a:solidFill>
+            <a:schemeClr val="tx1"/>
+          </a:solidFill>
+          <a:ln w="38100"/>
+        </p:spPr>
+        <p:style>
+          <a:lnRef idx="2">
+            <a:schemeClr val="accent1">
+              <a:shade val="50000"/>
+            </a:schemeClr>
+          </a:lnRef>
+          <a:fillRef idx="1">
+            <a:schemeClr val="accent1"/>
+          </a:fillRef>
+          <a:effectRef idx="0">
+            <a:schemeClr val="accent1"/>
+          </a:effectRef>
+          <a:fontRef idx="minor">
+            <a:schemeClr val="lt1"/>
+          </a:fontRef>
+        </p:style>
+        <p:txBody>
+          <a:bodyPr rtlCol="0" anchor="ctr"/>
+          <a:lstStyle/>
+          <a:p>
+            <a:pPr algn="ctr"/>
+            <a:r>
+              <a:rPr lang="en-GB" dirty="0"/>
+              <a:t>Client</a:t>
+            </a:r>
+          </a:p>
+        </p:txBody>
+      </p:sp>
+      <p:sp>
+        <p:nvSpPr>
+          <p:cNvPr id="5" name="Rectangle 4">
+            <a:extLst>
+              <a:ext uri="{FF2B5EF4-FFF2-40B4-BE49-F238E27FC236}">
+                <a16:creationId xmlns:a16="http://schemas.microsoft.com/office/drawing/2014/main" id="{B9CA26DF-3D5B-4478-B472-7DB35F887CE0}"/>
+              </a:ext>
+            </a:extLst>
+          </p:cNvPr>
+          <p:cNvSpPr/>
+          <p:nvPr/>
+        </p:nvSpPr>
+        <p:spPr>
+          <a:xfrm>
+            <a:off x="1798820" y="3405968"/>
+            <a:ext cx="1678898" cy="524656"/>
+          </a:xfrm>
+          <a:prstGeom prst="rect">
+            <a:avLst/>
+          </a:prstGeom>
+          <a:solidFill>
+            <a:schemeClr val="tx1"/>
+          </a:solidFill>
+          <a:ln w="38100"/>
+        </p:spPr>
+        <p:style>
+          <a:lnRef idx="2">
+            <a:schemeClr val="accent1">
+              <a:shade val="50000"/>
+            </a:schemeClr>
+          </a:lnRef>
+          <a:fillRef idx="1">
+            <a:schemeClr val="accent1"/>
+          </a:fillRef>
+          <a:effectRef idx="0">
+            <a:schemeClr val="accent1"/>
+          </a:effectRef>
+          <a:fontRef idx="minor">
+            <a:schemeClr val="lt1"/>
+          </a:fontRef>
+        </p:style>
+        <p:txBody>
+          <a:bodyPr rtlCol="0" anchor="ctr"/>
+          <a:lstStyle/>
+          <a:p>
+            <a:pPr algn="ctr"/>
+            <a:r>
+              <a:rPr lang="en-GB" dirty="0"/>
+              <a:t>Client</a:t>
+            </a:r>
+          </a:p>
+        </p:txBody>
+      </p:sp>
+      <p:sp>
+        <p:nvSpPr>
+          <p:cNvPr id="6" name="Rectangle 5">
+            <a:extLst>
+              <a:ext uri="{FF2B5EF4-FFF2-40B4-BE49-F238E27FC236}">
+                <a16:creationId xmlns:a16="http://schemas.microsoft.com/office/drawing/2014/main" id="{CFE2A1B4-0753-40D3-B817-7E45CF949C25}"/>
+              </a:ext>
+            </a:extLst>
+          </p:cNvPr>
+          <p:cNvSpPr/>
+          <p:nvPr/>
+        </p:nvSpPr>
+        <p:spPr>
+          <a:xfrm>
+            <a:off x="1798820" y="4525936"/>
+            <a:ext cx="1678898" cy="524656"/>
+          </a:xfrm>
+          <a:prstGeom prst="rect">
+            <a:avLst/>
+          </a:prstGeom>
+          <a:solidFill>
+            <a:schemeClr val="tx1"/>
+          </a:solidFill>
+          <a:ln w="38100"/>
+        </p:spPr>
+        <p:style>
+          <a:lnRef idx="2">
+            <a:schemeClr val="accent1">
+              <a:shade val="50000"/>
+            </a:schemeClr>
+          </a:lnRef>
+          <a:fillRef idx="1">
+            <a:schemeClr val="accent1"/>
+          </a:fillRef>
+          <a:effectRef idx="0">
+            <a:schemeClr val="accent1"/>
+          </a:effectRef>
+          <a:fontRef idx="minor">
+            <a:schemeClr val="lt1"/>
+          </a:fontRef>
+        </p:style>
+        <p:txBody>
+          <a:bodyPr rtlCol="0" anchor="ctr"/>
+          <a:lstStyle/>
+          <a:p>
+            <a:pPr algn="ctr"/>
+            <a:r>
+              <a:rPr lang="en-GB" dirty="0"/>
+              <a:t>Client</a:t>
+            </a:r>
+          </a:p>
+        </p:txBody>
+      </p:sp>
+      <p:sp>
+        <p:nvSpPr>
+          <p:cNvPr id="7" name="Rectangle 6">
+            <a:extLst>
+              <a:ext uri="{FF2B5EF4-FFF2-40B4-BE49-F238E27FC236}">
+                <a16:creationId xmlns:a16="http://schemas.microsoft.com/office/drawing/2014/main" id="{5D660DDC-1F69-4DCA-9B3C-2B114400A2BB}"/>
+              </a:ext>
+            </a:extLst>
+          </p:cNvPr>
+          <p:cNvSpPr/>
+          <p:nvPr/>
+        </p:nvSpPr>
+        <p:spPr>
+          <a:xfrm>
+            <a:off x="7440120" y="3405968"/>
+            <a:ext cx="1678898" cy="524656"/>
+          </a:xfrm>
+          <a:prstGeom prst="rect">
+            <a:avLst/>
+          </a:prstGeom>
+          <a:solidFill>
+            <a:srgbClr val="7030A0"/>
+          </a:solidFill>
+          <a:ln w="38100"/>
+        </p:spPr>
+        <p:style>
+          <a:lnRef idx="2">
+            <a:schemeClr val="accent1">
+              <a:shade val="50000"/>
+            </a:schemeClr>
+          </a:lnRef>
+          <a:fillRef idx="1">
+            <a:schemeClr val="accent1"/>
+          </a:fillRef>
+          <a:effectRef idx="0">
+            <a:schemeClr val="accent1"/>
+          </a:effectRef>
+          <a:fontRef idx="minor">
+            <a:schemeClr val="lt1"/>
+          </a:fontRef>
+        </p:style>
+        <p:txBody>
+          <a:bodyPr rtlCol="0" anchor="ctr"/>
+          <a:lstStyle/>
+          <a:p>
+            <a:pPr algn="ctr"/>
+            <a:r>
+              <a:rPr lang="en-GB" dirty="0"/>
+              <a:t>Server</a:t>
+            </a:r>
+          </a:p>
+        </p:txBody>
+      </p:sp>
+      <p:cxnSp>
+        <p:nvCxnSpPr>
+          <p:cNvPr id="9" name="Straight Arrow Connector 8">
+            <a:extLst>
+              <a:ext uri="{FF2B5EF4-FFF2-40B4-BE49-F238E27FC236}">
+                <a16:creationId xmlns:a16="http://schemas.microsoft.com/office/drawing/2014/main" id="{CA7A01FF-B094-4413-A3D4-99BDB14D68AB}"/>
+              </a:ext>
+            </a:extLst>
+          </p:cNvPr>
+          <p:cNvCxnSpPr>
+            <a:cxnSpLocks/>
+            <a:stCxn id="4" idx="3"/>
+          </p:cNvCxnSpPr>
+          <p:nvPr/>
+        </p:nvCxnSpPr>
+        <p:spPr>
+          <a:xfrm>
+            <a:off x="3477718" y="2548328"/>
+            <a:ext cx="3702571" cy="857640"/>
+          </a:xfrm>
+          <a:prstGeom prst="straightConnector1">
+            <a:avLst/>
+          </a:prstGeom>
+          <a:ln w="28575">
+            <a:tailEnd type="triangle"/>
+          </a:ln>
+        </p:spPr>
+        <p:style>
+          <a:lnRef idx="1">
+            <a:schemeClr val="accent1"/>
+          </a:lnRef>
+          <a:fillRef idx="0">
+            <a:schemeClr val="accent1"/>
+          </a:fillRef>
+          <a:effectRef idx="0">
+            <a:schemeClr val="accent1"/>
+          </a:effectRef>
+          <a:fontRef idx="minor">
+            <a:schemeClr val="tx1"/>
+          </a:fontRef>
+        </p:style>
+      </p:cxnSp>
+      <p:cxnSp>
+        <p:nvCxnSpPr>
+          <p:cNvPr id="10" name="Straight Arrow Connector 9">
+            <a:extLst>
+              <a:ext uri="{FF2B5EF4-FFF2-40B4-BE49-F238E27FC236}">
+                <a16:creationId xmlns:a16="http://schemas.microsoft.com/office/drawing/2014/main" id="{64597F8F-5FE7-42BC-9291-382B16CD7AA2}"/>
+              </a:ext>
+            </a:extLst>
+          </p:cNvPr>
+          <p:cNvCxnSpPr>
+            <a:cxnSpLocks/>
+            <a:stCxn id="5" idx="3"/>
+          </p:cNvCxnSpPr>
+          <p:nvPr/>
+        </p:nvCxnSpPr>
+        <p:spPr>
+          <a:xfrm flipV="1">
+            <a:off x="3477718" y="3664549"/>
+            <a:ext cx="3702571" cy="3747"/>
+          </a:xfrm>
+          <a:prstGeom prst="straightConnector1">
+            <a:avLst/>
+          </a:prstGeom>
+          <a:ln w="28575">
+            <a:tailEnd type="triangle"/>
+          </a:ln>
+        </p:spPr>
+        <p:style>
+          <a:lnRef idx="1">
+            <a:schemeClr val="accent1"/>
+          </a:lnRef>
+          <a:fillRef idx="0">
+            <a:schemeClr val="accent1"/>
+          </a:fillRef>
+          <a:effectRef idx="0">
+            <a:schemeClr val="accent1"/>
+          </a:effectRef>
+          <a:fontRef idx="minor">
+            <a:schemeClr val="tx1"/>
+          </a:fontRef>
+        </p:style>
+      </p:cxnSp>
+      <p:cxnSp>
+        <p:nvCxnSpPr>
+          <p:cNvPr id="13" name="Straight Arrow Connector 12">
+            <a:extLst>
+              <a:ext uri="{FF2B5EF4-FFF2-40B4-BE49-F238E27FC236}">
+                <a16:creationId xmlns:a16="http://schemas.microsoft.com/office/drawing/2014/main" id="{EB6CEC22-AA1A-430F-A8CB-5D9B09BD1084}"/>
+              </a:ext>
+            </a:extLst>
+          </p:cNvPr>
+          <p:cNvCxnSpPr>
+            <a:cxnSpLocks/>
+            <a:stCxn id="6" idx="3"/>
+          </p:cNvCxnSpPr>
+          <p:nvPr/>
+        </p:nvCxnSpPr>
+        <p:spPr>
+          <a:xfrm flipV="1">
+            <a:off x="3477718" y="3926877"/>
+            <a:ext cx="3702571" cy="861387"/>
+          </a:xfrm>
+          <a:prstGeom prst="straightConnector1">
+            <a:avLst/>
+          </a:prstGeom>
+          <a:ln w="28575">
+            <a:tailEnd type="triangle"/>
+          </a:ln>
+        </p:spPr>
+        <p:style>
+          <a:lnRef idx="1">
+            <a:schemeClr val="accent1"/>
+          </a:lnRef>
+          <a:fillRef idx="0">
+            <a:schemeClr val="accent1"/>
+          </a:fillRef>
+          <a:effectRef idx="0">
+            <a:schemeClr val="accent1"/>
+          </a:effectRef>
+          <a:fontRef idx="minor">
+            <a:schemeClr val="tx1"/>
+          </a:fontRef>
+        </p:style>
+      </p:cxnSp>
     </p:spTree>
     <p:extLst>
       <p:ext uri="{BB962C8B-B14F-4D97-AF65-F5344CB8AC3E}">
@@ -4082,7 +4690,7 @@
           <p:cNvPr id="2" name="Title 1">
             <a:extLst>
               <a:ext uri="{FF2B5EF4-FFF2-40B4-BE49-F238E27FC236}">
-                <a16:creationId xmlns:a16="http://schemas.microsoft.com/office/drawing/2014/main" id="{BA0069E3-65D0-4421-8EDF-575BA6D09B5C}"/>
+                <a16:creationId xmlns:a16="http://schemas.microsoft.com/office/drawing/2014/main" id="{748EA41C-8C27-4F7C-B394-B7008C28BB72}"/>
               </a:ext>
             </a:extLst>
           </p:cNvPr>
@@ -4100,13 +4708,8 @@
           <a:p>
             <a:r>
               <a:rPr lang="en-GB" dirty="0"/>
-              <a:t>Repairing the </a:t>
-            </a:r>
-            <a:r>
-              <a:rPr lang="en-GB" dirty="0" err="1"/>
-              <a:t>Makefile</a:t>
-            </a:r>
-            <a:endParaRPr lang="en-GB" dirty="0"/>
+              <a:t>Development Tools</a:t>
+            </a:r>
           </a:p>
         </p:txBody>
       </p:sp>
@@ -4115,7 +4718,7 @@
           <p:cNvPr id="3" name="Content Placeholder 2">
             <a:extLst>
               <a:ext uri="{FF2B5EF4-FFF2-40B4-BE49-F238E27FC236}">
-                <a16:creationId xmlns:a16="http://schemas.microsoft.com/office/drawing/2014/main" id="{BED29BC7-9F6F-4043-A934-875D19B470BF}"/>
+                <a16:creationId xmlns:a16="http://schemas.microsoft.com/office/drawing/2014/main" id="{ABE582A9-AFF7-4A37-823F-890DD678F162}"/>
               </a:ext>
             </a:extLst>
           </p:cNvPr>
@@ -4131,14 +4734,51 @@
           <a:bodyPr/>
           <a:lstStyle/>
           <a:p>
-            <a:endParaRPr lang="en-GB"/>
+            <a:pPr>
+              <a:buFontTx/>
+              <a:buChar char="-"/>
+            </a:pPr>
+            <a:r>
+              <a:rPr lang="en-GB" dirty="0"/>
+              <a:t> GitHub</a:t>
+            </a:r>
+          </a:p>
+          <a:p>
+            <a:pPr>
+              <a:buFontTx/>
+              <a:buChar char="-"/>
+            </a:pPr>
+            <a:r>
+              <a:rPr lang="en-GB" dirty="0"/>
+              <a:t> WinSCP</a:t>
+            </a:r>
+          </a:p>
+          <a:p>
+            <a:pPr>
+              <a:buFontTx/>
+              <a:buChar char="-"/>
+            </a:pPr>
+            <a:r>
+              <a:rPr lang="en-GB" dirty="0"/>
+              <a:t> Notepad++</a:t>
+            </a:r>
+          </a:p>
+          <a:p>
+            <a:pPr>
+              <a:buFontTx/>
+              <a:buChar char="-"/>
+            </a:pPr>
+            <a:r>
+              <a:rPr lang="en-GB" dirty="0"/>
+              <a:t> GNU Compiler (G++)</a:t>
+            </a:r>
           </a:p>
         </p:txBody>
       </p:sp>
     </p:spTree>
     <p:extLst>
       <p:ext uri="{BB962C8B-B14F-4D97-AF65-F5344CB8AC3E}">
-        <p14:creationId xmlns:p14="http://schemas.microsoft.com/office/powerpoint/2010/main" val="2909394021"/>
+        <p14:creationId xmlns:p14="http://schemas.microsoft.com/office/powerpoint/2010/main" val="4027441991"/>
       </p:ext>
     </p:extLst>
   </p:cSld>
@@ -4170,7 +4810,7 @@
           <p:cNvPr id="2" name="Title 1">
             <a:extLst>
               <a:ext uri="{FF2B5EF4-FFF2-40B4-BE49-F238E27FC236}">
-                <a16:creationId xmlns:a16="http://schemas.microsoft.com/office/drawing/2014/main" id="{5D7F1CFD-2056-4768-BAF2-5DBF93E5F750}"/>
+                <a16:creationId xmlns:a16="http://schemas.microsoft.com/office/drawing/2014/main" id="{748EA41C-8C27-4F7C-B394-B7008C28BB72}"/>
               </a:ext>
             </a:extLst>
           </p:cNvPr>
@@ -4188,7 +4828,7 @@
           <a:p>
             <a:r>
               <a:rPr lang="en-GB" dirty="0"/>
-              <a:t>Tested Order</a:t>
+              <a:t>GitHub</a:t>
             </a:r>
           </a:p>
         </p:txBody>
@@ -4198,7 +4838,7 @@
           <p:cNvPr id="3" name="Content Placeholder 2">
             <a:extLst>
               <a:ext uri="{FF2B5EF4-FFF2-40B4-BE49-F238E27FC236}">
-                <a16:creationId xmlns:a16="http://schemas.microsoft.com/office/drawing/2014/main" id="{2FF0DDA6-1497-4C2D-8A7B-776A7BC10FCE}"/>
+                <a16:creationId xmlns:a16="http://schemas.microsoft.com/office/drawing/2014/main" id="{ABE582A9-AFF7-4A37-823F-890DD678F162}"/>
               </a:ext>
             </a:extLst>
           </p:cNvPr>
@@ -4214,14 +4854,61 @@
           <a:bodyPr/>
           <a:lstStyle/>
           <a:p>
-            <a:endParaRPr lang="en-GB"/>
-          </a:p>
-        </p:txBody>
-      </p:sp>
+            <a:pPr>
+              <a:buFontTx/>
+              <a:buChar char="-"/>
+            </a:pPr>
+            <a:r>
+              <a:rPr lang="en-GB" dirty="0"/>
+              <a:t> Source/version control</a:t>
+            </a:r>
+          </a:p>
+          <a:p>
+            <a:pPr>
+              <a:buFontTx/>
+              <a:buChar char="-"/>
+            </a:pPr>
+            <a:r>
+              <a:rPr lang="en-GB" dirty="0"/>
+              <a:t> Merging changes</a:t>
+            </a:r>
+          </a:p>
+        </p:txBody>
+      </p:sp>
+      <p:pic>
+        <p:nvPicPr>
+          <p:cNvPr id="4" name="Picture 3">
+            <a:extLst>
+              <a:ext uri="{FF2B5EF4-FFF2-40B4-BE49-F238E27FC236}">
+                <a16:creationId xmlns:a16="http://schemas.microsoft.com/office/drawing/2014/main" id="{88731800-1D1A-4B45-B722-40985350CF25}"/>
+              </a:ext>
+            </a:extLst>
+          </p:cNvPr>
+          <p:cNvPicPr>
+            <a:picLocks noChangeAspect="1"/>
+          </p:cNvPicPr>
+          <p:nvPr/>
+        </p:nvPicPr>
+        <p:blipFill>
+          <a:blip r:embed="rId2"/>
+          <a:stretch>
+            <a:fillRect/>
+          </a:stretch>
+        </p:blipFill>
+        <p:spPr>
+          <a:xfrm>
+            <a:off x="6842902" y="-1"/>
+            <a:ext cx="5349098" cy="6858001"/>
+          </a:xfrm>
+          <a:prstGeom prst="rect">
+            <a:avLst/>
+          </a:prstGeom>
+        </p:spPr>
+      </p:pic>
     </p:spTree>
     <p:extLst>
       <p:ext uri="{BB962C8B-B14F-4D97-AF65-F5344CB8AC3E}">
-        <p14:creationId xmlns:p14="http://schemas.microsoft.com/office/powerpoint/2010/main" val="3775332693"/>
+        <p14:creationId xmlns:p14="http://schemas.microsoft.com/office/powerpoint/2010/main" val="3595672909"/>
       </p:ext>
     </p:extLst>
   </p:cSld>
@@ -4253,7 +4940,7 @@
           <p:cNvPr id="2" name="Title 1">
             <a:extLst>
               <a:ext uri="{FF2B5EF4-FFF2-40B4-BE49-F238E27FC236}">
-                <a16:creationId xmlns:a16="http://schemas.microsoft.com/office/drawing/2014/main" id="{182BA2C0-0B7A-4260-9DA5-27E664714F9D}"/>
+                <a16:creationId xmlns:a16="http://schemas.microsoft.com/office/drawing/2014/main" id="{C72C5D9E-A6DA-46EE-931A-C3E4D1636052}"/>
               </a:ext>
             </a:extLst>
           </p:cNvPr>
@@ -4271,7 +4958,7 @@
           <a:p>
             <a:r>
               <a:rPr lang="en-GB" dirty="0"/>
-              <a:t>Server-Client handling</a:t>
+              <a:t>WinSCP</a:t>
             </a:r>
           </a:p>
         </p:txBody>
@@ -4281,7 +4968,7 @@
           <p:cNvPr id="3" name="Content Placeholder 2">
             <a:extLst>
               <a:ext uri="{FF2B5EF4-FFF2-40B4-BE49-F238E27FC236}">
-                <a16:creationId xmlns:a16="http://schemas.microsoft.com/office/drawing/2014/main" id="{0299D448-6CE4-4B73-AAB7-21A8A8BBA4DD}"/>
+                <a16:creationId xmlns:a16="http://schemas.microsoft.com/office/drawing/2014/main" id="{BB5170E9-63CD-491E-AEA0-064EE0C2B0B2}"/>
               </a:ext>
             </a:extLst>
           </p:cNvPr>
@@ -4297,17 +4984,71 @@
           <a:bodyPr/>
           <a:lstStyle/>
           <a:p>
+            <a:pPr>
+              <a:buFontTx/>
+              <a:buChar char="-"/>
+            </a:pPr>
             <a:r>
               <a:rPr lang="en-GB" dirty="0"/>
-              <a:t>New orders have a client id number</a:t>
-            </a:r>
-          </a:p>
-        </p:txBody>
-      </p:sp>
+              <a:t> Connecting to Linux server</a:t>
+            </a:r>
+          </a:p>
+          <a:p>
+            <a:pPr>
+              <a:buFontTx/>
+              <a:buChar char="-"/>
+            </a:pPr>
+            <a:r>
+              <a:rPr lang="en-GB" dirty="0"/>
+              <a:t> Uploading and downloading source files</a:t>
+            </a:r>
+          </a:p>
+          <a:p>
+            <a:pPr>
+              <a:buFontTx/>
+              <a:buChar char="-"/>
+            </a:pPr>
+            <a:r>
+              <a:rPr lang="en-GB" dirty="0"/>
+              <a:t> Live editing of source files</a:t>
+            </a:r>
+          </a:p>
+        </p:txBody>
+      </p:sp>
+      <p:pic>
+        <p:nvPicPr>
+          <p:cNvPr id="4" name="Picture 3">
+            <a:extLst>
+              <a:ext uri="{FF2B5EF4-FFF2-40B4-BE49-F238E27FC236}">
+                <a16:creationId xmlns:a16="http://schemas.microsoft.com/office/drawing/2014/main" id="{D26D0400-663A-49E4-8547-8F8B042D07F1}"/>
+              </a:ext>
+            </a:extLst>
+          </p:cNvPr>
+          <p:cNvPicPr>
+            <a:picLocks noChangeAspect="1"/>
+          </p:cNvPicPr>
+          <p:nvPr/>
+        </p:nvPicPr>
+        <p:blipFill>
+          <a:blip r:embed="rId2"/>
+          <a:stretch>
+            <a:fillRect/>
+          </a:stretch>
+        </p:blipFill>
+        <p:spPr>
+          <a:xfrm>
+            <a:off x="6785646" y="83321"/>
+            <a:ext cx="5295259" cy="6691357"/>
+          </a:xfrm>
+          <a:prstGeom prst="rect">
+            <a:avLst/>
+          </a:prstGeom>
+        </p:spPr>
+      </p:pic>
     </p:spTree>
     <p:extLst>
       <p:ext uri="{BB962C8B-B14F-4D97-AF65-F5344CB8AC3E}">
-        <p14:creationId xmlns:p14="http://schemas.microsoft.com/office/powerpoint/2010/main" val="3802267754"/>
+        <p14:creationId xmlns:p14="http://schemas.microsoft.com/office/powerpoint/2010/main" val="376019413"/>
       </p:ext>
     </p:extLst>
   </p:cSld>
@@ -4339,7 +5080,7 @@
           <p:cNvPr id="2" name="Title 1">
             <a:extLst>
               <a:ext uri="{FF2B5EF4-FFF2-40B4-BE49-F238E27FC236}">
-                <a16:creationId xmlns:a16="http://schemas.microsoft.com/office/drawing/2014/main" id="{119A760C-AA26-4414-B4B8-2C06AC75E89C}"/>
+                <a16:creationId xmlns:a16="http://schemas.microsoft.com/office/drawing/2014/main" id="{FF00743F-4DA2-4603-A4D2-E87C44B49F20}"/>
               </a:ext>
             </a:extLst>
           </p:cNvPr>
@@ -4350,14 +5091,19 @@
             <p:ph type="title"/>
           </p:nvPr>
         </p:nvSpPr>
-        <p:spPr/>
+        <p:spPr>
+          <a:xfrm>
+            <a:off x="657224" y="499533"/>
+            <a:ext cx="10772775" cy="1658198"/>
+          </a:xfrm>
+        </p:spPr>
         <p:txBody>
           <a:bodyPr/>
           <a:lstStyle/>
           <a:p>
             <a:r>
               <a:rPr lang="en-GB" dirty="0"/>
-              <a:t>Refactoring </a:t>
+              <a:t>Notepad++</a:t>
             </a:r>
           </a:p>
         </p:txBody>
@@ -4367,7 +5113,7 @@
           <p:cNvPr id="3" name="Content Placeholder 2">
             <a:extLst>
               <a:ext uri="{FF2B5EF4-FFF2-40B4-BE49-F238E27FC236}">
-                <a16:creationId xmlns:a16="http://schemas.microsoft.com/office/drawing/2014/main" id="{FEE88565-919D-4995-95F3-5CDCA2795BF4}"/>
+                <a16:creationId xmlns:a16="http://schemas.microsoft.com/office/drawing/2014/main" id="{AE488D8D-3718-42F5-B284-84D6FC6DE70A}"/>
               </a:ext>
             </a:extLst>
           </p:cNvPr>
@@ -4383,17 +5129,99 @@
           <a:bodyPr/>
           <a:lstStyle/>
           <a:p>
+            <a:pPr>
+              <a:buFontTx/>
+              <a:buChar char="-"/>
+            </a:pPr>
             <a:r>
               <a:rPr lang="en-GB" dirty="0"/>
-              <a:t>Doubles to floats</a:t>
-            </a:r>
-          </a:p>
-        </p:txBody>
-      </p:sp>
+              <a:t> Editing program and </a:t>
+            </a:r>
+            <a:r>
+              <a:rPr lang="en-GB" dirty="0" err="1"/>
+              <a:t>makefile</a:t>
+            </a:r>
+            <a:r>
+              <a:rPr lang="en-GB" dirty="0"/>
+              <a:t> source code</a:t>
+            </a:r>
+          </a:p>
+          <a:p>
+            <a:pPr>
+              <a:buFontTx/>
+              <a:buChar char="-"/>
+            </a:pPr>
+            <a:r>
+              <a:rPr lang="en-GB" dirty="0"/>
+              <a:t> Highlights syntax errors</a:t>
+            </a:r>
+          </a:p>
+        </p:txBody>
+      </p:sp>
+      <p:pic>
+        <p:nvPicPr>
+          <p:cNvPr id="4" name="Picture 3">
+            <a:extLst>
+              <a:ext uri="{FF2B5EF4-FFF2-40B4-BE49-F238E27FC236}">
+                <a16:creationId xmlns:a16="http://schemas.microsoft.com/office/drawing/2014/main" id="{6488FAE1-96B7-454C-8A60-D114ABBD2068}"/>
+              </a:ext>
+            </a:extLst>
+          </p:cNvPr>
+          <p:cNvPicPr>
+            <a:picLocks noChangeAspect="1"/>
+          </p:cNvPicPr>
+          <p:nvPr/>
+        </p:nvPicPr>
+        <p:blipFill>
+          <a:blip r:embed="rId2"/>
+          <a:stretch>
+            <a:fillRect/>
+          </a:stretch>
+        </p:blipFill>
+        <p:spPr>
+          <a:xfrm>
+            <a:off x="4138056" y="2838586"/>
+            <a:ext cx="3939143" cy="3947975"/>
+          </a:xfrm>
+          <a:prstGeom prst="rect">
+            <a:avLst/>
+          </a:prstGeom>
+        </p:spPr>
+      </p:pic>
+      <p:pic>
+        <p:nvPicPr>
+          <p:cNvPr id="5" name="Picture 4">
+            <a:extLst>
+              <a:ext uri="{FF2B5EF4-FFF2-40B4-BE49-F238E27FC236}">
+                <a16:creationId xmlns:a16="http://schemas.microsoft.com/office/drawing/2014/main" id="{D8727C47-96FA-4394-A23F-110EEB7E899F}"/>
+              </a:ext>
+            </a:extLst>
+          </p:cNvPr>
+          <p:cNvPicPr>
+            <a:picLocks noChangeAspect="1"/>
+          </p:cNvPicPr>
+          <p:nvPr/>
+        </p:nvPicPr>
+        <p:blipFill>
+          <a:blip r:embed="rId3"/>
+          <a:stretch>
+            <a:fillRect/>
+          </a:stretch>
+        </p:blipFill>
+        <p:spPr>
+          <a:xfrm>
+            <a:off x="8127891" y="2438400"/>
+            <a:ext cx="4064110" cy="4419600"/>
+          </a:xfrm>
+          <a:prstGeom prst="rect">
+            <a:avLst/>
+          </a:prstGeom>
+        </p:spPr>
+      </p:pic>
     </p:spTree>
     <p:extLst>
       <p:ext uri="{BB962C8B-B14F-4D97-AF65-F5344CB8AC3E}">
-        <p14:creationId xmlns:p14="http://schemas.microsoft.com/office/powerpoint/2010/main" val="4138283788"/>
+        <p14:creationId xmlns:p14="http://schemas.microsoft.com/office/powerpoint/2010/main" val="2638460565"/>
       </p:ext>
     </p:extLst>
   </p:cSld>
@@ -4425,7 +5253,7 @@
           <p:cNvPr id="2" name="Title 1">
             <a:extLst>
               <a:ext uri="{FF2B5EF4-FFF2-40B4-BE49-F238E27FC236}">
-                <a16:creationId xmlns:a16="http://schemas.microsoft.com/office/drawing/2014/main" id="{77719E12-AEDC-417A-BA1C-7C796AE02E0F}"/>
+                <a16:creationId xmlns:a16="http://schemas.microsoft.com/office/drawing/2014/main" id="{C72C5D9E-A6DA-46EE-931A-C3E4D1636052}"/>
               </a:ext>
             </a:extLst>
           </p:cNvPr>
@@ -4436,15 +5264,25 @@
             <p:ph type="title"/>
           </p:nvPr>
         </p:nvSpPr>
-        <p:spPr/>
+        <p:spPr>
+          <a:xfrm>
+            <a:off x="657224" y="499533"/>
+            <a:ext cx="10772775" cy="1658198"/>
+          </a:xfrm>
+        </p:spPr>
         <p:txBody>
           <a:bodyPr/>
           <a:lstStyle/>
           <a:p>
             <a:r>
               <a:rPr lang="en-GB" dirty="0"/>
-              <a:t>Order randomization</a:t>
-            </a:r>
+              <a:t>GNU Compiler (G++) and </a:t>
+            </a:r>
+            <a:r>
+              <a:rPr lang="en-GB" dirty="0" err="1"/>
+              <a:t>Makefile</a:t>
+            </a:r>
+            <a:endParaRPr lang="en-GB" dirty="0"/>
           </a:p>
         </p:txBody>
       </p:sp>
@@ -4453,7 +5291,7 @@
           <p:cNvPr id="3" name="Content Placeholder 2">
             <a:extLst>
               <a:ext uri="{FF2B5EF4-FFF2-40B4-BE49-F238E27FC236}">
-                <a16:creationId xmlns:a16="http://schemas.microsoft.com/office/drawing/2014/main" id="{7A661A1B-1632-4F24-8AAD-2B5EEFF5FFA2}"/>
+                <a16:creationId xmlns:a16="http://schemas.microsoft.com/office/drawing/2014/main" id="{BB5170E9-63CD-491E-AEA0-064EE0C2B0B2}"/>
               </a:ext>
             </a:extLst>
           </p:cNvPr>
@@ -4464,19 +5302,101 @@
             <p:ph idx="1"/>
           </p:nvPr>
         </p:nvSpPr>
-        <p:spPr/>
-        <p:txBody>
-          <a:bodyPr/>
-          <a:lstStyle/>
-          <a:p>
-            <a:endParaRPr lang="en-GB"/>
-          </a:p>
-        </p:txBody>
-      </p:sp>
+        <p:spPr>
+          <a:xfrm>
+            <a:off x="676656" y="2011680"/>
+            <a:ext cx="10753725" cy="3766185"/>
+          </a:xfrm>
+        </p:spPr>
+        <p:txBody>
+          <a:bodyPr/>
+          <a:lstStyle/>
+          <a:p>
+            <a:pPr>
+              <a:buFontTx/>
+              <a:buChar char="-"/>
+            </a:pPr>
+            <a:r>
+              <a:rPr lang="en-GB" dirty="0"/>
+              <a:t> </a:t>
+            </a:r>
+            <a:r>
+              <a:rPr lang="en-GB" dirty="0" err="1"/>
+              <a:t>Makefile</a:t>
+            </a:r>
+            <a:r>
+              <a:rPr lang="en-GB" dirty="0"/>
+              <a:t> used G++ to build the executables</a:t>
+            </a:r>
+          </a:p>
+          <a:p>
+            <a:pPr>
+              <a:buFontTx/>
+              <a:buChar char="-"/>
+            </a:pPr>
+            <a:r>
+              <a:rPr lang="en-GB" dirty="0"/>
+              <a:t> </a:t>
+            </a:r>
+            <a:r>
+              <a:rPr lang="en-GB" dirty="0" err="1"/>
+              <a:t>Makefile</a:t>
+            </a:r>
+            <a:r>
+              <a:rPr lang="en-GB" dirty="0"/>
+              <a:t> was useful for clearing up previous builds’ object (.o) files and precompiled header (.</a:t>
+            </a:r>
+            <a:r>
+              <a:rPr lang="en-GB" dirty="0" err="1"/>
+              <a:t>gch</a:t>
+            </a:r>
+            <a:r>
+              <a:rPr lang="en-GB" dirty="0"/>
+              <a:t>) files</a:t>
+            </a:r>
+          </a:p>
+          <a:p>
+            <a:pPr marL="0" indent="0">
+              <a:buNone/>
+            </a:pPr>
+            <a:endParaRPr lang="en-GB" dirty="0"/>
+          </a:p>
+        </p:txBody>
+      </p:sp>
+      <p:pic>
+        <p:nvPicPr>
+          <p:cNvPr id="5" name="Picture 4">
+            <a:extLst>
+              <a:ext uri="{FF2B5EF4-FFF2-40B4-BE49-F238E27FC236}">
+                <a16:creationId xmlns:a16="http://schemas.microsoft.com/office/drawing/2014/main" id="{EB958874-518B-47FE-8314-F5F29D67ECA6}"/>
+              </a:ext>
+            </a:extLst>
+          </p:cNvPr>
+          <p:cNvPicPr>
+            <a:picLocks noChangeAspect="1"/>
+          </p:cNvPicPr>
+          <p:nvPr/>
+        </p:nvPicPr>
+        <p:blipFill>
+          <a:blip r:embed="rId2"/>
+          <a:stretch>
+            <a:fillRect/>
+          </a:stretch>
+        </p:blipFill>
+        <p:spPr>
+          <a:xfrm>
+            <a:off x="5510886" y="3427383"/>
+            <a:ext cx="6600432" cy="3358899"/>
+          </a:xfrm>
+          <a:prstGeom prst="rect">
+            <a:avLst/>
+          </a:prstGeom>
+        </p:spPr>
+      </p:pic>
     </p:spTree>
     <p:extLst>
       <p:ext uri="{BB962C8B-B14F-4D97-AF65-F5344CB8AC3E}">
-        <p14:creationId xmlns:p14="http://schemas.microsoft.com/office/powerpoint/2010/main" val="3793720671"/>
+        <p14:creationId xmlns:p14="http://schemas.microsoft.com/office/powerpoint/2010/main" val="1234420178"/>
       </p:ext>
     </p:extLst>
   </p:cSld>
@@ -4508,7 +5428,7 @@
           <p:cNvPr id="2" name="Title 1">
             <a:extLst>
               <a:ext uri="{FF2B5EF4-FFF2-40B4-BE49-F238E27FC236}">
-                <a16:creationId xmlns:a16="http://schemas.microsoft.com/office/drawing/2014/main" id="{B80EA759-56DD-4535-AEE3-92712F712BD6}"/>
+                <a16:creationId xmlns:a16="http://schemas.microsoft.com/office/drawing/2014/main" id="{BA0069E3-65D0-4421-8EDF-575BA6D09B5C}"/>
               </a:ext>
             </a:extLst>
           </p:cNvPr>
@@ -4526,8 +5446,13 @@
           <a:p>
             <a:r>
               <a:rPr lang="en-GB" dirty="0"/>
-              <a:t>Class diagram</a:t>
-            </a:r>
+              <a:t>Repairing the </a:t>
+            </a:r>
+            <a:r>
+              <a:rPr lang="en-GB" dirty="0" err="1"/>
+              <a:t>Makefile</a:t>
+            </a:r>
+            <a:endParaRPr lang="en-GB" dirty="0"/>
           </a:p>
         </p:txBody>
       </p:sp>
@@ -4536,7 +5461,7 @@
           <p:cNvPr id="3" name="Content Placeholder 2">
             <a:extLst>
               <a:ext uri="{FF2B5EF4-FFF2-40B4-BE49-F238E27FC236}">
-                <a16:creationId xmlns:a16="http://schemas.microsoft.com/office/drawing/2014/main" id="{809321F0-9D0D-4FE7-A047-32748A7B8496}"/>
+                <a16:creationId xmlns:a16="http://schemas.microsoft.com/office/drawing/2014/main" id="{BED29BC7-9F6F-4043-A934-875D19B470BF}"/>
               </a:ext>
             </a:extLst>
           </p:cNvPr>
@@ -4559,7 +5484,7 @@
     </p:spTree>
     <p:extLst>
       <p:ext uri="{BB962C8B-B14F-4D97-AF65-F5344CB8AC3E}">
-        <p14:creationId xmlns:p14="http://schemas.microsoft.com/office/powerpoint/2010/main" val="42137136"/>
+        <p14:creationId xmlns:p14="http://schemas.microsoft.com/office/powerpoint/2010/main" val="2909394021"/>
       </p:ext>
     </p:extLst>
   </p:cSld>
@@ -4591,7 +5516,7 @@
           <p:cNvPr id="2" name="Title 1">
             <a:extLst>
               <a:ext uri="{FF2B5EF4-FFF2-40B4-BE49-F238E27FC236}">
-                <a16:creationId xmlns:a16="http://schemas.microsoft.com/office/drawing/2014/main" id="{5FB95497-1C49-4AD9-B3D5-D09655D804DA}"/>
+                <a16:creationId xmlns:a16="http://schemas.microsoft.com/office/drawing/2014/main" id="{5D7F1CFD-2056-4768-BAF2-5DBF93E5F750}"/>
               </a:ext>
             </a:extLst>
           </p:cNvPr>
@@ -4608,10 +5533,9 @@
           <a:lstStyle/>
           <a:p>
             <a:r>
-              <a:rPr lang="en-GB" dirty="0" err="1"/>
-              <a:t>OrderQueue</a:t>
-            </a:r>
-            <a:endParaRPr lang="en-GB" dirty="0"/>
+              <a:rPr lang="en-GB" dirty="0"/>
+              <a:t>Tested Order</a:t>
+            </a:r>
           </a:p>
         </p:txBody>
       </p:sp>
@@ -4620,7 +5544,7 @@
           <p:cNvPr id="3" name="Content Placeholder 2">
             <a:extLst>
               <a:ext uri="{FF2B5EF4-FFF2-40B4-BE49-F238E27FC236}">
-                <a16:creationId xmlns:a16="http://schemas.microsoft.com/office/drawing/2014/main" id="{8E723902-E30E-47C1-BB44-2A4EC67C2A05}"/>
+                <a16:creationId xmlns:a16="http://schemas.microsoft.com/office/drawing/2014/main" id="{2FF0DDA6-1497-4C2D-8A7B-776A7BC10FCE}"/>
               </a:ext>
             </a:extLst>
           </p:cNvPr>
@@ -4643,7 +5567,7 @@
     </p:spTree>
     <p:extLst>
       <p:ext uri="{BB962C8B-B14F-4D97-AF65-F5344CB8AC3E}">
-        <p14:creationId xmlns:p14="http://schemas.microsoft.com/office/powerpoint/2010/main" val="4203837813"/>
+        <p14:creationId xmlns:p14="http://schemas.microsoft.com/office/powerpoint/2010/main" val="3775332693"/>
       </p:ext>
     </p:extLst>
   </p:cSld>
@@ -4654,9 +5578,9 @@
 </file>
 
 <file path=ppt/theme/theme1.xml><?xml version="1.0" encoding="utf-8"?>
-<a:theme xmlns:a="http://schemas.openxmlformats.org/drawingml/2006/main" name="Office Theme">
+<a:theme xmlns:a="http://schemas.openxmlformats.org/drawingml/2006/main" name="Metropolitan">
   <a:themeElements>
-    <a:clrScheme name="Office">
+    <a:clrScheme name="Violet II">
       <a:dk1>
         <a:sysClr val="windowText" lastClr="000000"/>
       </a:dk1>
@@ -4664,44 +5588,44 @@
         <a:sysClr val="window" lastClr="FFFFFF"/>
       </a:lt1>
       <a:dk2>
-        <a:srgbClr val="44546A"/>
+        <a:srgbClr val="632E62"/>
       </a:dk2>
       <a:lt2>
-        <a:srgbClr val="E7E6E6"/>
+        <a:srgbClr val="EAE5EB"/>
       </a:lt2>
       <a:accent1>
-        <a:srgbClr val="4472C4"/>
+        <a:srgbClr val="92278F"/>
       </a:accent1>
       <a:accent2>
-        <a:srgbClr val="ED7D31"/>
+        <a:srgbClr val="9B57D3"/>
       </a:accent2>
       <a:accent3>
-        <a:srgbClr val="A5A5A5"/>
+        <a:srgbClr val="755DD9"/>
       </a:accent3>
       <a:accent4>
-        <a:srgbClr val="FFC000"/>
+        <a:srgbClr val="665EB8"/>
       </a:accent4>
       <a:accent5>
-        <a:srgbClr val="5B9BD5"/>
+        <a:srgbClr val="45A5ED"/>
       </a:accent5>
       <a:accent6>
-        <a:srgbClr val="70AD47"/>
+        <a:srgbClr val="5982DB"/>
       </a:accent6>
       <a:hlink>
-        <a:srgbClr val="0563C1"/>
+        <a:srgbClr val="0066FF"/>
       </a:hlink>
       <a:folHlink>
-        <a:srgbClr val="954F72"/>
+        <a:srgbClr val="666699"/>
       </a:folHlink>
     </a:clrScheme>
-    <a:fontScheme name="Office">
+    <a:fontScheme name="Metropolitan">
       <a:majorFont>
         <a:latin typeface="Calibri Light" panose="020F0302020204030204"/>
         <a:ea typeface=""/>
         <a:cs typeface=""/>
-        <a:font script="Jpan" typeface="游ゴシック Light"/>
+        <a:font script="Jpan" typeface="ＭＳ Ｐゴシック"/>
         <a:font script="Hang" typeface="맑은 고딕"/>
-        <a:font script="Hans" typeface="等线 Light"/>
+        <a:font script="Hans" typeface="宋体"/>
         <a:font script="Hant" typeface="新細明體"/>
         <a:font script="Arab" typeface="Times New Roman"/>
         <a:font script="Hebr" typeface="Times New Roman"/>
@@ -4729,39 +5653,22 @@
         <a:font script="Viet" typeface="Times New Roman"/>
         <a:font script="Uigh" typeface="Microsoft Uighur"/>
         <a:font script="Geor" typeface="Sylfaen"/>
-        <a:font script="Armn" typeface="Arial"/>
-        <a:font script="Bugi" typeface="Leelawadee UI"/>
-        <a:font script="Bopo" typeface="Microsoft JhengHei"/>
-        <a:font script="Java" typeface="Javanese Text"/>
-        <a:font script="Lisu" typeface="Segoe UI"/>
-        <a:font script="Mymr" typeface="Myanmar Text"/>
-        <a:font script="Nkoo" typeface="Ebrima"/>
-        <a:font script="Olck" typeface="Nirmala UI"/>
-        <a:font script="Osma" typeface="Ebrima"/>
-        <a:font script="Phag" typeface="Phagspa"/>
-        <a:font script="Syrn" typeface="Estrangelo Edessa"/>
-        <a:font script="Syrj" typeface="Estrangelo Edessa"/>
-        <a:font script="Syre" typeface="Estrangelo Edessa"/>
-        <a:font script="Sora" typeface="Nirmala UI"/>
-        <a:font script="Tale" typeface="Microsoft Tai Le"/>
-        <a:font script="Talu" typeface="Microsoft New Tai Lue"/>
-        <a:font script="Tfng" typeface="Ebrima"/>
       </a:majorFont>
       <a:minorFont>
-        <a:latin typeface="Calibri" panose="020F0502020204030204"/>
+        <a:latin typeface="Calibri Light" panose="020F0302020204030204"/>
         <a:ea typeface=""/>
         <a:cs typeface=""/>
-        <a:font script="Jpan" typeface="游ゴシック"/>
+        <a:font script="Jpan" typeface="ＭＳ Ｐゴシック"/>
         <a:font script="Hang" typeface="맑은 고딕"/>
-        <a:font script="Hans" typeface="等线"/>
+        <a:font script="Hans" typeface="宋体"/>
         <a:font script="Hant" typeface="新細明體"/>
-        <a:font script="Arab" typeface="Arial"/>
-        <a:font script="Hebr" typeface="Arial"/>
-        <a:font script="Thai" typeface="Cordia New"/>
+        <a:font script="Arab" typeface="Times New Roman"/>
+        <a:font script="Hebr" typeface="Times New Roman"/>
+        <a:font script="Thai" typeface="Angsana New"/>
         <a:font script="Ethi" typeface="Nyala"/>
         <a:font script="Beng" typeface="Vrinda"/>
         <a:font script="Gujr" typeface="Shruti"/>
-        <a:font script="Khmr" typeface="DaunPenh"/>
+        <a:font script="Khmr" typeface="MoolBoran"/>
         <a:font script="Knda" typeface="Tunga"/>
         <a:font script="Guru" typeface="Raavi"/>
         <a:font script="Cans" typeface="Euphemia"/>
@@ -4778,29 +5685,12 @@
         <a:font script="Laoo" typeface="DokChampa"/>
         <a:font script="Sinh" typeface="Iskoola Pota"/>
         <a:font script="Mong" typeface="Mongolian Baiti"/>
-        <a:font script="Viet" typeface="Arial"/>
+        <a:font script="Viet" typeface="Times New Roman"/>
         <a:font script="Uigh" typeface="Microsoft Uighur"/>
         <a:font script="Geor" typeface="Sylfaen"/>
-        <a:font script="Armn" typeface="Arial"/>
-        <a:font script="Bugi" typeface="Leelawadee UI"/>
-        <a:font script="Bopo" typeface="Microsoft JhengHei"/>
-        <a:font script="Java" typeface="Javanese Text"/>
-        <a:font script="Lisu" typeface="Segoe UI"/>
-        <a:font script="Mymr" typeface="Myanmar Text"/>
-        <a:font script="Nkoo" typeface="Ebrima"/>
-        <a:font script="Olck" typeface="Nirmala UI"/>
-        <a:font script="Osma" typeface="Ebrima"/>
-        <a:font script="Phag" typeface="Phagspa"/>
-        <a:font script="Syrn" typeface="Estrangelo Edessa"/>
-        <a:font script="Syrj" typeface="Estrangelo Edessa"/>
-        <a:font script="Syre" typeface="Estrangelo Edessa"/>
-        <a:font script="Sora" typeface="Nirmala UI"/>
-        <a:font script="Tale" typeface="Microsoft Tai Le"/>
-        <a:font script="Talu" typeface="Microsoft New Tai Lue"/>
-        <a:font script="Tfng" typeface="Ebrima"/>
       </a:minorFont>
     </a:fontScheme>
-    <a:fmtScheme name="Office">
+    <a:fmtScheme name="Metropolitan">
       <a:fillStyleLst>
         <a:solidFill>
           <a:schemeClr val="phClr"/>
@@ -4809,76 +5699,73 @@
           <a:gsLst>
             <a:gs pos="0">
               <a:schemeClr val="phClr">
+                <a:tint val="70000"/>
+                <a:satMod val="100000"/>
                 <a:lumMod val="110000"/>
-                <a:satMod val="105000"/>
-                <a:tint val="67000"/>
               </a:schemeClr>
             </a:gs>
             <a:gs pos="50000">
               <a:schemeClr val="phClr">
+                <a:tint val="75000"/>
+                <a:satMod val="101000"/>
                 <a:lumMod val="105000"/>
-                <a:satMod val="103000"/>
-                <a:tint val="73000"/>
               </a:schemeClr>
             </a:gs>
             <a:gs pos="100000">
               <a:schemeClr val="phClr">
+                <a:tint val="82000"/>
+                <a:satMod val="104000"/>
                 <a:lumMod val="105000"/>
-                <a:satMod val="109000"/>
-                <a:tint val="81000"/>
               </a:schemeClr>
             </a:gs>
           </a:gsLst>
-          <a:lin ang="5400000" scaled="0"/>
+          <a:lin ang="2700000" scaled="0"/>
         </a:gradFill>
         <a:gradFill rotWithShape="1">
           <a:gsLst>
             <a:gs pos="0">
               <a:schemeClr val="phClr">
-                <a:satMod val="103000"/>
+                <a:tint val="97000"/>
+                <a:satMod val="100000"/>
                 <a:lumMod val="102000"/>
-                <a:tint val="94000"/>
               </a:schemeClr>
             </a:gs>
             <a:gs pos="50000">
               <a:schemeClr val="phClr">
-                <a:satMod val="110000"/>
+                <a:shade val="100000"/>
+                <a:satMod val="100000"/>
                 <a:lumMod val="100000"/>
-                <a:shade val="100000"/>
               </a:schemeClr>
             </a:gs>
             <a:gs pos="100000">
               <a:schemeClr val="phClr">
+                <a:shade val="80000"/>
+                <a:satMod val="100000"/>
                 <a:lumMod val="99000"/>
-                <a:satMod val="120000"/>
-                <a:shade val="78000"/>
               </a:schemeClr>
             </a:gs>
           </a:gsLst>
-          <a:lin ang="5400000" scaled="0"/>
+          <a:lin ang="2700000" scaled="0"/>
         </a:gradFill>
       </a:fillStyleLst>
       <a:lnStyleLst>
-        <a:ln w="6350" cap="flat" cmpd="sng" algn="ctr">
+        <a:ln w="9525" cap="flat" cmpd="sng" algn="ctr">
           <a:solidFill>
             <a:schemeClr val="phClr"/>
           </a:solidFill>
           <a:prstDash val="solid"/>
-          <a:miter lim="800000"/>
         </a:ln>
         <a:ln w="12700" cap="flat" cmpd="sng" algn="ctr">
           <a:solidFill>
             <a:schemeClr val="phClr"/>
           </a:solidFill>
           <a:prstDash val="solid"/>
-          <a:miter lim="800000"/>
         </a:ln>
         <a:ln w="19050" cap="flat" cmpd="sng" algn="ctr">
           <a:solidFill>
             <a:schemeClr val="phClr"/>
           </a:solidFill>
           <a:prstDash val="solid"/>
-          <a:miter lim="800000"/>
         </a:ln>
       </a:lnStyleLst>
       <a:effectStyleLst>
@@ -4908,33 +5795,12 @@
             <a:satMod val="170000"/>
           </a:schemeClr>
         </a:solidFill>
-        <a:gradFill rotWithShape="1">
-          <a:gsLst>
-            <a:gs pos="0">
-              <a:schemeClr val="phClr">
-                <a:tint val="93000"/>
-                <a:satMod val="150000"/>
-                <a:shade val="98000"/>
-                <a:lumMod val="102000"/>
-              </a:schemeClr>
-            </a:gs>
-            <a:gs pos="50000">
-              <a:schemeClr val="phClr">
-                <a:tint val="98000"/>
-                <a:satMod val="130000"/>
-                <a:shade val="90000"/>
-                <a:lumMod val="103000"/>
-              </a:schemeClr>
-            </a:gs>
-            <a:gs pos="100000">
-              <a:schemeClr val="phClr">
-                <a:shade val="63000"/>
-                <a:satMod val="120000"/>
-              </a:schemeClr>
-            </a:gs>
-          </a:gsLst>
-          <a:lin ang="5400000" scaled="0"/>
-        </a:gradFill>
+        <a:solidFill>
+          <a:schemeClr val="phClr">
+            <a:shade val="95000"/>
+            <a:satMod val="170000"/>
+          </a:schemeClr>
+        </a:solidFill>
       </a:bgFillStyleLst>
     </a:fmtScheme>
   </a:themeElements>
@@ -4942,7 +5808,7 @@
   <a:extraClrSchemeLst/>
   <a:extLst>
     <a:ext uri="{05A4C25C-085E-4340-85A3-A5531E510DB2}">
-      <thm15:themeFamily xmlns:thm15="http://schemas.microsoft.com/office/thememl/2012/main" name="Office Theme" id="{62F939B6-93AF-4DB8-9C6B-D6C7DFDC589F}" vid="{4A3C46E8-61CC-4603-A589-7422A47A8E4A}"/>
+      <thm15:themeFamily xmlns:thm15="http://schemas.microsoft.com/office/thememl/2012/main" name="Metropolitan" id="{4C5440D6-04D2-4954-96CF-F251137069B2}" vid="{79CFCA13-9412-4290-BB4B-85112F88857B}"/>
     </a:ext>
   </a:extLst>
 </a:theme>

--- a/MTSE.pptx
+++ b/MTSE.pptx
@@ -12,16 +12,21 @@
     <p:sldId id="274" r:id="rId6"/>
     <p:sldId id="276" r:id="rId7"/>
     <p:sldId id="275" r:id="rId8"/>
-    <p:sldId id="266" r:id="rId9"/>
-    <p:sldId id="267" r:id="rId10"/>
-    <p:sldId id="268" r:id="rId11"/>
-    <p:sldId id="269" r:id="rId12"/>
+    <p:sldId id="269" r:id="rId9"/>
+    <p:sldId id="266" r:id="rId10"/>
+    <p:sldId id="267" r:id="rId11"/>
+    <p:sldId id="268" r:id="rId12"/>
     <p:sldId id="270" r:id="rId13"/>
     <p:sldId id="258" r:id="rId14"/>
     <p:sldId id="259" r:id="rId15"/>
     <p:sldId id="277" r:id="rId16"/>
     <p:sldId id="260" r:id="rId17"/>
     <p:sldId id="261" r:id="rId18"/>
+    <p:sldId id="278" r:id="rId19"/>
+    <p:sldId id="279" r:id="rId20"/>
+    <p:sldId id="281" r:id="rId21"/>
+    <p:sldId id="280" r:id="rId22"/>
+    <p:sldId id="282" r:id="rId23"/>
   </p:sldIdLst>
   <p:sldSz cx="12192000" cy="6858000"/>
   <p:notesSz cx="6858000" cy="9144000"/>
@@ -136,10 +141,10 @@
         </p14:section>
         <p14:section name="Callum" id="{C2DC38D2-1DC8-44BA-B345-3BD34244FBBB}">
           <p14:sldIdLst>
+            <p14:sldId id="269"/>
             <p14:sldId id="266"/>
             <p14:sldId id="267"/>
             <p14:sldId id="268"/>
-            <p14:sldId id="269"/>
             <p14:sldId id="270"/>
           </p14:sldIdLst>
         </p14:section>
@@ -153,7 +158,13 @@
           </p14:sldIdLst>
         </p14:section>
         <p14:section name="Callum" id="{48B50C97-AA34-44BF-B70C-F5940FAB561D}">
-          <p14:sldIdLst/>
+          <p14:sldIdLst>
+            <p14:sldId id="278"/>
+            <p14:sldId id="279"/>
+            <p14:sldId id="281"/>
+            <p14:sldId id="280"/>
+            <p14:sldId id="282"/>
+          </p14:sldIdLst>
         </p14:section>
       </p14:sectionLst>
     </p:ext>
@@ -3531,7 +3542,7 @@
           <p:cNvPr id="2" name="Title 1">
             <a:extLst>
               <a:ext uri="{FF2B5EF4-FFF2-40B4-BE49-F238E27FC236}">
-                <a16:creationId xmlns:a16="http://schemas.microsoft.com/office/drawing/2014/main" id="{182BA2C0-0B7A-4260-9DA5-27E664714F9D}"/>
+                <a16:creationId xmlns:a16="http://schemas.microsoft.com/office/drawing/2014/main" id="{5D7F1CFD-2056-4768-BAF2-5DBF93E5F750}"/>
               </a:ext>
             </a:extLst>
           </p:cNvPr>
@@ -3542,50 +3553,57 @@
             <p:ph type="title"/>
           </p:nvPr>
         </p:nvSpPr>
-        <p:spPr/>
-        <p:txBody>
-          <a:bodyPr/>
-          <a:lstStyle/>
-          <a:p>
-            <a:r>
-              <a:rPr lang="en-GB" dirty="0"/>
-              <a:t>Server-Client handling</a:t>
-            </a:r>
-          </a:p>
-        </p:txBody>
-      </p:sp>
-      <p:sp>
-        <p:nvSpPr>
-          <p:cNvPr id="3" name="Content Placeholder 2">
+        <p:spPr>
+          <a:xfrm>
+            <a:off x="709612" y="270933"/>
+            <a:ext cx="10772775" cy="1658198"/>
+          </a:xfrm>
+        </p:spPr>
+        <p:txBody>
+          <a:bodyPr/>
+          <a:lstStyle/>
+          <a:p>
+            <a:r>
+              <a:rPr lang="en-GB" dirty="0"/>
+              <a:t>Unit Tested Order</a:t>
+            </a:r>
+          </a:p>
+        </p:txBody>
+      </p:sp>
+      <p:pic>
+        <p:nvPicPr>
+          <p:cNvPr id="7" name="Picture 6">
             <a:extLst>
               <a:ext uri="{FF2B5EF4-FFF2-40B4-BE49-F238E27FC236}">
-                <a16:creationId xmlns:a16="http://schemas.microsoft.com/office/drawing/2014/main" id="{0299D448-6CE4-4B73-AAB7-21A8A8BBA4DD}"/>
+                <a16:creationId xmlns:a16="http://schemas.microsoft.com/office/drawing/2014/main" id="{DEED2879-C9CA-415C-8A82-88314A458AA7}"/>
               </a:ext>
             </a:extLst>
           </p:cNvPr>
-          <p:cNvSpPr>
-            <a:spLocks noGrp="1"/>
-          </p:cNvSpPr>
-          <p:nvPr>
-            <p:ph idx="1"/>
-          </p:nvPr>
-        </p:nvSpPr>
-        <p:spPr/>
-        <p:txBody>
-          <a:bodyPr/>
-          <a:lstStyle/>
-          <a:p>
-            <a:r>
-              <a:rPr lang="en-GB" dirty="0"/>
-              <a:t>New orders have a client id number</a:t>
-            </a:r>
-          </a:p>
-        </p:txBody>
-      </p:sp>
+          <p:cNvPicPr>
+            <a:picLocks noChangeAspect="1"/>
+          </p:cNvPicPr>
+          <p:nvPr/>
+        </p:nvPicPr>
+        <p:blipFill>
+          <a:blip r:embed="rId2"/>
+          <a:stretch>
+            <a:fillRect/>
+          </a:stretch>
+        </p:blipFill>
+        <p:spPr>
+          <a:xfrm>
+            <a:off x="2144893" y="1518889"/>
+            <a:ext cx="7902211" cy="5150683"/>
+          </a:xfrm>
+          <a:prstGeom prst="rect">
+            <a:avLst/>
+          </a:prstGeom>
+        </p:spPr>
+      </p:pic>
     </p:spTree>
     <p:extLst>
       <p:ext uri="{BB962C8B-B14F-4D97-AF65-F5344CB8AC3E}">
-        <p14:creationId xmlns:p14="http://schemas.microsoft.com/office/powerpoint/2010/main" val="3802267754"/>
+        <p14:creationId xmlns:p14="http://schemas.microsoft.com/office/powerpoint/2010/main" val="3775332693"/>
       </p:ext>
     </p:extLst>
   </p:cSld>
@@ -3617,7 +3635,7 @@
           <p:cNvPr id="2" name="Title 1">
             <a:extLst>
               <a:ext uri="{FF2B5EF4-FFF2-40B4-BE49-F238E27FC236}">
-                <a16:creationId xmlns:a16="http://schemas.microsoft.com/office/drawing/2014/main" id="{119A760C-AA26-4414-B4B8-2C06AC75E89C}"/>
+                <a16:creationId xmlns:a16="http://schemas.microsoft.com/office/drawing/2014/main" id="{182BA2C0-0B7A-4260-9DA5-27E664714F9D}"/>
               </a:ext>
             </a:extLst>
           </p:cNvPr>
@@ -3635,7 +3653,7 @@
           <a:p>
             <a:r>
               <a:rPr lang="en-GB" dirty="0"/>
-              <a:t>Refactoring </a:t>
+              <a:t>Server-Client handling</a:t>
             </a:r>
           </a:p>
         </p:txBody>
@@ -3645,7 +3663,7 @@
           <p:cNvPr id="3" name="Content Placeholder 2">
             <a:extLst>
               <a:ext uri="{FF2B5EF4-FFF2-40B4-BE49-F238E27FC236}">
-                <a16:creationId xmlns:a16="http://schemas.microsoft.com/office/drawing/2014/main" id="{FEE88565-919D-4995-95F3-5CDCA2795BF4}"/>
+                <a16:creationId xmlns:a16="http://schemas.microsoft.com/office/drawing/2014/main" id="{0299D448-6CE4-4B73-AAB7-21A8A8BBA4DD}"/>
               </a:ext>
             </a:extLst>
           </p:cNvPr>
@@ -3663,15 +3681,93 @@
           <a:p>
             <a:r>
               <a:rPr lang="en-GB" dirty="0"/>
-              <a:t>Doubles to floats</a:t>
-            </a:r>
-          </a:p>
-        </p:txBody>
-      </p:sp>
+              <a:t>New orders have a client id number</a:t>
+            </a:r>
+          </a:p>
+          <a:p>
+            <a:r>
+              <a:rPr lang="en-GB" dirty="0"/>
+              <a:t>A client defines their id upon connection to the server</a:t>
+            </a:r>
+          </a:p>
+          <a:p>
+            <a:r>
+              <a:rPr lang="en-GB" dirty="0"/>
+              <a:t>Client cannot attempt connection with an invalid id</a:t>
+            </a:r>
+          </a:p>
+          <a:p>
+            <a:r>
+              <a:rPr lang="en-GB" dirty="0"/>
+              <a:t>Id number then connected to orders from that client</a:t>
+            </a:r>
+          </a:p>
+        </p:txBody>
+      </p:sp>
+      <p:pic>
+        <p:nvPicPr>
+          <p:cNvPr id="4" name="Picture 3">
+            <a:extLst>
+              <a:ext uri="{FF2B5EF4-FFF2-40B4-BE49-F238E27FC236}">
+                <a16:creationId xmlns:a16="http://schemas.microsoft.com/office/drawing/2014/main" id="{54C9DE20-653F-446D-8075-0ACA2E326BEA}"/>
+              </a:ext>
+            </a:extLst>
+          </p:cNvPr>
+          <p:cNvPicPr>
+            <a:picLocks noChangeAspect="1"/>
+          </p:cNvPicPr>
+          <p:nvPr/>
+        </p:nvPicPr>
+        <p:blipFill>
+          <a:blip r:embed="rId2"/>
+          <a:stretch>
+            <a:fillRect/>
+          </a:stretch>
+        </p:blipFill>
+        <p:spPr>
+          <a:xfrm>
+            <a:off x="1581991" y="5138737"/>
+            <a:ext cx="9028018" cy="547688"/>
+          </a:xfrm>
+          <a:prstGeom prst="rect">
+            <a:avLst/>
+          </a:prstGeom>
+        </p:spPr>
+      </p:pic>
+      <p:pic>
+        <p:nvPicPr>
+          <p:cNvPr id="5" name="Picture 4">
+            <a:extLst>
+              <a:ext uri="{FF2B5EF4-FFF2-40B4-BE49-F238E27FC236}">
+                <a16:creationId xmlns:a16="http://schemas.microsoft.com/office/drawing/2014/main" id="{F2D0BCB1-6374-423C-B133-9D2702EDBA09}"/>
+              </a:ext>
+            </a:extLst>
+          </p:cNvPr>
+          <p:cNvPicPr>
+            <a:picLocks noChangeAspect="1"/>
+          </p:cNvPicPr>
+          <p:nvPr/>
+        </p:nvPicPr>
+        <p:blipFill>
+          <a:blip r:embed="rId3"/>
+          <a:stretch>
+            <a:fillRect/>
+          </a:stretch>
+        </p:blipFill>
+        <p:spPr>
+          <a:xfrm>
+            <a:off x="1252732" y="3928585"/>
+            <a:ext cx="9686536" cy="879582"/>
+          </a:xfrm>
+          <a:prstGeom prst="rect">
+            <a:avLst/>
+          </a:prstGeom>
+        </p:spPr>
+      </p:pic>
     </p:spTree>
     <p:extLst>
       <p:ext uri="{BB962C8B-B14F-4D97-AF65-F5344CB8AC3E}">
-        <p14:creationId xmlns:p14="http://schemas.microsoft.com/office/powerpoint/2010/main" val="4138283788"/>
+        <p14:creationId xmlns:p14="http://schemas.microsoft.com/office/powerpoint/2010/main" val="3802267754"/>
       </p:ext>
     </p:extLst>
   </p:cSld>
@@ -3747,10 +3843,55 @@
           <a:bodyPr/>
           <a:lstStyle/>
           <a:p>
-            <a:endParaRPr lang="en-GB"/>
-          </a:p>
-        </p:txBody>
-      </p:sp>
+            <a:r>
+              <a:rPr lang="en-GB" dirty="0"/>
+              <a:t>All values within the order are randomised except client id</a:t>
+            </a:r>
+          </a:p>
+          <a:p>
+            <a:r>
+              <a:rPr lang="en-GB" dirty="0"/>
+              <a:t>Prices, volumes and instrument randomised within a range</a:t>
+            </a:r>
+          </a:p>
+          <a:p>
+            <a:r>
+              <a:rPr lang="en-GB" dirty="0"/>
+              <a:t>Buy or sell randomised by 0 or 1 (true or false)</a:t>
+            </a:r>
+          </a:p>
+        </p:txBody>
+      </p:sp>
+      <p:pic>
+        <p:nvPicPr>
+          <p:cNvPr id="6" name="Picture 5">
+            <a:extLst>
+              <a:ext uri="{FF2B5EF4-FFF2-40B4-BE49-F238E27FC236}">
+                <a16:creationId xmlns:a16="http://schemas.microsoft.com/office/drawing/2014/main" id="{ABB5D98B-77B2-46EE-A360-BE6227B00EF2}"/>
+              </a:ext>
+            </a:extLst>
+          </p:cNvPr>
+          <p:cNvPicPr>
+            <a:picLocks noChangeAspect="1"/>
+          </p:cNvPicPr>
+          <p:nvPr/>
+        </p:nvPicPr>
+        <p:blipFill>
+          <a:blip r:embed="rId2"/>
+          <a:stretch>
+            <a:fillRect/>
+          </a:stretch>
+        </p:blipFill>
+        <p:spPr>
+          <a:xfrm>
+            <a:off x="470684" y="3759517"/>
+            <a:ext cx="11250632" cy="1881505"/>
+          </a:xfrm>
+          <a:prstGeom prst="rect">
+            <a:avLst/>
+          </a:prstGeom>
+        </p:spPr>
+      </p:pic>
     </p:spTree>
     <p:extLst>
       <p:ext uri="{BB962C8B-B14F-4D97-AF65-F5344CB8AC3E}">
@@ -4272,6 +4413,237 @@
 </p:sld>
 </file>
 
+<file path=ppt/slides/slide18.xml><?xml version="1.0" encoding="utf-8"?>
+<p:sld xmlns:a="http://schemas.openxmlformats.org/drawingml/2006/main" xmlns:r="http://schemas.openxmlformats.org/officeDocument/2006/relationships" xmlns:p="http://schemas.openxmlformats.org/presentationml/2006/main">
+  <p:cSld>
+    <p:spTree>
+      <p:nvGrpSpPr>
+        <p:cNvPr id="1" name=""/>
+        <p:cNvGrpSpPr/>
+        <p:nvPr/>
+      </p:nvGrpSpPr>
+      <p:grpSpPr>
+        <a:xfrm>
+          <a:off x="0" y="0"/>
+          <a:ext cx="0" cy="0"/>
+          <a:chOff x="0" y="0"/>
+          <a:chExt cx="0" cy="0"/>
+        </a:xfrm>
+      </p:grpSpPr>
+      <p:sp>
+        <p:nvSpPr>
+          <p:cNvPr id="2" name="Title 1">
+            <a:extLst>
+              <a:ext uri="{FF2B5EF4-FFF2-40B4-BE49-F238E27FC236}">
+                <a16:creationId xmlns:a16="http://schemas.microsoft.com/office/drawing/2014/main" id="{A7DA0C14-FE29-42C8-81A0-9DC6BE590EF6}"/>
+              </a:ext>
+            </a:extLst>
+          </p:cNvPr>
+          <p:cNvSpPr>
+            <a:spLocks noGrp="1"/>
+          </p:cNvSpPr>
+          <p:nvPr>
+            <p:ph type="title"/>
+          </p:nvPr>
+        </p:nvSpPr>
+        <p:spPr/>
+        <p:txBody>
+          <a:bodyPr/>
+          <a:lstStyle/>
+          <a:p>
+            <a:r>
+              <a:rPr lang="en-GB" dirty="0"/>
+              <a:t>Demo</a:t>
+            </a:r>
+          </a:p>
+        </p:txBody>
+      </p:sp>
+      <p:sp>
+        <p:nvSpPr>
+          <p:cNvPr id="3" name="Content Placeholder 2">
+            <a:extLst>
+              <a:ext uri="{FF2B5EF4-FFF2-40B4-BE49-F238E27FC236}">
+                <a16:creationId xmlns:a16="http://schemas.microsoft.com/office/drawing/2014/main" id="{B4354420-693D-4519-B142-0BF3E0889768}"/>
+              </a:ext>
+            </a:extLst>
+          </p:cNvPr>
+          <p:cNvSpPr>
+            <a:spLocks noGrp="1"/>
+          </p:cNvSpPr>
+          <p:nvPr>
+            <p:ph idx="1"/>
+          </p:nvPr>
+        </p:nvSpPr>
+        <p:spPr>
+          <a:xfrm>
+            <a:off x="676656" y="2011680"/>
+            <a:ext cx="10753725" cy="3769995"/>
+          </a:xfrm>
+        </p:spPr>
+        <p:txBody>
+          <a:bodyPr/>
+          <a:lstStyle/>
+          <a:p>
+            <a:r>
+              <a:rPr lang="en-GB" dirty="0"/>
+              <a:t>Client Server connection</a:t>
+            </a:r>
+          </a:p>
+          <a:p>
+            <a:r>
+              <a:rPr lang="en-GB" dirty="0"/>
+              <a:t>Client sending orders</a:t>
+            </a:r>
+          </a:p>
+          <a:p>
+            <a:r>
+              <a:rPr lang="en-GB" dirty="0"/>
+              <a:t>Orders randomised</a:t>
+            </a:r>
+          </a:p>
+          <a:p>
+            <a:r>
+              <a:rPr lang="en-GB" dirty="0"/>
+              <a:t>Client Id with Orders</a:t>
+            </a:r>
+          </a:p>
+          <a:p>
+            <a:r>
+              <a:rPr lang="en-GB" dirty="0"/>
+              <a:t>Disconnecting client shows within server</a:t>
+            </a:r>
+          </a:p>
+          <a:p>
+            <a:r>
+              <a:rPr lang="en-GB" dirty="0"/>
+              <a:t>Incorrect client id</a:t>
+            </a:r>
+          </a:p>
+        </p:txBody>
+      </p:sp>
+    </p:spTree>
+    <p:extLst>
+      <p:ext uri="{BB962C8B-B14F-4D97-AF65-F5344CB8AC3E}">
+        <p14:creationId xmlns:p14="http://schemas.microsoft.com/office/powerpoint/2010/main" val="2708525194"/>
+      </p:ext>
+    </p:extLst>
+  </p:cSld>
+  <p:clrMapOvr>
+    <a:masterClrMapping/>
+  </p:clrMapOvr>
+</p:sld>
+</file>
+
+<file path=ppt/slides/slide19.xml><?xml version="1.0" encoding="utf-8"?>
+<p:sld xmlns:a="http://schemas.openxmlformats.org/drawingml/2006/main" xmlns:r="http://schemas.openxmlformats.org/officeDocument/2006/relationships" xmlns:p="http://schemas.openxmlformats.org/presentationml/2006/main">
+  <p:cSld>
+    <p:spTree>
+      <p:nvGrpSpPr>
+        <p:cNvPr id="1" name=""/>
+        <p:cNvGrpSpPr/>
+        <p:nvPr/>
+      </p:nvGrpSpPr>
+      <p:grpSpPr>
+        <a:xfrm>
+          <a:off x="0" y="0"/>
+          <a:ext cx="0" cy="0"/>
+          <a:chOff x="0" y="0"/>
+          <a:chExt cx="0" cy="0"/>
+        </a:xfrm>
+      </p:grpSpPr>
+      <p:sp>
+        <p:nvSpPr>
+          <p:cNvPr id="2" name="Title 1">
+            <a:extLst>
+              <a:ext uri="{FF2B5EF4-FFF2-40B4-BE49-F238E27FC236}">
+                <a16:creationId xmlns:a16="http://schemas.microsoft.com/office/drawing/2014/main" id="{B2C61D81-DF2F-4FB3-82A7-76D8BDB9FC5C}"/>
+              </a:ext>
+            </a:extLst>
+          </p:cNvPr>
+          <p:cNvSpPr>
+            <a:spLocks noGrp="1"/>
+          </p:cNvSpPr>
+          <p:nvPr>
+            <p:ph type="title"/>
+          </p:nvPr>
+        </p:nvSpPr>
+        <p:spPr/>
+        <p:txBody>
+          <a:bodyPr/>
+          <a:lstStyle/>
+          <a:p>
+            <a:r>
+              <a:rPr lang="en-GB" dirty="0"/>
+              <a:t>What Went Well</a:t>
+            </a:r>
+          </a:p>
+        </p:txBody>
+      </p:sp>
+      <p:sp>
+        <p:nvSpPr>
+          <p:cNvPr id="3" name="Content Placeholder 2">
+            <a:extLst>
+              <a:ext uri="{FF2B5EF4-FFF2-40B4-BE49-F238E27FC236}">
+                <a16:creationId xmlns:a16="http://schemas.microsoft.com/office/drawing/2014/main" id="{06E914DA-5DD8-40A1-B15C-BB2E9B8B79C9}"/>
+              </a:ext>
+            </a:extLst>
+          </p:cNvPr>
+          <p:cNvSpPr>
+            <a:spLocks noGrp="1"/>
+          </p:cNvSpPr>
+          <p:nvPr>
+            <p:ph idx="1"/>
+          </p:nvPr>
+        </p:nvSpPr>
+        <p:spPr/>
+        <p:txBody>
+          <a:bodyPr/>
+          <a:lstStyle/>
+          <a:p>
+            <a:r>
+              <a:rPr lang="en-GB" dirty="0"/>
+              <a:t>Unit Testing</a:t>
+            </a:r>
+          </a:p>
+          <a:p>
+            <a:r>
+              <a:rPr lang="en-GB" dirty="0"/>
+              <a:t>Restructuring of classes</a:t>
+            </a:r>
+          </a:p>
+          <a:p>
+            <a:r>
+              <a:rPr lang="en-GB" dirty="0"/>
+              <a:t>Additional functionality to classes</a:t>
+            </a:r>
+          </a:p>
+          <a:p>
+            <a:r>
+              <a:rPr lang="en-GB" dirty="0"/>
+              <a:t>More dynamic client and server usage</a:t>
+            </a:r>
+          </a:p>
+          <a:p>
+            <a:r>
+              <a:rPr lang="en-GB" dirty="0"/>
+              <a:t>More realistic orders</a:t>
+            </a:r>
+          </a:p>
+        </p:txBody>
+      </p:sp>
+    </p:spTree>
+    <p:extLst>
+      <p:ext uri="{BB962C8B-B14F-4D97-AF65-F5344CB8AC3E}">
+        <p14:creationId xmlns:p14="http://schemas.microsoft.com/office/powerpoint/2010/main" val="3189432876"/>
+      </p:ext>
+    </p:extLst>
+  </p:cSld>
+  <p:clrMapOvr>
+    <a:masterClrMapping/>
+  </p:clrMapOvr>
+</p:sld>
+</file>
+
 <file path=ppt/slides/slide2.xml><?xml version="1.0" encoding="utf-8"?>
 <p:sld xmlns:a="http://schemas.openxmlformats.org/drawingml/2006/main" xmlns:r="http://schemas.openxmlformats.org/officeDocument/2006/relationships" xmlns:p="http://schemas.openxmlformats.org/presentationml/2006/main">
   <p:cSld>
@@ -4659,6 +5031,291 @@
     <p:extLst>
       <p:ext uri="{BB962C8B-B14F-4D97-AF65-F5344CB8AC3E}">
         <p14:creationId xmlns:p14="http://schemas.microsoft.com/office/powerpoint/2010/main" val="3292250724"/>
+      </p:ext>
+    </p:extLst>
+  </p:cSld>
+  <p:clrMapOvr>
+    <a:masterClrMapping/>
+  </p:clrMapOvr>
+</p:sld>
+</file>
+
+<file path=ppt/slides/slide20.xml><?xml version="1.0" encoding="utf-8"?>
+<p:sld xmlns:a="http://schemas.openxmlformats.org/drawingml/2006/main" xmlns:r="http://schemas.openxmlformats.org/officeDocument/2006/relationships" xmlns:p="http://schemas.openxmlformats.org/presentationml/2006/main">
+  <p:cSld>
+    <p:spTree>
+      <p:nvGrpSpPr>
+        <p:cNvPr id="1" name=""/>
+        <p:cNvGrpSpPr/>
+        <p:nvPr/>
+      </p:nvGrpSpPr>
+      <p:grpSpPr>
+        <a:xfrm>
+          <a:off x="0" y="0"/>
+          <a:ext cx="0" cy="0"/>
+          <a:chOff x="0" y="0"/>
+          <a:chExt cx="0" cy="0"/>
+        </a:xfrm>
+      </p:grpSpPr>
+      <p:sp>
+        <p:nvSpPr>
+          <p:cNvPr id="2" name="Title 1">
+            <a:extLst>
+              <a:ext uri="{FF2B5EF4-FFF2-40B4-BE49-F238E27FC236}">
+                <a16:creationId xmlns:a16="http://schemas.microsoft.com/office/drawing/2014/main" id="{9BCBFFEA-D876-488A-8399-E7942A26A0B7}"/>
+              </a:ext>
+            </a:extLst>
+          </p:cNvPr>
+          <p:cNvSpPr>
+            <a:spLocks noGrp="1"/>
+          </p:cNvSpPr>
+          <p:nvPr>
+            <p:ph type="title"/>
+          </p:nvPr>
+        </p:nvSpPr>
+        <p:spPr/>
+        <p:txBody>
+          <a:bodyPr/>
+          <a:lstStyle/>
+          <a:p>
+            <a:r>
+              <a:rPr lang="en-GB" dirty="0"/>
+              <a:t>What To Improve Moving Forward</a:t>
+            </a:r>
+          </a:p>
+        </p:txBody>
+      </p:sp>
+      <p:sp>
+        <p:nvSpPr>
+          <p:cNvPr id="3" name="Content Placeholder 2">
+            <a:extLst>
+              <a:ext uri="{FF2B5EF4-FFF2-40B4-BE49-F238E27FC236}">
+                <a16:creationId xmlns:a16="http://schemas.microsoft.com/office/drawing/2014/main" id="{EED9F59C-1E15-49FD-A069-41E0E475AC36}"/>
+              </a:ext>
+            </a:extLst>
+          </p:cNvPr>
+          <p:cNvSpPr>
+            <a:spLocks noGrp="1"/>
+          </p:cNvSpPr>
+          <p:nvPr>
+            <p:ph idx="1"/>
+          </p:nvPr>
+        </p:nvSpPr>
+        <p:spPr/>
+        <p:txBody>
+          <a:bodyPr/>
+          <a:lstStyle/>
+          <a:p>
+            <a:r>
+              <a:rPr lang="en-GB" dirty="0"/>
+              <a:t>Matching Orders functionality</a:t>
+            </a:r>
+          </a:p>
+          <a:p>
+            <a:r>
+              <a:rPr lang="en-GB" dirty="0"/>
+              <a:t>Better client server interaction</a:t>
+            </a:r>
+          </a:p>
+          <a:p>
+            <a:r>
+              <a:rPr lang="en-GB" dirty="0"/>
+              <a:t>Add a GUI</a:t>
+            </a:r>
+          </a:p>
+          <a:p>
+            <a:r>
+              <a:rPr lang="en-GB" dirty="0"/>
+              <a:t>Add logging of orders and matches/fills</a:t>
+            </a:r>
+          </a:p>
+        </p:txBody>
+      </p:sp>
+    </p:spTree>
+    <p:extLst>
+      <p:ext uri="{BB962C8B-B14F-4D97-AF65-F5344CB8AC3E}">
+        <p14:creationId xmlns:p14="http://schemas.microsoft.com/office/powerpoint/2010/main" val="3501362061"/>
+      </p:ext>
+    </p:extLst>
+  </p:cSld>
+  <p:clrMapOvr>
+    <a:masterClrMapping/>
+  </p:clrMapOvr>
+</p:sld>
+</file>
+
+<file path=ppt/slides/slide21.xml><?xml version="1.0" encoding="utf-8"?>
+<p:sld xmlns:a="http://schemas.openxmlformats.org/drawingml/2006/main" xmlns:r="http://schemas.openxmlformats.org/officeDocument/2006/relationships" xmlns:p="http://schemas.openxmlformats.org/presentationml/2006/main">
+  <p:cSld>
+    <p:spTree>
+      <p:nvGrpSpPr>
+        <p:cNvPr id="1" name=""/>
+        <p:cNvGrpSpPr/>
+        <p:nvPr/>
+      </p:nvGrpSpPr>
+      <p:grpSpPr>
+        <a:xfrm>
+          <a:off x="0" y="0"/>
+          <a:ext cx="0" cy="0"/>
+          <a:chOff x="0" y="0"/>
+          <a:chExt cx="0" cy="0"/>
+        </a:xfrm>
+      </p:grpSpPr>
+      <p:sp>
+        <p:nvSpPr>
+          <p:cNvPr id="2" name="Title 1">
+            <a:extLst>
+              <a:ext uri="{FF2B5EF4-FFF2-40B4-BE49-F238E27FC236}">
+                <a16:creationId xmlns:a16="http://schemas.microsoft.com/office/drawing/2014/main" id="{2CCAA5B0-0EE0-4A07-8E41-83A14BF3C12B}"/>
+              </a:ext>
+            </a:extLst>
+          </p:cNvPr>
+          <p:cNvSpPr>
+            <a:spLocks noGrp="1"/>
+          </p:cNvSpPr>
+          <p:nvPr>
+            <p:ph type="title"/>
+          </p:nvPr>
+        </p:nvSpPr>
+        <p:spPr/>
+        <p:txBody>
+          <a:bodyPr/>
+          <a:lstStyle/>
+          <a:p>
+            <a:r>
+              <a:rPr lang="en-GB" dirty="0"/>
+              <a:t>Evaluation</a:t>
+            </a:r>
+          </a:p>
+        </p:txBody>
+      </p:sp>
+      <p:sp>
+        <p:nvSpPr>
+          <p:cNvPr id="3" name="Content Placeholder 2">
+            <a:extLst>
+              <a:ext uri="{FF2B5EF4-FFF2-40B4-BE49-F238E27FC236}">
+                <a16:creationId xmlns:a16="http://schemas.microsoft.com/office/drawing/2014/main" id="{C23B60C1-6DB6-4CB3-816E-1FD7A82E312B}"/>
+              </a:ext>
+            </a:extLst>
+          </p:cNvPr>
+          <p:cNvSpPr>
+            <a:spLocks noGrp="1"/>
+          </p:cNvSpPr>
+          <p:nvPr>
+            <p:ph idx="1"/>
+          </p:nvPr>
+        </p:nvSpPr>
+        <p:spPr/>
+        <p:txBody>
+          <a:bodyPr/>
+          <a:lstStyle/>
+          <a:p>
+            <a:r>
+              <a:rPr lang="en-GB" dirty="0"/>
+              <a:t>Good teamwork and communication</a:t>
+            </a:r>
+          </a:p>
+          <a:p>
+            <a:r>
+              <a:rPr lang="en-GB" dirty="0"/>
+              <a:t>Successfully implemented additional functionality and refactored existing code</a:t>
+            </a:r>
+          </a:p>
+          <a:p>
+            <a:r>
+              <a:rPr lang="en-GB" dirty="0"/>
+              <a:t>Would focus on matches in the future</a:t>
+            </a:r>
+          </a:p>
+        </p:txBody>
+      </p:sp>
+    </p:spTree>
+    <p:extLst>
+      <p:ext uri="{BB962C8B-B14F-4D97-AF65-F5344CB8AC3E}">
+        <p14:creationId xmlns:p14="http://schemas.microsoft.com/office/powerpoint/2010/main" val="3184376939"/>
+      </p:ext>
+    </p:extLst>
+  </p:cSld>
+  <p:clrMapOvr>
+    <a:masterClrMapping/>
+  </p:clrMapOvr>
+</p:sld>
+</file>
+
+<file path=ppt/slides/slide22.xml><?xml version="1.0" encoding="utf-8"?>
+<p:sld xmlns:a="http://schemas.openxmlformats.org/drawingml/2006/main" xmlns:r="http://schemas.openxmlformats.org/officeDocument/2006/relationships" xmlns:p="http://schemas.openxmlformats.org/presentationml/2006/main">
+  <p:cSld>
+    <p:spTree>
+      <p:nvGrpSpPr>
+        <p:cNvPr id="1" name=""/>
+        <p:cNvGrpSpPr/>
+        <p:nvPr/>
+      </p:nvGrpSpPr>
+      <p:grpSpPr>
+        <a:xfrm>
+          <a:off x="0" y="0"/>
+          <a:ext cx="0" cy="0"/>
+          <a:chOff x="0" y="0"/>
+          <a:chExt cx="0" cy="0"/>
+        </a:xfrm>
+      </p:grpSpPr>
+      <p:sp>
+        <p:nvSpPr>
+          <p:cNvPr id="2" name="Title 1">
+            <a:extLst>
+              <a:ext uri="{FF2B5EF4-FFF2-40B4-BE49-F238E27FC236}">
+                <a16:creationId xmlns:a16="http://schemas.microsoft.com/office/drawing/2014/main" id="{8BB751E8-2F86-40C8-9C2E-2A2B29145E7D}"/>
+              </a:ext>
+            </a:extLst>
+          </p:cNvPr>
+          <p:cNvSpPr>
+            <a:spLocks noGrp="1"/>
+          </p:cNvSpPr>
+          <p:nvPr>
+            <p:ph type="title"/>
+          </p:nvPr>
+        </p:nvSpPr>
+        <p:spPr/>
+        <p:txBody>
+          <a:bodyPr/>
+          <a:lstStyle/>
+          <a:p>
+            <a:r>
+              <a:rPr lang="en-GB" dirty="0"/>
+              <a:t>Questions</a:t>
+            </a:r>
+          </a:p>
+        </p:txBody>
+      </p:sp>
+      <p:sp>
+        <p:nvSpPr>
+          <p:cNvPr id="3" name="Content Placeholder 2">
+            <a:extLst>
+              <a:ext uri="{FF2B5EF4-FFF2-40B4-BE49-F238E27FC236}">
+                <a16:creationId xmlns:a16="http://schemas.microsoft.com/office/drawing/2014/main" id="{A87CD187-A693-4FDA-A442-8E837C4982D2}"/>
+              </a:ext>
+            </a:extLst>
+          </p:cNvPr>
+          <p:cNvSpPr>
+            <a:spLocks noGrp="1"/>
+          </p:cNvSpPr>
+          <p:nvPr>
+            <p:ph idx="1"/>
+          </p:nvPr>
+        </p:nvSpPr>
+        <p:spPr/>
+        <p:txBody>
+          <a:bodyPr/>
+          <a:lstStyle/>
+          <a:p>
+            <a:endParaRPr lang="en-GB"/>
+          </a:p>
+        </p:txBody>
+      </p:sp>
+    </p:spTree>
+    <p:extLst>
+      <p:ext uri="{BB962C8B-B14F-4D97-AF65-F5344CB8AC3E}">
+        <p14:creationId xmlns:p14="http://schemas.microsoft.com/office/powerpoint/2010/main" val="543392174"/>
       </p:ext>
     </p:extLst>
   </p:cSld>
@@ -5428,7 +6085,7 @@
           <p:cNvPr id="2" name="Title 1">
             <a:extLst>
               <a:ext uri="{FF2B5EF4-FFF2-40B4-BE49-F238E27FC236}">
-                <a16:creationId xmlns:a16="http://schemas.microsoft.com/office/drawing/2014/main" id="{BA0069E3-65D0-4421-8EDF-575BA6D09B5C}"/>
+                <a16:creationId xmlns:a16="http://schemas.microsoft.com/office/drawing/2014/main" id="{119A760C-AA26-4414-B4B8-2C06AC75E89C}"/>
               </a:ext>
             </a:extLst>
           </p:cNvPr>
@@ -5446,13 +6103,8 @@
           <a:p>
             <a:r>
               <a:rPr lang="en-GB" dirty="0"/>
-              <a:t>Repairing the </a:t>
-            </a:r>
-            <a:r>
-              <a:rPr lang="en-GB" dirty="0" err="1"/>
-              <a:t>Makefile</a:t>
-            </a:r>
-            <a:endParaRPr lang="en-GB" dirty="0"/>
+              <a:t>Refactoring and adding client class</a:t>
+            </a:r>
           </a:p>
         </p:txBody>
       </p:sp>
@@ -5461,7 +6113,7 @@
           <p:cNvPr id="3" name="Content Placeholder 2">
             <a:extLst>
               <a:ext uri="{FF2B5EF4-FFF2-40B4-BE49-F238E27FC236}">
-                <a16:creationId xmlns:a16="http://schemas.microsoft.com/office/drawing/2014/main" id="{BED29BC7-9F6F-4043-A934-875D19B470BF}"/>
+                <a16:creationId xmlns:a16="http://schemas.microsoft.com/office/drawing/2014/main" id="{FEE88565-919D-4995-95F3-5CDCA2795BF4}"/>
               </a:ext>
             </a:extLst>
           </p:cNvPr>
@@ -5477,14 +6129,53 @@
           <a:bodyPr/>
           <a:lstStyle/>
           <a:p>
-            <a:endParaRPr lang="en-GB"/>
-          </a:p>
-        </p:txBody>
-      </p:sp>
+            <a:r>
+              <a:rPr lang="en-GB" dirty="0"/>
+              <a:t>Doubles to floats</a:t>
+            </a:r>
+          </a:p>
+          <a:p>
+            <a:r>
+              <a:rPr lang="en-GB" dirty="0"/>
+              <a:t>Client class implementation</a:t>
+            </a:r>
+          </a:p>
+        </p:txBody>
+      </p:sp>
+      <p:pic>
+        <p:nvPicPr>
+          <p:cNvPr id="4" name="Picture 3">
+            <a:extLst>
+              <a:ext uri="{FF2B5EF4-FFF2-40B4-BE49-F238E27FC236}">
+                <a16:creationId xmlns:a16="http://schemas.microsoft.com/office/drawing/2014/main" id="{2E27C675-6FAC-4914-9BD3-4C5E0BF5F572}"/>
+              </a:ext>
+            </a:extLst>
+          </p:cNvPr>
+          <p:cNvPicPr>
+            <a:picLocks noChangeAspect="1"/>
+          </p:cNvPicPr>
+          <p:nvPr/>
+        </p:nvPicPr>
+        <p:blipFill>
+          <a:blip r:embed="rId2"/>
+          <a:stretch>
+            <a:fillRect/>
+          </a:stretch>
+        </p:blipFill>
+        <p:spPr>
+          <a:xfrm>
+            <a:off x="4643437" y="2157731"/>
+            <a:ext cx="6181725" cy="3800475"/>
+          </a:xfrm>
+          <a:prstGeom prst="rect">
+            <a:avLst/>
+          </a:prstGeom>
+        </p:spPr>
+      </p:pic>
     </p:spTree>
     <p:extLst>
       <p:ext uri="{BB962C8B-B14F-4D97-AF65-F5344CB8AC3E}">
-        <p14:creationId xmlns:p14="http://schemas.microsoft.com/office/powerpoint/2010/main" val="2909394021"/>
+        <p14:creationId xmlns:p14="http://schemas.microsoft.com/office/powerpoint/2010/main" val="4138283788"/>
       </p:ext>
     </p:extLst>
   </p:cSld>
@@ -5516,7 +6207,7 @@
           <p:cNvPr id="2" name="Title 1">
             <a:extLst>
               <a:ext uri="{FF2B5EF4-FFF2-40B4-BE49-F238E27FC236}">
-                <a16:creationId xmlns:a16="http://schemas.microsoft.com/office/drawing/2014/main" id="{5D7F1CFD-2056-4768-BAF2-5DBF93E5F750}"/>
+                <a16:creationId xmlns:a16="http://schemas.microsoft.com/office/drawing/2014/main" id="{BA0069E3-65D0-4421-8EDF-575BA6D09B5C}"/>
               </a:ext>
             </a:extLst>
           </p:cNvPr>
@@ -5534,40 +6225,127 @@
           <a:p>
             <a:r>
               <a:rPr lang="en-GB" dirty="0"/>
-              <a:t>Tested Order</a:t>
-            </a:r>
-          </a:p>
-        </p:txBody>
-      </p:sp>
-      <p:sp>
-        <p:nvSpPr>
-          <p:cNvPr id="3" name="Content Placeholder 2">
+              <a:t>Repairing the </a:t>
+            </a:r>
+            <a:r>
+              <a:rPr lang="en-GB" dirty="0" err="1"/>
+              <a:t>Makefile</a:t>
+            </a:r>
+            <a:endParaRPr lang="en-GB" dirty="0"/>
+          </a:p>
+        </p:txBody>
+      </p:sp>
+      <p:pic>
+        <p:nvPicPr>
+          <p:cNvPr id="6" name="Picture 5">
             <a:extLst>
               <a:ext uri="{FF2B5EF4-FFF2-40B4-BE49-F238E27FC236}">
-                <a16:creationId xmlns:a16="http://schemas.microsoft.com/office/drawing/2014/main" id="{2FF0DDA6-1497-4C2D-8A7B-776A7BC10FCE}"/>
+                <a16:creationId xmlns:a16="http://schemas.microsoft.com/office/drawing/2014/main" id="{8BD560E3-E816-42A7-BAD1-9988E8B3FF00}"/>
               </a:ext>
             </a:extLst>
           </p:cNvPr>
-          <p:cNvSpPr>
-            <a:spLocks noGrp="1"/>
-          </p:cNvSpPr>
-          <p:nvPr>
-            <p:ph idx="1"/>
-          </p:nvPr>
-        </p:nvSpPr>
-        <p:spPr/>
-        <p:txBody>
-          <a:bodyPr/>
-          <a:lstStyle/>
-          <a:p>
-            <a:endParaRPr lang="en-GB"/>
-          </a:p>
-        </p:txBody>
-      </p:sp>
+          <p:cNvPicPr>
+            <a:picLocks noChangeAspect="1"/>
+          </p:cNvPicPr>
+          <p:nvPr/>
+        </p:nvPicPr>
+        <p:blipFill rotWithShape="1">
+          <a:blip r:embed="rId2">
+            <a:extLst>
+              <a:ext uri="{28A0092B-C50C-407E-A947-70E740481C1C}">
+                <a14:useLocalDpi xmlns:a14="http://schemas.microsoft.com/office/drawing/2010/main" val="0"/>
+              </a:ext>
+            </a:extLst>
+          </a:blip>
+          <a:srcRect b="9112"/>
+          <a:stretch/>
+        </p:blipFill>
+        <p:spPr>
+          <a:xfrm>
+            <a:off x="657224" y="1996130"/>
+            <a:ext cx="5877745" cy="2580159"/>
+          </a:xfrm>
+          <a:prstGeom prst="rect">
+            <a:avLst/>
+          </a:prstGeom>
+        </p:spPr>
+      </p:pic>
+      <p:pic>
+        <p:nvPicPr>
+          <p:cNvPr id="8" name="Picture 7">
+            <a:extLst>
+              <a:ext uri="{FF2B5EF4-FFF2-40B4-BE49-F238E27FC236}">
+                <a16:creationId xmlns:a16="http://schemas.microsoft.com/office/drawing/2014/main" id="{7E6EA190-4311-425C-BDA5-4F70F9886E19}"/>
+              </a:ext>
+            </a:extLst>
+          </p:cNvPr>
+          <p:cNvPicPr>
+            <a:picLocks noChangeAspect="1"/>
+          </p:cNvPicPr>
+          <p:nvPr/>
+        </p:nvPicPr>
+        <p:blipFill>
+          <a:blip r:embed="rId3">
+            <a:extLst>
+              <a:ext uri="{28A0092B-C50C-407E-A947-70E740481C1C}">
+                <a14:useLocalDpi xmlns:a14="http://schemas.microsoft.com/office/drawing/2010/main" val="0"/>
+              </a:ext>
+            </a:extLst>
+          </a:blip>
+          <a:stretch>
+            <a:fillRect/>
+          </a:stretch>
+        </p:blipFill>
+        <p:spPr>
+          <a:xfrm>
+            <a:off x="7095519" y="2447517"/>
+            <a:ext cx="4334480" cy="1419423"/>
+          </a:xfrm>
+          <a:prstGeom prst="rect">
+            <a:avLst/>
+          </a:prstGeom>
+        </p:spPr>
+      </p:pic>
+      <p:pic>
+        <p:nvPicPr>
+          <p:cNvPr id="10" name="Picture 9">
+            <a:extLst>
+              <a:ext uri="{FF2B5EF4-FFF2-40B4-BE49-F238E27FC236}">
+                <a16:creationId xmlns:a16="http://schemas.microsoft.com/office/drawing/2014/main" id="{EBE30661-649F-40C9-97BA-BB9223DA6E67}"/>
+              </a:ext>
+            </a:extLst>
+          </p:cNvPr>
+          <p:cNvPicPr>
+            <a:picLocks noChangeAspect="1"/>
+          </p:cNvPicPr>
+          <p:nvPr/>
+        </p:nvPicPr>
+        <p:blipFill>
+          <a:blip r:embed="rId4">
+            <a:extLst>
+              <a:ext uri="{28A0092B-C50C-407E-A947-70E740481C1C}">
+                <a14:useLocalDpi xmlns:a14="http://schemas.microsoft.com/office/drawing/2010/main" val="0"/>
+              </a:ext>
+            </a:extLst>
+          </a:blip>
+          <a:stretch>
+            <a:fillRect/>
+          </a:stretch>
+        </p:blipFill>
+        <p:spPr>
+          <a:xfrm>
+            <a:off x="657224" y="4995419"/>
+            <a:ext cx="8954750" cy="1438476"/>
+          </a:xfrm>
+          <a:prstGeom prst="rect">
+            <a:avLst/>
+          </a:prstGeom>
+        </p:spPr>
+      </p:pic>
     </p:spTree>
     <p:extLst>
       <p:ext uri="{BB962C8B-B14F-4D97-AF65-F5344CB8AC3E}">
-        <p14:creationId xmlns:p14="http://schemas.microsoft.com/office/powerpoint/2010/main" val="3775332693"/>
+        <p14:creationId xmlns:p14="http://schemas.microsoft.com/office/powerpoint/2010/main" val="2909394021"/>
       </p:ext>
     </p:extLst>
   </p:cSld>

--- a/MTSE.pptx
+++ b/MTSE.pptx
@@ -3565,17 +3565,17 @@
           <a:p>
             <a:r>
               <a:rPr lang="en-GB" dirty="0"/>
-              <a:t>Unit Tested Order</a:t>
+              <a:t>Unit Tested Classes</a:t>
             </a:r>
           </a:p>
         </p:txBody>
       </p:sp>
       <p:pic>
         <p:nvPicPr>
-          <p:cNvPr id="7" name="Picture 6">
+          <p:cNvPr id="3" name="Picture 2">
             <a:extLst>
               <a:ext uri="{FF2B5EF4-FFF2-40B4-BE49-F238E27FC236}">
-                <a16:creationId xmlns:a16="http://schemas.microsoft.com/office/drawing/2014/main" id="{DEED2879-C9CA-415C-8A82-88314A458AA7}"/>
+                <a16:creationId xmlns:a16="http://schemas.microsoft.com/office/drawing/2014/main" id="{F73C0D03-EDAF-4B09-8ED0-1366600747A0}"/>
               </a:ext>
             </a:extLst>
           </p:cNvPr>
@@ -3592,8 +3592,8 @@
         </p:blipFill>
         <p:spPr>
           <a:xfrm>
-            <a:off x="2144893" y="1518889"/>
-            <a:ext cx="7902211" cy="5150683"/>
+            <a:off x="3416209" y="1595572"/>
+            <a:ext cx="5359581" cy="4597439"/>
           </a:xfrm>
           <a:prstGeom prst="rect">
             <a:avLst/>
@@ -6218,20 +6218,20 @@
             <p:ph type="title"/>
           </p:nvPr>
         </p:nvSpPr>
-        <p:spPr/>
-        <p:txBody>
-          <a:bodyPr/>
-          <a:lstStyle/>
-          <a:p>
-            <a:r>
-              <a:rPr lang="en-GB" dirty="0"/>
-              <a:t>Repairing the </a:t>
-            </a:r>
-            <a:r>
-              <a:rPr lang="en-GB" dirty="0" err="1"/>
-              <a:t>Makefile</a:t>
-            </a:r>
-            <a:endParaRPr lang="en-GB" dirty="0"/>
+        <p:spPr>
+          <a:xfrm>
+            <a:off x="657224" y="301088"/>
+            <a:ext cx="10772775" cy="1658198"/>
+          </a:xfrm>
+        </p:spPr>
+        <p:txBody>
+          <a:bodyPr/>
+          <a:lstStyle/>
+          <a:p>
+            <a:r>
+              <a:rPr lang="en-GB" dirty="0"/>
+              <a:t>Repairing the Make file</a:t>
+            </a:r>
           </a:p>
         </p:txBody>
       </p:sp>
@@ -6268,6 +6268,11 @@
           <a:prstGeom prst="rect">
             <a:avLst/>
           </a:prstGeom>
+          <a:ln>
+            <a:solidFill>
+              <a:schemeClr val="tx1"/>
+            </a:solidFill>
+          </a:ln>
         </p:spPr>
       </p:pic>
       <p:pic>
@@ -6298,20 +6303,25 @@
         </p:blipFill>
         <p:spPr>
           <a:xfrm>
-            <a:off x="7095519" y="2447517"/>
+            <a:off x="6929134" y="2396948"/>
             <a:ext cx="4334480" cy="1419423"/>
           </a:xfrm>
           <a:prstGeom prst="rect">
             <a:avLst/>
           </a:prstGeom>
+          <a:ln>
+            <a:solidFill>
+              <a:schemeClr val="tx1"/>
+            </a:solidFill>
+          </a:ln>
         </p:spPr>
       </p:pic>
       <p:pic>
         <p:nvPicPr>
-          <p:cNvPr id="10" name="Picture 9">
+          <p:cNvPr id="4" name="Picture 3">
             <a:extLst>
               <a:ext uri="{FF2B5EF4-FFF2-40B4-BE49-F238E27FC236}">
-                <a16:creationId xmlns:a16="http://schemas.microsoft.com/office/drawing/2014/main" id="{EBE30661-649F-40C9-97BA-BB9223DA6E67}"/>
+                <a16:creationId xmlns:a16="http://schemas.microsoft.com/office/drawing/2014/main" id="{2B4C4B39-2022-4DF1-AC1D-C864ACAFB25C}"/>
               </a:ext>
             </a:extLst>
           </p:cNvPr>
@@ -6321,27 +6331,131 @@
           <p:nvPr/>
         </p:nvPicPr>
         <p:blipFill>
-          <a:blip r:embed="rId4">
-            <a:extLst>
-              <a:ext uri="{28A0092B-C50C-407E-A947-70E740481C1C}">
-                <a14:useLocalDpi xmlns:a14="http://schemas.microsoft.com/office/drawing/2010/main" val="0"/>
-              </a:ext>
-            </a:extLst>
-          </a:blip>
+          <a:blip r:embed="rId4"/>
           <a:stretch>
             <a:fillRect/>
           </a:stretch>
         </p:blipFill>
         <p:spPr>
           <a:xfrm>
-            <a:off x="657224" y="4995419"/>
-            <a:ext cx="8954750" cy="1438476"/>
+            <a:off x="657224" y="4866075"/>
+            <a:ext cx="8439150" cy="1733550"/>
           </a:xfrm>
           <a:prstGeom prst="rect">
             <a:avLst/>
           </a:prstGeom>
+          <a:ln>
+            <a:solidFill>
+              <a:schemeClr val="tx1"/>
+            </a:solidFill>
+          </a:ln>
         </p:spPr>
       </p:pic>
+      <p:sp>
+        <p:nvSpPr>
+          <p:cNvPr id="5" name="TextBox 4">
+            <a:extLst>
+              <a:ext uri="{FF2B5EF4-FFF2-40B4-BE49-F238E27FC236}">
+                <a16:creationId xmlns:a16="http://schemas.microsoft.com/office/drawing/2014/main" id="{5276F551-0386-4DD7-A828-B6A26DB4CC92}"/>
+              </a:ext>
+            </a:extLst>
+          </p:cNvPr>
+          <p:cNvSpPr txBox="1"/>
+          <p:nvPr/>
+        </p:nvSpPr>
+        <p:spPr>
+          <a:xfrm>
+            <a:off x="1905023" y="1626798"/>
+            <a:ext cx="2971776" cy="369332"/>
+          </a:xfrm>
+          <a:prstGeom prst="rect">
+            <a:avLst/>
+          </a:prstGeom>
+          <a:noFill/>
+        </p:spPr>
+        <p:txBody>
+          <a:bodyPr wrap="none" rtlCol="0">
+            <a:spAutoFit/>
+          </a:bodyPr>
+          <a:lstStyle/>
+          <a:p>
+            <a:r>
+              <a:rPr lang="en-GB" dirty="0"/>
+              <a:t>Directories, Libraries and flags</a:t>
+            </a:r>
+          </a:p>
+        </p:txBody>
+      </p:sp>
+      <p:sp>
+        <p:nvSpPr>
+          <p:cNvPr id="9" name="TextBox 8">
+            <a:extLst>
+              <a:ext uri="{FF2B5EF4-FFF2-40B4-BE49-F238E27FC236}">
+                <a16:creationId xmlns:a16="http://schemas.microsoft.com/office/drawing/2014/main" id="{40439AAF-798B-4E84-91A4-508E6EA43BF5}"/>
+              </a:ext>
+            </a:extLst>
+          </p:cNvPr>
+          <p:cNvSpPr txBox="1"/>
+          <p:nvPr/>
+        </p:nvSpPr>
+        <p:spPr>
+          <a:xfrm>
+            <a:off x="7966582" y="1774620"/>
+            <a:ext cx="2424574" cy="369332"/>
+          </a:xfrm>
+          <a:prstGeom prst="rect">
+            <a:avLst/>
+          </a:prstGeom>
+          <a:noFill/>
+        </p:spPr>
+        <p:txBody>
+          <a:bodyPr wrap="none" rtlCol="0">
+            <a:spAutoFit/>
+          </a:bodyPr>
+          <a:lstStyle/>
+          <a:p>
+            <a:r>
+              <a:rPr lang="en-GB" dirty="0"/>
+              <a:t>Creating test object files</a:t>
+            </a:r>
+          </a:p>
+        </p:txBody>
+      </p:sp>
+      <p:sp>
+        <p:nvSpPr>
+          <p:cNvPr id="11" name="TextBox 10">
+            <a:extLst>
+              <a:ext uri="{FF2B5EF4-FFF2-40B4-BE49-F238E27FC236}">
+                <a16:creationId xmlns:a16="http://schemas.microsoft.com/office/drawing/2014/main" id="{17E2CA3A-0466-4CCA-ACD7-83F5C8E300C7}"/>
+              </a:ext>
+            </a:extLst>
+          </p:cNvPr>
+          <p:cNvSpPr txBox="1"/>
+          <p:nvPr/>
+        </p:nvSpPr>
+        <p:spPr>
+          <a:xfrm>
+            <a:off x="9190775" y="5676562"/>
+            <a:ext cx="2155334" cy="369332"/>
+          </a:xfrm>
+          <a:prstGeom prst="rect">
+            <a:avLst/>
+          </a:prstGeom>
+          <a:noFill/>
+        </p:spPr>
+        <p:txBody>
+          <a:bodyPr wrap="none" rtlCol="0">
+            <a:spAutoFit/>
+          </a:bodyPr>
+          <a:lstStyle/>
+          <a:p>
+            <a:r>
+              <a:rPr lang="en-GB" dirty="0"/>
+              <a:t>Creating executables </a:t>
+            </a:r>
+          </a:p>
+        </p:txBody>
+      </p:sp>
     </p:spTree>
     <p:extLst>
       <p:ext uri="{BB962C8B-B14F-4D97-AF65-F5344CB8AC3E}">
